--- a/Report/Deep Learning Techniques for Text Classification.pptx
+++ b/Report/Deep Learning Techniques for Text Classification.pptx
@@ -20,7 +20,13 @@
     <p:sldId id="263" r:id="rId14"/>
     <p:sldId id="268" r:id="rId15"/>
     <p:sldId id="273" r:id="rId16"/>
-    <p:sldId id="270" r:id="rId17"/>
+    <p:sldId id="277" r:id="rId17"/>
+    <p:sldId id="270" r:id="rId18"/>
+    <p:sldId id="278" r:id="rId19"/>
+    <p:sldId id="279" r:id="rId20"/>
+    <p:sldId id="280" r:id="rId21"/>
+    <p:sldId id="281" r:id="rId22"/>
+    <p:sldId id="276" r:id="rId23"/>
   </p:sldIdLst>
   <p:sldSz cx="12192000" cy="6858000"/>
   <p:notesSz cx="6858000" cy="9144000"/>
@@ -371,7 +377,7 @@
           <a:p>
             <a:fld id="{9184DA70-C731-4C70-880D-CCD4705E623C}" type="datetime1">
               <a:rPr lang="en-US" smtClean="0"/>
-              <a:t>2/5/2021</a:t>
+              <a:t>2/18/2021</a:t>
             </a:fld>
             <a:endParaRPr lang="en-US" dirty="0"/>
           </a:p>
@@ -559,7 +565,7 @@
           <a:p>
             <a:fld id="{B612A279-0833-481D-8C56-F67FD0AC6C50}" type="datetime1">
               <a:rPr lang="en-US" smtClean="0"/>
-              <a:t>2/5/2021</a:t>
+              <a:t>2/18/2021</a:t>
             </a:fld>
             <a:endParaRPr lang="en-US" dirty="0"/>
           </a:p>
@@ -801,7 +807,7 @@
           <a:p>
             <a:fld id="{6587DA83-5663-4C9C-B9AA-0B40A3DAFF81}" type="datetime1">
               <a:rPr lang="en-US" smtClean="0"/>
-              <a:t>2/5/2021</a:t>
+              <a:t>2/18/2021</a:t>
             </a:fld>
             <a:endParaRPr lang="en-US" dirty="0"/>
           </a:p>
@@ -989,7 +995,7 @@
           <a:p>
             <a:fld id="{4BE1D723-8F53-4F53-90B0-1982A396982E}" type="datetime1">
               <a:rPr lang="en-US" smtClean="0"/>
-              <a:t>2/5/2021</a:t>
+              <a:t>2/18/2021</a:t>
             </a:fld>
             <a:endParaRPr lang="en-US" dirty="0"/>
           </a:p>
@@ -1362,7 +1368,7 @@
           <a:p>
             <a:fld id="{97669AF7-7BEB-44E4-9852-375E34362B5B}" type="datetime1">
               <a:rPr lang="en-US" smtClean="0"/>
-              <a:t>2/5/2021</a:t>
+              <a:t>2/18/2021</a:t>
             </a:fld>
             <a:endParaRPr lang="en-US" dirty="0"/>
           </a:p>
@@ -1617,7 +1623,7 @@
           <a:p>
             <a:fld id="{BAAAC38D-0552-4C82-B593-E6124DFADBE2}" type="datetime1">
               <a:rPr lang="en-US" smtClean="0"/>
-              <a:t>2/5/2021</a:t>
+              <a:t>2/18/2021</a:t>
             </a:fld>
             <a:endParaRPr lang="en-US" dirty="0"/>
           </a:p>
@@ -2014,7 +2020,7 @@
           <a:p>
             <a:fld id="{D9DF0F1C-5577-4ACB-BB62-DF8F3C494C7E}" type="datetime1">
               <a:rPr lang="en-US" smtClean="0"/>
-              <a:t>2/5/2021</a:t>
+              <a:t>2/18/2021</a:t>
             </a:fld>
             <a:endParaRPr lang="en-US" dirty="0"/>
           </a:p>
@@ -2150,7 +2156,7 @@
           <a:p>
             <a:fld id="{1775B394-D9F9-4F0C-B15D-605F45CB9E9F}" type="datetime1">
               <a:rPr lang="en-US" smtClean="0"/>
-              <a:t>2/5/2021</a:t>
+              <a:t>2/18/2021</a:t>
             </a:fld>
             <a:endParaRPr lang="en-US" dirty="0"/>
           </a:p>
@@ -2307,7 +2313,7 @@
           <a:p>
             <a:fld id="{39667345-2558-425A-8533-9BFDBCE15005}" type="datetime1">
               <a:rPr lang="en-US" smtClean="0"/>
-              <a:t>2/5/2021</a:t>
+              <a:t>2/18/2021</a:t>
             </a:fld>
             <a:endParaRPr lang="en-US" dirty="0"/>
           </a:p>
@@ -2636,7 +2642,7 @@
           <a:p>
             <a:fld id="{92BEA474-078D-4E9B-9B14-09A87B19DC46}" type="datetime1">
               <a:rPr lang="en-US" smtClean="0"/>
-              <a:t>2/5/2021</a:t>
+              <a:t>2/18/2021</a:t>
             </a:fld>
             <a:endParaRPr lang="en-US" dirty="0"/>
           </a:p>
@@ -2986,7 +2992,7 @@
           <a:p>
             <a:fld id="{4907D986-8816-4272-A432-0437A28A9828}" type="datetime1">
               <a:rPr lang="en-US" smtClean="0"/>
-              <a:t>2/5/2021</a:t>
+              <a:t>2/18/2021</a:t>
             </a:fld>
             <a:endParaRPr lang="en-US" dirty="0"/>
           </a:p>
@@ -3247,7 +3253,7 @@
           <a:p>
             <a:fld id="{62D6E202-B606-4609-B914-27C9371A1F6D}" type="datetime1">
               <a:rPr lang="en-US" smtClean="0"/>
-              <a:t>2/5/2021</a:t>
+              <a:t>2/18/2021</a:t>
             </a:fld>
             <a:endParaRPr lang="en-US" dirty="0"/>
           </a:p>
@@ -5143,7 +5149,7 @@
             <p:ph idx="1"/>
             <p:extLst>
               <p:ext uri="{D42A27DB-BD31-4B8C-83A1-F6EECF244321}">
-                <p14:modId xmlns:p14="http://schemas.microsoft.com/office/powerpoint/2010/main" val="3376009766"/>
+                <p14:modId xmlns:p14="http://schemas.microsoft.com/office/powerpoint/2010/main" val="2568366357"/>
               </p:ext>
             </p:extLst>
           </p:nvPr>
@@ -5683,7 +5689,7 @@
                       <a:pPr algn="ctr"/>
                       <a:r>
                         <a:rPr lang="en-ID" b="1" dirty="0"/>
-                        <a:t>Baseline</a:t>
+                        <a:t>Naïve Bayes</a:t>
                       </a:r>
                     </a:p>
                   </a:txBody>
@@ -5940,7 +5946,7 @@
           <a:lstStyle/>
           <a:p>
             <a:r>
-              <a:rPr lang="en-US" sz="2400" dirty="0">
+              <a:rPr lang="en-US" dirty="0">
                 <a:solidFill>
                   <a:schemeClr val="tx1">
                     <a:lumMod val="85000"/>
@@ -5948,8 +5954,16 @@
                   </a:schemeClr>
                 </a:solidFill>
               </a:rPr>
-              <a:t>Convolutional neural network text classification</a:t>
-            </a:r>
+              <a:t>Ensemble deep random vector functional link neural network</a:t>
+            </a:r>
+            <a:endParaRPr lang="en-US" sz="2400" dirty="0">
+              <a:solidFill>
+                <a:schemeClr val="tx1">
+                  <a:lumMod val="85000"/>
+                  <a:lumOff val="15000"/>
+                </a:schemeClr>
+              </a:solidFill>
+            </a:endParaRPr>
           </a:p>
         </p:txBody>
       </p:sp>
@@ -6785,6 +6799,174 @@
           <p:cNvPr id="2" name="Title 1">
             <a:extLst>
               <a:ext uri="{FF2B5EF4-FFF2-40B4-BE49-F238E27FC236}">
+                <a16:creationId xmlns:a16="http://schemas.microsoft.com/office/drawing/2014/main" id="{7DAD1C4C-4E4D-46F3-81EB-9525A9B2495A}"/>
+              </a:ext>
+            </a:extLst>
+          </p:cNvPr>
+          <p:cNvSpPr>
+            <a:spLocks noGrp="1"/>
+          </p:cNvSpPr>
+          <p:nvPr>
+            <p:ph type="title"/>
+          </p:nvPr>
+        </p:nvSpPr>
+        <p:spPr/>
+        <p:txBody>
+          <a:bodyPr/>
+          <a:lstStyle/>
+          <a:p>
+            <a:r>
+              <a:rPr lang="en-ID" dirty="0"/>
+              <a:t>Hyperparameters</a:t>
+            </a:r>
+          </a:p>
+        </p:txBody>
+      </p:sp>
+      <p:sp>
+        <p:nvSpPr>
+          <p:cNvPr id="3" name="Content Placeholder 2">
+            <a:extLst>
+              <a:ext uri="{FF2B5EF4-FFF2-40B4-BE49-F238E27FC236}">
+                <a16:creationId xmlns:a16="http://schemas.microsoft.com/office/drawing/2014/main" id="{655AE8F1-8829-4AED-B814-137D3DA57EEA}"/>
+              </a:ext>
+            </a:extLst>
+          </p:cNvPr>
+          <p:cNvSpPr>
+            <a:spLocks noGrp="1"/>
+          </p:cNvSpPr>
+          <p:nvPr>
+            <p:ph idx="1"/>
+          </p:nvPr>
+        </p:nvSpPr>
+        <p:spPr/>
+        <p:txBody>
+          <a:bodyPr/>
+          <a:lstStyle/>
+          <a:p>
+            <a:pPr marL="457200" indent="-457200">
+              <a:buFont typeface="+mj-lt"/>
+              <a:buAutoNum type="arabicPeriod"/>
+            </a:pPr>
+            <a:r>
+              <a:rPr lang="en-ID" b="1" dirty="0"/>
+              <a:t>L: </a:t>
+            </a:r>
+            <a:r>
+              <a:rPr lang="en-ID" dirty="0"/>
+              <a:t>Number of layers </a:t>
+            </a:r>
+            <a:r>
+              <a:rPr lang="en-ID" b="1" dirty="0"/>
+              <a:t>= </a:t>
+            </a:r>
+            <a:r>
+              <a:rPr lang="en-ID" dirty="0"/>
+              <a:t>10</a:t>
+            </a:r>
+          </a:p>
+          <a:p>
+            <a:pPr marL="457200" indent="-457200">
+              <a:buFont typeface="+mj-lt"/>
+              <a:buAutoNum type="arabicPeriod"/>
+            </a:pPr>
+            <a:r>
+              <a:rPr lang="en-ID" b="1" dirty="0"/>
+              <a:t>N: </a:t>
+            </a:r>
+            <a:r>
+              <a:rPr lang="en-ID" dirty="0"/>
+              <a:t>Number of neurons: in the range of 3 to 203</a:t>
+            </a:r>
+          </a:p>
+          <a:p>
+            <a:pPr marL="457200" indent="-457200">
+              <a:buFont typeface="+mj-lt"/>
+              <a:buAutoNum type="arabicPeriod"/>
+            </a:pPr>
+            <a:r>
+              <a:rPr lang="en-ID" b="1" dirty="0"/>
+              <a:t>C: </a:t>
+            </a:r>
+            <a:r>
+              <a:rPr lang="en-ID" dirty="0"/>
+              <a:t>Regularization parameters: in the range of 2^-5 to 2^14</a:t>
+            </a:r>
+          </a:p>
+          <a:p>
+            <a:pPr marL="457200" indent="-457200">
+              <a:buFont typeface="+mj-lt"/>
+              <a:buAutoNum type="arabicPeriod"/>
+            </a:pPr>
+            <a:r>
+              <a:rPr lang="en-ID" b="1" dirty="0"/>
+              <a:t>Activation: </a:t>
+            </a:r>
+            <a:r>
+              <a:rPr lang="en-ID" dirty="0"/>
+              <a:t>Activation function: </a:t>
+            </a:r>
+            <a:r>
+              <a:rPr lang="en-ID" dirty="0" err="1"/>
+              <a:t>Relu</a:t>
+            </a:r>
+            <a:r>
+              <a:rPr lang="en-ID" dirty="0"/>
+              <a:t>, Sigmoid, </a:t>
+            </a:r>
+            <a:r>
+              <a:rPr lang="en-ID" dirty="0" err="1"/>
+              <a:t>Selu</a:t>
+            </a:r>
+            <a:r>
+              <a:rPr lang="en-ID" dirty="0"/>
+              <a:t>, </a:t>
+            </a:r>
+            <a:r>
+              <a:rPr lang="en-ID" dirty="0" err="1"/>
+              <a:t>Radbas</a:t>
+            </a:r>
+            <a:r>
+              <a:rPr lang="en-ID" dirty="0"/>
+              <a:t>, Sine.</a:t>
+            </a:r>
+          </a:p>
+        </p:txBody>
+      </p:sp>
+    </p:spTree>
+    <p:extLst>
+      <p:ext uri="{BB962C8B-B14F-4D97-AF65-F5344CB8AC3E}">
+        <p14:creationId xmlns:p14="http://schemas.microsoft.com/office/powerpoint/2010/main" val="4200686470"/>
+      </p:ext>
+    </p:extLst>
+  </p:cSld>
+  <p:clrMapOvr>
+    <a:masterClrMapping/>
+  </p:clrMapOvr>
+</p:sld>
+</file>
+
+<file path=ppt/slides/slide17.xml><?xml version="1.0" encoding="utf-8"?>
+<p:sld xmlns:a="http://schemas.openxmlformats.org/drawingml/2006/main" xmlns:r="http://schemas.openxmlformats.org/officeDocument/2006/relationships" xmlns:p="http://schemas.openxmlformats.org/presentationml/2006/main">
+  <p:cSld>
+    <p:spTree>
+      <p:nvGrpSpPr>
+        <p:cNvPr id="1" name=""/>
+        <p:cNvGrpSpPr/>
+        <p:nvPr/>
+      </p:nvGrpSpPr>
+      <p:grpSpPr>
+        <a:xfrm>
+          <a:off x="0" y="0"/>
+          <a:ext cx="0" cy="0"/>
+          <a:chOff x="0" y="0"/>
+          <a:chExt cx="0" cy="0"/>
+        </a:xfrm>
+      </p:grpSpPr>
+      <p:sp>
+        <p:nvSpPr>
+          <p:cNvPr id="2" name="Title 1">
+            <a:extLst>
+              <a:ext uri="{FF2B5EF4-FFF2-40B4-BE49-F238E27FC236}">
                 <a16:creationId xmlns:a16="http://schemas.microsoft.com/office/drawing/2014/main" id="{B509617B-28E0-4092-A3A3-1DF9B2AE4B02}"/>
               </a:ext>
             </a:extLst>
@@ -6805,12 +6987,16 @@
               <a:rPr lang="en-ID" dirty="0"/>
               <a:t>Bag-of-Words Model: </a:t>
             </a:r>
+            <a:r>
+              <a:rPr lang="en-ID" dirty="0" err="1"/>
+              <a:t>edRVFL</a:t>
+            </a:r>
             <a:br>
               <a:rPr lang="en-ID" dirty="0"/>
             </a:br>
             <a:r>
               <a:rPr lang="en-ID" dirty="0"/>
-              <a:t>Convolutional Neural Network</a:t>
+              <a:t>CR Dataset</a:t>
             </a:r>
           </a:p>
         </p:txBody>
@@ -6855,58 +7041,58 @@
           <p:nvPr>
             <p:extLst>
               <p:ext uri="{D42A27DB-BD31-4B8C-83A1-F6EECF244321}">
-                <p14:modId xmlns:p14="http://schemas.microsoft.com/office/powerpoint/2010/main" val="2029372023"/>
+                <p14:modId xmlns:p14="http://schemas.microsoft.com/office/powerpoint/2010/main" val="1056560870"/>
               </p:ext>
             </p:extLst>
           </p:nvPr>
         </p:nvGraphicFramePr>
         <p:xfrm>
-          <a:off x="1096963" y="2108200"/>
-          <a:ext cx="10058400" cy="2225040"/>
+          <a:off x="461913" y="2108200"/>
+          <a:ext cx="11246177" cy="3779520"/>
         </p:xfrm>
         <a:graphic>
           <a:graphicData uri="http://schemas.openxmlformats.org/drawingml/2006/table">
             <a:tbl>
-              <a:tblPr firstRow="1" bandRow="1">
+              <a:tblPr bandRow="1">
                 <a:tableStyleId>{5C22544A-7EE6-4342-B048-85BDC9FD1C3A}</a:tableStyleId>
               </a:tblPr>
               <a:tblGrid>
-                <a:gridCol w="1676400">
+                <a:gridCol w="1857081">
                   <a:extLst>
                     <a:ext uri="{9D8B030D-6E8A-4147-A177-3AD203B41FA5}">
                       <a16:colId xmlns:a16="http://schemas.microsoft.com/office/drawing/2014/main" val="3010020823"/>
                     </a:ext>
                   </a:extLst>
                 </a:gridCol>
-                <a:gridCol w="1676400">
+                <a:gridCol w="1891644">
                   <a:extLst>
                     <a:ext uri="{9D8B030D-6E8A-4147-A177-3AD203B41FA5}">
                       <a16:colId xmlns:a16="http://schemas.microsoft.com/office/drawing/2014/main" val="2391301616"/>
                     </a:ext>
                   </a:extLst>
                 </a:gridCol>
-                <a:gridCol w="1676400">
+                <a:gridCol w="1874363">
                   <a:extLst>
                     <a:ext uri="{9D8B030D-6E8A-4147-A177-3AD203B41FA5}">
                       <a16:colId xmlns:a16="http://schemas.microsoft.com/office/drawing/2014/main" val="3310041279"/>
                     </a:ext>
                   </a:extLst>
                 </a:gridCol>
-                <a:gridCol w="1676400">
+                <a:gridCol w="1874363">
                   <a:extLst>
                     <a:ext uri="{9D8B030D-6E8A-4147-A177-3AD203B41FA5}">
                       <a16:colId xmlns:a16="http://schemas.microsoft.com/office/drawing/2014/main" val="635172696"/>
                     </a:ext>
                   </a:extLst>
                 </a:gridCol>
-                <a:gridCol w="1676400">
+                <a:gridCol w="1874363">
                   <a:extLst>
                     <a:ext uri="{9D8B030D-6E8A-4147-A177-3AD203B41FA5}">
                       <a16:colId xmlns:a16="http://schemas.microsoft.com/office/drawing/2014/main" val="1489510848"/>
                     </a:ext>
                   </a:extLst>
                 </a:gridCol>
-                <a:gridCol w="1676400">
+                <a:gridCol w="1874363">
                   <a:extLst>
                     <a:ext uri="{9D8B030D-6E8A-4147-A177-3AD203B41FA5}">
                       <a16:colId xmlns:a16="http://schemas.microsoft.com/office/drawing/2014/main" val="973671048"/>
@@ -6923,8 +7109,23 @@
                       <a:pPr algn="ctr"/>
                       <a:r>
                         <a:rPr lang="en-ID" dirty="0"/>
-                        <a:t>Mode</a:t>
-                      </a:r>
+                        <a:t>Activation</a:t>
+                      </a:r>
+                    </a:p>
+                  </a:txBody>
+                  <a:tcPr/>
+                </a:tc>
+                <a:tc>
+                  <a:txBody>
+                    <a:bodyPr/>
+                    <a:lstStyle/>
+                    <a:p>
+                      <a:pPr algn="ctr"/>
+                      <a:r>
+                        <a:rPr lang="en-ID" dirty="0" err="1"/>
+                        <a:t>Relu</a:t>
+                      </a:r>
+                      <a:endParaRPr lang="en-ID" dirty="0"/>
                     </a:p>
                   </a:txBody>
                   <a:tcPr/>
@@ -6937,8 +7138,38 @@
                       <a:pPr algn="ctr"/>
                       <a:r>
                         <a:rPr lang="en-ID" dirty="0"/>
-                        <a:t>MR</a:t>
-                      </a:r>
+                        <a:t>Sigmoid</a:t>
+                      </a:r>
+                    </a:p>
+                  </a:txBody>
+                  <a:tcPr/>
+                </a:tc>
+                <a:tc>
+                  <a:txBody>
+                    <a:bodyPr/>
+                    <a:lstStyle/>
+                    <a:p>
+                      <a:pPr algn="ctr"/>
+                      <a:r>
+                        <a:rPr lang="en-ID" dirty="0" err="1"/>
+                        <a:t>Selu</a:t>
+                      </a:r>
+                      <a:endParaRPr lang="en-ID" dirty="0"/>
+                    </a:p>
+                  </a:txBody>
+                  <a:tcPr/>
+                </a:tc>
+                <a:tc>
+                  <a:txBody>
+                    <a:bodyPr/>
+                    <a:lstStyle/>
+                    <a:p>
+                      <a:pPr algn="ctr"/>
+                      <a:r>
+                        <a:rPr lang="en-ID" dirty="0" err="1"/>
+                        <a:t>Radbas</a:t>
+                      </a:r>
+                      <a:endParaRPr lang="en-ID" dirty="0"/>
                     </a:p>
                   </a:txBody>
                   <a:tcPr/>
@@ -6951,49 +7182,7 @@
                       <a:pPr algn="ctr"/>
                       <a:r>
                         <a:rPr lang="en-ID" dirty="0"/>
-                        <a:t>SUBJ</a:t>
-                      </a:r>
-                    </a:p>
-                  </a:txBody>
-                  <a:tcPr/>
-                </a:tc>
-                <a:tc>
-                  <a:txBody>
-                    <a:bodyPr/>
-                    <a:lstStyle/>
-                    <a:p>
-                      <a:pPr algn="ctr"/>
-                      <a:r>
-                        <a:rPr lang="en-ID" dirty="0"/>
-                        <a:t>CR</a:t>
-                      </a:r>
-                    </a:p>
-                  </a:txBody>
-                  <a:tcPr/>
-                </a:tc>
-                <a:tc>
-                  <a:txBody>
-                    <a:bodyPr/>
-                    <a:lstStyle/>
-                    <a:p>
-                      <a:pPr algn="ctr"/>
-                      <a:r>
-                        <a:rPr lang="en-ID" dirty="0"/>
-                        <a:t>MPQA</a:t>
-                      </a:r>
-                    </a:p>
-                  </a:txBody>
-                  <a:tcPr/>
-                </a:tc>
-                <a:tc>
-                  <a:txBody>
-                    <a:bodyPr/>
-                    <a:lstStyle/>
-                    <a:p>
-                      <a:pPr algn="ctr"/>
-                      <a:r>
-                        <a:rPr lang="en-ID" dirty="0"/>
-                        <a:t>TREC</a:t>
+                        <a:t>Sine</a:t>
                       </a:r>
                     </a:p>
                   </a:txBody>
@@ -7005,6 +7194,174 @@
                   </a:ext>
                 </a:extLst>
               </a:tr>
+              <a:tr h="140721">
+                <a:tc>
+                  <a:txBody>
+                    <a:bodyPr/>
+                    <a:lstStyle/>
+                    <a:p>
+                      <a:pPr algn="ctr"/>
+                      <a:r>
+                        <a:rPr lang="en-ID" b="0" dirty="0"/>
+                        <a:t>Best Tuned Hyperparameters</a:t>
+                      </a:r>
+                    </a:p>
+                  </a:txBody>
+                  <a:tcPr/>
+                </a:tc>
+                <a:tc>
+                  <a:txBody>
+                    <a:bodyPr/>
+                    <a:lstStyle/>
+                    <a:p>
+                      <a:pPr algn="ctr"/>
+                      <a:r>
+                        <a:rPr lang="en-ID" sz="1400" b="0" dirty="0">
+                          <a:solidFill>
+                            <a:schemeClr val="tx1"/>
+                          </a:solidFill>
+                        </a:rPr>
+                        <a:t>N = 43, C = 0.1250</a:t>
+                      </a:r>
+                    </a:p>
+                  </a:txBody>
+                  <a:tcPr anchor="ctr"/>
+                </a:tc>
+                <a:tc>
+                  <a:txBody>
+                    <a:bodyPr/>
+                    <a:lstStyle/>
+                    <a:p>
+                      <a:pPr marL="0" marR="0" lvl="0" indent="0" algn="ctr" defTabSz="914400" rtl="0" eaLnBrk="1" fontAlgn="auto" latinLnBrk="0" hangingPunct="1">
+                        <a:lnSpc>
+                          <a:spcPct val="100000"/>
+                        </a:lnSpc>
+                        <a:spcBef>
+                          <a:spcPts val="0"/>
+                        </a:spcBef>
+                        <a:spcAft>
+                          <a:spcPts val="0"/>
+                        </a:spcAft>
+                        <a:buClrTx/>
+                        <a:buSzTx/>
+                        <a:buFontTx/>
+                        <a:buNone/>
+                        <a:tabLst/>
+                        <a:defRPr/>
+                      </a:pPr>
+                      <a:r>
+                        <a:rPr lang="en-ID" sz="1400" b="0" dirty="0">
+                          <a:solidFill>
+                            <a:schemeClr val="tx1"/>
+                          </a:solidFill>
+                        </a:rPr>
+                        <a:t>N = 123, C = 0.0313</a:t>
+                      </a:r>
+                    </a:p>
+                  </a:txBody>
+                  <a:tcPr anchor="ctr"/>
+                </a:tc>
+                <a:tc>
+                  <a:txBody>
+                    <a:bodyPr/>
+                    <a:lstStyle/>
+                    <a:p>
+                      <a:pPr algn="ctr"/>
+                      <a:r>
+                        <a:rPr lang="en-ID" sz="1400" b="0" dirty="0">
+                          <a:solidFill>
+                            <a:schemeClr val="tx1"/>
+                          </a:solidFill>
+                        </a:rPr>
+                        <a:t>N = 3, C = 0.0313</a:t>
+                      </a:r>
+                    </a:p>
+                  </a:txBody>
+                  <a:tcPr anchor="ctr"/>
+                </a:tc>
+                <a:tc>
+                  <a:txBody>
+                    <a:bodyPr/>
+                    <a:lstStyle/>
+                    <a:p>
+                      <a:pPr marL="0" marR="0" lvl="0" indent="0" algn="ctr" defTabSz="914400" rtl="0" eaLnBrk="1" fontAlgn="auto" latinLnBrk="0" hangingPunct="1">
+                        <a:lnSpc>
+                          <a:spcPct val="100000"/>
+                        </a:lnSpc>
+                        <a:spcBef>
+                          <a:spcPts val="0"/>
+                        </a:spcBef>
+                        <a:spcAft>
+                          <a:spcPts val="0"/>
+                        </a:spcAft>
+                        <a:buClrTx/>
+                        <a:buSzTx/>
+                        <a:buFontTx/>
+                        <a:buNone/>
+                        <a:tabLst/>
+                        <a:defRPr/>
+                      </a:pPr>
+                      <a:r>
+                        <a:rPr lang="en-ID" sz="1400" b="0" dirty="0">
+                          <a:solidFill>
+                            <a:schemeClr val="tx1"/>
+                          </a:solidFill>
+                        </a:rPr>
+                        <a:t>N = 3, C = 0.0313</a:t>
+                      </a:r>
+                    </a:p>
+                  </a:txBody>
+                  <a:tcPr anchor="ctr"/>
+                </a:tc>
+                <a:tc>
+                  <a:txBody>
+                    <a:bodyPr/>
+                    <a:lstStyle/>
+                    <a:p>
+                      <a:pPr marL="0" marR="0" lvl="0" indent="0" algn="ctr" defTabSz="914400" rtl="0" eaLnBrk="1" fontAlgn="auto" latinLnBrk="0" hangingPunct="1">
+                        <a:lnSpc>
+                          <a:spcPct val="100000"/>
+                        </a:lnSpc>
+                        <a:spcBef>
+                          <a:spcPts val="0"/>
+                        </a:spcBef>
+                        <a:spcAft>
+                          <a:spcPts val="0"/>
+                        </a:spcAft>
+                        <a:buClrTx/>
+                        <a:buSzTx/>
+                        <a:buFontTx/>
+                        <a:buNone/>
+                        <a:tabLst/>
+                        <a:defRPr/>
+                      </a:pPr>
+                      <a:r>
+                        <a:rPr kumimoji="0" lang="en-ID" sz="1400" b="0" i="0" u="none" strike="noStrike" kern="1200" cap="none" spc="0" normalizeH="0" baseline="0" noProof="0" dirty="0">
+                          <a:ln>
+                            <a:noFill/>
+                          </a:ln>
+                          <a:solidFill>
+                            <a:srgbClr val="000000"/>
+                          </a:solidFill>
+                          <a:effectLst/>
+                          <a:uLnTx/>
+                          <a:uFillTx/>
+                          <a:latin typeface="+mn-lt"/>
+                          <a:ea typeface="+mn-ea"/>
+                          <a:cs typeface="+mn-cs"/>
+                        </a:rPr>
+                        <a:t>N = 3, C = 0.0313</a:t>
+                      </a:r>
+                    </a:p>
+                  </a:txBody>
+                  <a:tcPr anchor="ctr"/>
+                </a:tc>
+                <a:extLst>
+                  <a:ext uri="{0D108BD9-81ED-4DB2-BD59-A6C34878D82A}">
+                    <a16:rowId xmlns:a16="http://schemas.microsoft.com/office/drawing/2014/main" val="141040622"/>
+                  </a:ext>
+                </a:extLst>
+              </a:tr>
               <a:tr h="370840">
                 <a:tc>
                   <a:txBody>
@@ -7014,229 +7371,46 @@
                       <a:pPr algn="ctr"/>
                       <a:r>
                         <a:rPr lang="en-ID" dirty="0"/>
-                        <a:t>Binary</a:t>
-                      </a:r>
-                    </a:p>
-                  </a:txBody>
-                  <a:tcPr/>
-                </a:tc>
-                <a:tc>
-                  <a:txBody>
-                    <a:bodyPr/>
-                    <a:lstStyle/>
-                    <a:p>
-                      <a:pPr algn="ctr"/>
+                        <a:t>Binary </a:t>
+                      </a:r>
+                      <a:r>
+                        <a:rPr lang="en-ID" dirty="0" err="1"/>
+                        <a:t>Acc</a:t>
+                      </a:r>
+                      <a:endParaRPr lang="en-ID" dirty="0"/>
+                    </a:p>
+                  </a:txBody>
+                  <a:tcPr/>
+                </a:tc>
+                <a:tc>
+                  <a:txBody>
+                    <a:bodyPr/>
+                    <a:lstStyle/>
+                    <a:p>
+                      <a:pPr marL="0" marR="0" lvl="0" indent="0" algn="ctr" defTabSz="914400" rtl="0" eaLnBrk="1" fontAlgn="auto" latinLnBrk="0" hangingPunct="1">
+                        <a:lnSpc>
+                          <a:spcPct val="100000"/>
+                        </a:lnSpc>
+                        <a:spcBef>
+                          <a:spcPts val="0"/>
+                        </a:spcBef>
+                        <a:spcAft>
+                          <a:spcPts val="0"/>
+                        </a:spcAft>
+                        <a:buClrTx/>
+                        <a:buSzTx/>
+                        <a:buFontTx/>
+                        <a:buNone/>
+                        <a:tabLst/>
+                        <a:defRPr/>
+                      </a:pPr>
                       <a:r>
                         <a:rPr lang="en-ID" b="0" dirty="0">
                           <a:solidFill>
                             <a:schemeClr val="tx1"/>
                           </a:solidFill>
                         </a:rPr>
-                        <a:t>72.1</a:t>
-                      </a:r>
-                    </a:p>
-                  </a:txBody>
-                  <a:tcPr/>
-                </a:tc>
-                <a:tc>
-                  <a:txBody>
-                    <a:bodyPr/>
-                    <a:lstStyle/>
-                    <a:p>
-                      <a:pPr algn="ctr"/>
-                      <a:r>
-                        <a:rPr lang="en-ID" b="0" dirty="0">
-                          <a:solidFill>
-                            <a:schemeClr val="tx1"/>
-                          </a:solidFill>
-                        </a:rPr>
-                        <a:t>86.9</a:t>
-                      </a:r>
-                    </a:p>
-                  </a:txBody>
-                  <a:tcPr/>
-                </a:tc>
-                <a:tc>
-                  <a:txBody>
-                    <a:bodyPr/>
-                    <a:lstStyle/>
-                    <a:p>
-                      <a:pPr algn="ctr"/>
-                      <a:r>
-                        <a:rPr lang="en-ID" b="0" dirty="0">
-                          <a:solidFill>
-                            <a:schemeClr val="tx1"/>
-                          </a:solidFill>
-                        </a:rPr>
-                        <a:t>75.4</a:t>
-                      </a:r>
-                    </a:p>
-                  </a:txBody>
-                  <a:tcPr/>
-                </a:tc>
-                <a:tc>
-                  <a:txBody>
-                    <a:bodyPr/>
-                    <a:lstStyle/>
-                    <a:p>
-                      <a:pPr algn="ctr"/>
-                      <a:r>
-                        <a:rPr lang="en-ID" b="0" dirty="0">
-                          <a:solidFill>
-                            <a:schemeClr val="tx1"/>
-                          </a:solidFill>
-                        </a:rPr>
-                        <a:t>84.0</a:t>
-                      </a:r>
-                    </a:p>
-                  </a:txBody>
-                  <a:tcPr/>
-                </a:tc>
-                <a:tc>
-                  <a:txBody>
-                    <a:bodyPr/>
-                    <a:lstStyle/>
-                    <a:p>
-                      <a:pPr algn="ctr"/>
-                      <a:r>
-                        <a:rPr lang="en-ID" b="0" dirty="0">
-                          <a:solidFill>
-                            <a:schemeClr val="tx1"/>
-                          </a:solidFill>
-                        </a:rPr>
-                        <a:t>68.0</a:t>
-                      </a:r>
-                    </a:p>
-                  </a:txBody>
-                  <a:tcPr/>
-                </a:tc>
-                <a:extLst>
-                  <a:ext uri="{0D108BD9-81ED-4DB2-BD59-A6C34878D82A}">
-                    <a16:rowId xmlns:a16="http://schemas.microsoft.com/office/drawing/2014/main" val="2295509896"/>
-                  </a:ext>
-                </a:extLst>
-              </a:tr>
-              <a:tr h="370840">
-                <a:tc>
-                  <a:txBody>
-                    <a:bodyPr/>
-                    <a:lstStyle/>
-                    <a:p>
-                      <a:pPr algn="ctr"/>
-                      <a:r>
-                        <a:rPr lang="en-ID" dirty="0"/>
-                        <a:t>Count</a:t>
-                      </a:r>
-                    </a:p>
-                  </a:txBody>
-                  <a:tcPr/>
-                </a:tc>
-                <a:tc>
-                  <a:txBody>
-                    <a:bodyPr/>
-                    <a:lstStyle/>
-                    <a:p>
-                      <a:pPr algn="ctr"/>
-                      <a:r>
-                        <a:rPr lang="en-ID" b="0" dirty="0">
-                          <a:solidFill>
-                            <a:schemeClr val="tx1"/>
-                          </a:solidFill>
-                        </a:rPr>
-                        <a:t>72.1</a:t>
-                      </a:r>
-                    </a:p>
-                  </a:txBody>
-                  <a:tcPr/>
-                </a:tc>
-                <a:tc>
-                  <a:txBody>
-                    <a:bodyPr/>
-                    <a:lstStyle/>
-                    <a:p>
-                      <a:pPr algn="ctr"/>
-                      <a:r>
-                        <a:rPr lang="en-ID" b="0" dirty="0">
-                          <a:solidFill>
-                            <a:schemeClr val="tx1"/>
-                          </a:solidFill>
-                        </a:rPr>
-                        <a:t>87.6</a:t>
-                      </a:r>
-                    </a:p>
-                  </a:txBody>
-                  <a:tcPr/>
-                </a:tc>
-                <a:tc>
-                  <a:txBody>
-                    <a:bodyPr/>
-                    <a:lstStyle/>
-                    <a:p>
-                      <a:pPr algn="ctr"/>
-                      <a:r>
-                        <a:rPr lang="en-ID" b="0" dirty="0">
-                          <a:solidFill>
-                            <a:schemeClr val="tx1"/>
-                          </a:solidFill>
-                        </a:rPr>
-                        <a:t>74.7</a:t>
-                      </a:r>
-                    </a:p>
-                  </a:txBody>
-                  <a:tcPr/>
-                </a:tc>
-                <a:tc>
-                  <a:txBody>
-                    <a:bodyPr/>
-                    <a:lstStyle/>
-                    <a:p>
-                      <a:pPr algn="ctr"/>
-                      <a:r>
-                        <a:rPr lang="en-ID" b="0" dirty="0">
-                          <a:solidFill>
-                            <a:schemeClr val="tx1"/>
-                          </a:solidFill>
-                        </a:rPr>
-                        <a:t>83.8</a:t>
-                      </a:r>
-                    </a:p>
-                  </a:txBody>
-                  <a:tcPr/>
-                </a:tc>
-                <a:tc>
-                  <a:txBody>
-                    <a:bodyPr/>
-                    <a:lstStyle/>
-                    <a:p>
-                      <a:pPr algn="ctr"/>
-                      <a:r>
-                        <a:rPr lang="en-ID" b="1" dirty="0">
-                          <a:solidFill>
-                            <a:srgbClr val="C00000"/>
-                          </a:solidFill>
-                        </a:rPr>
-                        <a:t>68.6</a:t>
-                      </a:r>
-                    </a:p>
-                  </a:txBody>
-                  <a:tcPr/>
-                </a:tc>
-                <a:extLst>
-                  <a:ext uri="{0D108BD9-81ED-4DB2-BD59-A6C34878D82A}">
-                    <a16:rowId xmlns:a16="http://schemas.microsoft.com/office/drawing/2014/main" val="3707155939"/>
-                  </a:ext>
-                </a:extLst>
-              </a:tr>
-              <a:tr h="370840">
-                <a:tc>
-                  <a:txBody>
-                    <a:bodyPr/>
-                    <a:lstStyle/>
-                    <a:p>
-                      <a:pPr algn="ctr"/>
-                      <a:r>
-                        <a:rPr lang="en-ID" dirty="0"/>
-                        <a:t>TFIDF</a:t>
+                        <a:t>70.0</a:t>
                       </a:r>
                     </a:p>
                   </a:txBody>
@@ -7272,7 +7446,7 @@
                             <a:schemeClr val="tx1"/>
                           </a:solidFill>
                         </a:rPr>
-                        <a:t>86.5</a:t>
+                        <a:t>70.0</a:t>
                       </a:r>
                     </a:p>
                   </a:txBody>
@@ -7290,43 +7464,25 @@
                             <a:schemeClr val="tx1"/>
                           </a:solidFill>
                         </a:rPr>
-                        <a:t>73.9</a:t>
-                      </a:r>
-                    </a:p>
-                  </a:txBody>
-                  <a:tcPr/>
-                </a:tc>
-                <a:tc>
-                  <a:txBody>
-                    <a:bodyPr/>
-                    <a:lstStyle/>
-                    <a:p>
-                      <a:pPr algn="ctr"/>
-                      <a:r>
-                        <a:rPr lang="en-ID" b="0" dirty="0">
+                        <a:t>70.6</a:t>
+                      </a:r>
+                    </a:p>
+                  </a:txBody>
+                  <a:tcPr/>
+                </a:tc>
+                <a:tc>
+                  <a:txBody>
+                    <a:bodyPr/>
+                    <a:lstStyle/>
+                    <a:p>
+                      <a:pPr algn="ctr"/>
+                      <a:r>
+                        <a:rPr lang="en-ID" b="1" dirty="0">
                           <a:solidFill>
-                            <a:schemeClr val="tx1"/>
+                            <a:srgbClr val="C00000"/>
                           </a:solidFill>
                         </a:rPr>
-                        <a:t>83.3</a:t>
-                      </a:r>
-                    </a:p>
-                  </a:txBody>
-                  <a:tcPr/>
-                </a:tc>
-                <a:tc>
-                  <a:txBody>
-                    <a:bodyPr/>
-                    <a:lstStyle/>
-                    <a:p>
-                      <a:pPr algn="ctr"/>
-                      <a:r>
-                        <a:rPr lang="en-ID" b="0" dirty="0">
-                          <a:solidFill>
-                            <a:schemeClr val="tx1"/>
-                          </a:solidFill>
-                        </a:rPr>
-                        <a:t>64.5</a:t>
+                        <a:t>69.8</a:t>
                       </a:r>
                     </a:p>
                   </a:txBody>
@@ -7334,7 +7490,7 @@
                 </a:tc>
                 <a:extLst>
                   <a:ext uri="{0D108BD9-81ED-4DB2-BD59-A6C34878D82A}">
-                    <a16:rowId xmlns:a16="http://schemas.microsoft.com/office/drawing/2014/main" val="1769610400"/>
+                    <a16:rowId xmlns:a16="http://schemas.microsoft.com/office/drawing/2014/main" val="4266857135"/>
                   </a:ext>
                 </a:extLst>
               </a:tr>
@@ -7347,105 +7503,95 @@
                       <a:pPr algn="ctr"/>
                       <a:r>
                         <a:rPr lang="en-ID" dirty="0"/>
-                        <a:t>Freq</a:t>
-                      </a:r>
-                    </a:p>
-                  </a:txBody>
-                  <a:tcPr/>
-                </a:tc>
-                <a:tc>
-                  <a:txBody>
-                    <a:bodyPr/>
-                    <a:lstStyle/>
-                    <a:p>
-                      <a:pPr algn="ctr"/>
-                      <a:r>
-                        <a:rPr lang="en-ID" b="0" dirty="0">
-                          <a:solidFill>
-                            <a:schemeClr val="tx1"/>
-                          </a:solidFill>
-                        </a:rPr>
-                        <a:t>73.4</a:t>
-                      </a:r>
-                    </a:p>
-                  </a:txBody>
-                  <a:tcPr/>
-                </a:tc>
-                <a:tc>
-                  <a:txBody>
-                    <a:bodyPr/>
-                    <a:lstStyle/>
-                    <a:p>
-                      <a:pPr algn="ctr"/>
-                      <a:r>
-                        <a:rPr lang="en-ID" b="0" dirty="0">
-                          <a:solidFill>
-                            <a:schemeClr val="tx1"/>
-                          </a:solidFill>
-                        </a:rPr>
-                        <a:t>86.6</a:t>
-                      </a:r>
-                    </a:p>
-                  </a:txBody>
-                  <a:tcPr/>
-                </a:tc>
-                <a:tc>
-                  <a:txBody>
-                    <a:bodyPr/>
-                    <a:lstStyle/>
-                    <a:p>
-                      <a:pPr algn="ctr"/>
-                      <a:r>
-                        <a:rPr lang="en-ID" b="0" dirty="0">
-                          <a:solidFill>
-                            <a:schemeClr val="tx1"/>
-                          </a:solidFill>
-                        </a:rPr>
-                        <a:t>74.7</a:t>
-                      </a:r>
-                    </a:p>
-                  </a:txBody>
-                  <a:tcPr/>
-                </a:tc>
-                <a:tc>
-                  <a:txBody>
-                    <a:bodyPr/>
-                    <a:lstStyle/>
-                    <a:p>
-                      <a:pPr algn="ctr"/>
-                      <a:r>
-                        <a:rPr lang="en-ID" b="0" dirty="0">
-                          <a:solidFill>
-                            <a:schemeClr val="tx1"/>
-                          </a:solidFill>
-                        </a:rPr>
-                        <a:t>83.7</a:t>
-                      </a:r>
-                    </a:p>
-                  </a:txBody>
-                  <a:tcPr/>
-                </a:tc>
-                <a:tc>
-                  <a:txBody>
-                    <a:bodyPr/>
-                    <a:lstStyle/>
-                    <a:p>
-                      <a:pPr algn="ctr"/>
-                      <a:r>
-                        <a:rPr lang="en-ID" b="0" dirty="0">
-                          <a:solidFill>
-                            <a:schemeClr val="tx1"/>
-                          </a:solidFill>
-                        </a:rPr>
-                        <a:t>66.8</a:t>
-                      </a:r>
+                        <a:t>Count </a:t>
+                      </a:r>
+                      <a:r>
+                        <a:rPr lang="en-ID" dirty="0" err="1"/>
+                        <a:t>Acc</a:t>
+                      </a:r>
+                      <a:endParaRPr lang="en-ID" dirty="0"/>
+                    </a:p>
+                  </a:txBody>
+                  <a:tcPr/>
+                </a:tc>
+                <a:tc>
+                  <a:txBody>
+                    <a:bodyPr/>
+                    <a:lstStyle/>
+                    <a:p>
+                      <a:pPr algn="ctr"/>
+                      <a:endParaRPr lang="en-ID" b="0" dirty="0">
+                        <a:solidFill>
+                          <a:schemeClr val="tx1"/>
+                        </a:solidFill>
+                      </a:endParaRPr>
+                    </a:p>
+                  </a:txBody>
+                  <a:tcPr/>
+                </a:tc>
+                <a:tc>
+                  <a:txBody>
+                    <a:bodyPr/>
+                    <a:lstStyle/>
+                    <a:p>
+                      <a:pPr algn="ctr"/>
+                      <a:endParaRPr lang="en-ID" b="0" dirty="0">
+                        <a:solidFill>
+                          <a:schemeClr val="tx1"/>
+                        </a:solidFill>
+                      </a:endParaRPr>
+                    </a:p>
+                  </a:txBody>
+                  <a:tcPr/>
+                </a:tc>
+                <a:tc>
+                  <a:txBody>
+                    <a:bodyPr/>
+                    <a:lstStyle/>
+                    <a:p>
+                      <a:pPr algn="ctr"/>
+                      <a:endParaRPr lang="en-ID" b="0" dirty="0">
+                        <a:solidFill>
+                          <a:schemeClr val="tx1"/>
+                        </a:solidFill>
+                      </a:endParaRPr>
+                    </a:p>
+                  </a:txBody>
+                  <a:tcPr/>
+                </a:tc>
+                <a:tc>
+                  <a:txBody>
+                    <a:bodyPr/>
+                    <a:lstStyle/>
+                    <a:p>
+                      <a:pPr algn="ctr"/>
+                      <a:endParaRPr lang="en-ID" b="0" dirty="0">
+                        <a:solidFill>
+                          <a:schemeClr val="tx1"/>
+                        </a:solidFill>
+                      </a:endParaRPr>
+                    </a:p>
+                  </a:txBody>
+                  <a:tcPr/>
+                </a:tc>
+                <a:tc>
+                  <a:txBody>
+                    <a:bodyPr/>
+                    <a:lstStyle/>
+                    <a:p>
+                      <a:pPr algn="ctr"/>
+                      <a:endParaRPr lang="en-ID" b="0" dirty="0">
+                        <a:solidFill>
+                          <a:schemeClr val="tx1"/>
+                        </a:solidFill>
+                      </a:endParaRPr>
                     </a:p>
                   </a:txBody>
                   <a:tcPr/>
                 </a:tc>
                 <a:extLst>
                   <a:ext uri="{0D108BD9-81ED-4DB2-BD59-A6C34878D82A}">
-                    <a16:rowId xmlns:a16="http://schemas.microsoft.com/office/drawing/2014/main" val="1600544900"/>
+                    <a16:rowId xmlns:a16="http://schemas.microsoft.com/office/drawing/2014/main" val="1268569981"/>
                   </a:ext>
                 </a:extLst>
               </a:tr>
@@ -7457,9 +7603,115 @@
                     <a:p>
                       <a:pPr algn="ctr"/>
                       <a:r>
-                        <a:rPr lang="en-ID" b="1" dirty="0"/>
-                        <a:t>Baseline</a:t>
-                      </a:r>
+                        <a:rPr lang="en-ID" dirty="0"/>
+                        <a:t>TFIDF </a:t>
+                      </a:r>
+                      <a:r>
+                        <a:rPr lang="en-ID" dirty="0" err="1"/>
+                        <a:t>Acc</a:t>
+                      </a:r>
+                      <a:endParaRPr lang="en-ID" dirty="0"/>
+                    </a:p>
+                  </a:txBody>
+                  <a:tcPr/>
+                </a:tc>
+                <a:tc>
+                  <a:txBody>
+                    <a:bodyPr/>
+                    <a:lstStyle/>
+                    <a:p>
+                      <a:pPr algn="ctr"/>
+                      <a:endParaRPr lang="en-ID" b="0" dirty="0">
+                        <a:solidFill>
+                          <a:schemeClr val="tx1"/>
+                        </a:solidFill>
+                      </a:endParaRPr>
+                    </a:p>
+                  </a:txBody>
+                  <a:tcPr/>
+                </a:tc>
+                <a:tc>
+                  <a:txBody>
+                    <a:bodyPr/>
+                    <a:lstStyle/>
+                    <a:p>
+                      <a:pPr algn="ctr"/>
+                      <a:endParaRPr lang="en-ID" b="0" dirty="0">
+                        <a:solidFill>
+                          <a:schemeClr val="tx1"/>
+                        </a:solidFill>
+                      </a:endParaRPr>
+                    </a:p>
+                  </a:txBody>
+                  <a:tcPr/>
+                </a:tc>
+                <a:tc>
+                  <a:txBody>
+                    <a:bodyPr/>
+                    <a:lstStyle/>
+                    <a:p>
+                      <a:pPr algn="ctr"/>
+                      <a:endParaRPr lang="en-ID" b="0" dirty="0">
+                        <a:solidFill>
+                          <a:schemeClr val="tx1"/>
+                        </a:solidFill>
+                      </a:endParaRPr>
+                    </a:p>
+                  </a:txBody>
+                  <a:tcPr/>
+                </a:tc>
+                <a:tc>
+                  <a:txBody>
+                    <a:bodyPr/>
+                    <a:lstStyle/>
+                    <a:p>
+                      <a:pPr algn="ctr"/>
+                      <a:endParaRPr lang="en-ID" b="0" dirty="0">
+                        <a:solidFill>
+                          <a:schemeClr val="tx1"/>
+                        </a:solidFill>
+                      </a:endParaRPr>
+                    </a:p>
+                  </a:txBody>
+                  <a:tcPr/>
+                </a:tc>
+                <a:tc>
+                  <a:txBody>
+                    <a:bodyPr/>
+                    <a:lstStyle/>
+                    <a:p>
+                      <a:pPr algn="ctr"/>
+                      <a:endParaRPr lang="en-ID" b="0" dirty="0">
+                        <a:solidFill>
+                          <a:schemeClr val="tx1"/>
+                        </a:solidFill>
+                      </a:endParaRPr>
+                    </a:p>
+                  </a:txBody>
+                  <a:tcPr/>
+                </a:tc>
+                <a:extLst>
+                  <a:ext uri="{0D108BD9-81ED-4DB2-BD59-A6C34878D82A}">
+                    <a16:rowId xmlns:a16="http://schemas.microsoft.com/office/drawing/2014/main" val="1865587778"/>
+                  </a:ext>
+                </a:extLst>
+              </a:tr>
+              <a:tr h="370840">
+                <a:tc>
+                  <a:txBody>
+                    <a:bodyPr/>
+                    <a:lstStyle/>
+                    <a:p>
+                      <a:pPr algn="ctr"/>
+                      <a:r>
+                        <a:rPr lang="en-ID" dirty="0"/>
+                        <a:t>Freq </a:t>
+                      </a:r>
+                      <a:r>
+                        <a:rPr lang="en-ID"/>
+                        <a:t>Acc</a:t>
+                      </a:r>
+                      <a:endParaRPr lang="en-ID" dirty="0"/>
                     </a:p>
                   </a:txBody>
                   <a:tcPr/>
@@ -7556,7 +7808,241 @@
                 </a:tc>
                 <a:extLst>
                   <a:ext uri="{0D108BD9-81ED-4DB2-BD59-A6C34878D82A}">
-                    <a16:rowId xmlns:a16="http://schemas.microsoft.com/office/drawing/2014/main" val="3550683825"/>
+                    <a16:rowId xmlns:a16="http://schemas.microsoft.com/office/drawing/2014/main" val="492022231"/>
+                  </a:ext>
+                </a:extLst>
+              </a:tr>
+              <a:tr h="370840">
+                <a:tc>
+                  <a:txBody>
+                    <a:bodyPr/>
+                    <a:lstStyle/>
+                    <a:p>
+                      <a:pPr algn="ctr"/>
+                      <a:r>
+                        <a:rPr lang="en-ID" b="1" dirty="0"/>
+                        <a:t>Naïve Bayes</a:t>
+                      </a:r>
+                    </a:p>
+                  </a:txBody>
+                  <a:tcPr/>
+                </a:tc>
+                <a:tc>
+                  <a:txBody>
+                    <a:bodyPr/>
+                    <a:lstStyle/>
+                    <a:p>
+                      <a:pPr algn="ctr"/>
+                      <a:r>
+                        <a:rPr lang="en-ID" sz="1800" b="1" dirty="0">
+                          <a:solidFill>
+                            <a:srgbClr val="C00000"/>
+                          </a:solidFill>
+                        </a:rPr>
+                        <a:t>77.3</a:t>
+                      </a:r>
+                    </a:p>
+                  </a:txBody>
+                  <a:tcPr/>
+                </a:tc>
+                <a:tc>
+                  <a:txBody>
+                    <a:bodyPr/>
+                    <a:lstStyle/>
+                    <a:p>
+                      <a:pPr algn="ctr"/>
+                      <a:r>
+                        <a:rPr lang="en-ID" sz="1800" b="1" dirty="0">
+                          <a:solidFill>
+                            <a:srgbClr val="C00000"/>
+                          </a:solidFill>
+                        </a:rPr>
+                        <a:t>90.8</a:t>
+                      </a:r>
+                    </a:p>
+                  </a:txBody>
+                  <a:tcPr/>
+                </a:tc>
+                <a:tc>
+                  <a:txBody>
+                    <a:bodyPr/>
+                    <a:lstStyle/>
+                    <a:p>
+                      <a:pPr algn="ctr"/>
+                      <a:r>
+                        <a:rPr lang="en-ID" sz="1800" b="1" dirty="0">
+                          <a:solidFill>
+                            <a:srgbClr val="C00000"/>
+                          </a:solidFill>
+                        </a:rPr>
+                        <a:t>78.8</a:t>
+                      </a:r>
+                    </a:p>
+                  </a:txBody>
+                  <a:tcPr/>
+                </a:tc>
+                <a:tc>
+                  <a:txBody>
+                    <a:bodyPr/>
+                    <a:lstStyle/>
+                    <a:p>
+                      <a:pPr algn="ctr"/>
+                      <a:r>
+                        <a:rPr lang="en-ID" sz="1800" b="1" dirty="0">
+                          <a:solidFill>
+                            <a:srgbClr val="C00000"/>
+                          </a:solidFill>
+                        </a:rPr>
+                        <a:t>84.3</a:t>
+                      </a:r>
+                    </a:p>
+                  </a:txBody>
+                  <a:tcPr/>
+                </a:tc>
+                <a:tc>
+                  <a:txBody>
+                    <a:bodyPr/>
+                    <a:lstStyle/>
+                    <a:p>
+                      <a:pPr algn="ctr"/>
+                      <a:r>
+                        <a:rPr lang="en-ID" sz="1800" b="0" dirty="0">
+                          <a:solidFill>
+                            <a:schemeClr val="tx1"/>
+                          </a:solidFill>
+                        </a:rPr>
+                        <a:t>56.8</a:t>
+                      </a:r>
+                    </a:p>
+                  </a:txBody>
+                  <a:tcPr/>
+                </a:tc>
+                <a:extLst>
+                  <a:ext uri="{0D108BD9-81ED-4DB2-BD59-A6C34878D82A}">
+                    <a16:rowId xmlns:a16="http://schemas.microsoft.com/office/drawing/2014/main" val="2049811342"/>
+                  </a:ext>
+                </a:extLst>
+              </a:tr>
+              <a:tr h="370840">
+                <a:tc>
+                  <a:txBody>
+                    <a:bodyPr/>
+                    <a:lstStyle/>
+                    <a:p>
+                      <a:pPr marL="0" marR="0" lvl="0" indent="0" algn="ctr" defTabSz="914400" rtl="0" eaLnBrk="1" fontAlgn="auto" latinLnBrk="0" hangingPunct="1">
+                        <a:lnSpc>
+                          <a:spcPct val="100000"/>
+                        </a:lnSpc>
+                        <a:spcBef>
+                          <a:spcPts val="0"/>
+                        </a:spcBef>
+                        <a:spcAft>
+                          <a:spcPts val="0"/>
+                        </a:spcAft>
+                        <a:buClrTx/>
+                        <a:buSzTx/>
+                        <a:buFontTx/>
+                        <a:buNone/>
+                        <a:tabLst/>
+                        <a:defRPr/>
+                      </a:pPr>
+                      <a:r>
+                        <a:rPr lang="en-ID" b="1" dirty="0"/>
+                        <a:t>CNN-rand</a:t>
+                      </a:r>
+                      <a:br>
+                        <a:rPr lang="en-ID" b="1" dirty="0"/>
+                      </a:br>
+                      <a:r>
+                        <a:rPr lang="en-ID" b="1" dirty="0"/>
+                        <a:t>(Baseline) </a:t>
+                      </a:r>
+                    </a:p>
+                    <a:p>
+                      <a:pPr algn="ctr"/>
+                      <a:endParaRPr lang="en-ID" b="1" dirty="0"/>
+                    </a:p>
+                  </a:txBody>
+                  <a:tcPr/>
+                </a:tc>
+                <a:tc>
+                  <a:txBody>
+                    <a:bodyPr/>
+                    <a:lstStyle/>
+                    <a:p>
+                      <a:pPr algn="ctr"/>
+                      <a:endParaRPr lang="en-ID" sz="1800" b="1" dirty="0">
+                        <a:solidFill>
+                          <a:srgbClr val="C00000"/>
+                        </a:solidFill>
+                      </a:endParaRPr>
+                    </a:p>
+                  </a:txBody>
+                  <a:tcPr/>
+                </a:tc>
+                <a:tc>
+                  <a:txBody>
+                    <a:bodyPr/>
+                    <a:lstStyle/>
+                    <a:p>
+                      <a:pPr algn="ctr"/>
+                      <a:endParaRPr lang="en-ID" sz="1800" b="1" dirty="0">
+                        <a:solidFill>
+                          <a:srgbClr val="C00000"/>
+                        </a:solidFill>
+                      </a:endParaRPr>
+                    </a:p>
+                  </a:txBody>
+                  <a:tcPr/>
+                </a:tc>
+                <a:tc>
+                  <a:txBody>
+                    <a:bodyPr/>
+                    <a:lstStyle/>
+                    <a:p>
+                      <a:pPr algn="ctr"/>
+                      <a:endParaRPr lang="en-ID" sz="1800" b="1" dirty="0">
+                        <a:solidFill>
+                          <a:srgbClr val="C00000"/>
+                        </a:solidFill>
+                      </a:endParaRPr>
+                    </a:p>
+                  </a:txBody>
+                  <a:tcPr/>
+                </a:tc>
+                <a:tc>
+                  <a:txBody>
+                    <a:bodyPr/>
+                    <a:lstStyle/>
+                    <a:p>
+                      <a:pPr algn="ctr"/>
+                      <a:endParaRPr lang="en-ID" sz="1800" b="1" dirty="0">
+                        <a:solidFill>
+                          <a:srgbClr val="C00000"/>
+                        </a:solidFill>
+                      </a:endParaRPr>
+                    </a:p>
+                  </a:txBody>
+                  <a:tcPr/>
+                </a:tc>
+                <a:tc>
+                  <a:txBody>
+                    <a:bodyPr/>
+                    <a:lstStyle/>
+                    <a:p>
+                      <a:pPr algn="ctr"/>
+                      <a:endParaRPr lang="en-ID" sz="1800" b="0" dirty="0">
+                        <a:solidFill>
+                          <a:schemeClr val="tx1"/>
+                        </a:solidFill>
+                      </a:endParaRPr>
+                    </a:p>
+                  </a:txBody>
+                  <a:tcPr/>
+                </a:tc>
+                <a:extLst>
+                  <a:ext uri="{0D108BD9-81ED-4DB2-BD59-A6C34878D82A}">
+                    <a16:rowId xmlns:a16="http://schemas.microsoft.com/office/drawing/2014/main" val="3514948886"/>
                   </a:ext>
                 </a:extLst>
               </a:tr>
@@ -7564,67 +8050,2158 @@
           </a:graphicData>
         </a:graphic>
       </p:graphicFrame>
-      <p:sp>
-        <p:nvSpPr>
-          <p:cNvPr id="5" name="TextBox 4">
-            <a:extLst>
-              <a:ext uri="{FF2B5EF4-FFF2-40B4-BE49-F238E27FC236}">
-                <a16:creationId xmlns:a16="http://schemas.microsoft.com/office/drawing/2014/main" id="{2C49E3E2-D79C-436E-95FC-5CE3A5778249}"/>
-              </a:ext>
-            </a:extLst>
-          </p:cNvPr>
-          <p:cNvSpPr txBox="1"/>
-          <p:nvPr/>
-        </p:nvSpPr>
-        <p:spPr>
-          <a:xfrm>
-            <a:off x="1227667" y="4834467"/>
-            <a:ext cx="2180405" cy="923330"/>
-          </a:xfrm>
-          <a:prstGeom prst="rect">
-            <a:avLst/>
-          </a:prstGeom>
-          <a:noFill/>
-        </p:spPr>
-        <p:txBody>
-          <a:bodyPr wrap="none" rtlCol="0">
-            <a:spAutoFit/>
-          </a:bodyPr>
-          <a:lstStyle/>
-          <a:p>
-            <a:r>
-              <a:rPr lang="en-ID" dirty="0"/>
-              <a:t>Analysis: </a:t>
-            </a:r>
-          </a:p>
-          <a:p>
-            <a:pPr marL="285750" indent="-285750">
-              <a:buFont typeface="Arial" panose="020B0604020202020204" pitchFamily="34" charset="0"/>
-              <a:buChar char="•"/>
-            </a:pPr>
-            <a:r>
-              <a:rPr lang="en-ID" dirty="0" err="1"/>
-              <a:t>Dadsasdsadvbas</a:t>
-            </a:r>
-            <a:endParaRPr lang="en-ID" dirty="0"/>
-          </a:p>
-          <a:p>
-            <a:pPr marL="285750" indent="-285750">
-              <a:buFont typeface="Arial" panose="020B0604020202020204" pitchFamily="34" charset="0"/>
-              <a:buChar char="•"/>
-            </a:pPr>
-            <a:r>
-              <a:rPr lang="en-ID" dirty="0" err="1"/>
-              <a:t>aebaebeabaebab</a:t>
-            </a:r>
-            <a:endParaRPr lang="en-ID" dirty="0"/>
-          </a:p>
-        </p:txBody>
-      </p:sp>
     </p:spTree>
     <p:extLst>
       <p:ext uri="{BB962C8B-B14F-4D97-AF65-F5344CB8AC3E}">
         <p14:creationId xmlns:p14="http://schemas.microsoft.com/office/powerpoint/2010/main" val="325461118"/>
+      </p:ext>
+    </p:extLst>
+  </p:cSld>
+  <p:clrMapOvr>
+    <a:masterClrMapping/>
+  </p:clrMapOvr>
+</p:sld>
+</file>
+
+<file path=ppt/slides/slide18.xml><?xml version="1.0" encoding="utf-8"?>
+<p:sld xmlns:a="http://schemas.openxmlformats.org/drawingml/2006/main" xmlns:r="http://schemas.openxmlformats.org/officeDocument/2006/relationships" xmlns:p="http://schemas.openxmlformats.org/presentationml/2006/main">
+  <p:cSld>
+    <p:spTree>
+      <p:nvGrpSpPr>
+        <p:cNvPr id="1" name=""/>
+        <p:cNvGrpSpPr/>
+        <p:nvPr/>
+      </p:nvGrpSpPr>
+      <p:grpSpPr>
+        <a:xfrm>
+          <a:off x="0" y="0"/>
+          <a:ext cx="0" cy="0"/>
+          <a:chOff x="0" y="0"/>
+          <a:chExt cx="0" cy="0"/>
+        </a:xfrm>
+      </p:grpSpPr>
+      <p:sp>
+        <p:nvSpPr>
+          <p:cNvPr id="2" name="Title 1">
+            <a:extLst>
+              <a:ext uri="{FF2B5EF4-FFF2-40B4-BE49-F238E27FC236}">
+                <a16:creationId xmlns:a16="http://schemas.microsoft.com/office/drawing/2014/main" id="{B509617B-28E0-4092-A3A3-1DF9B2AE4B02}"/>
+              </a:ext>
+            </a:extLst>
+          </p:cNvPr>
+          <p:cNvSpPr>
+            <a:spLocks noGrp="1"/>
+          </p:cNvSpPr>
+          <p:nvPr>
+            <p:ph type="title"/>
+          </p:nvPr>
+        </p:nvSpPr>
+        <p:spPr/>
+        <p:txBody>
+          <a:bodyPr/>
+          <a:lstStyle/>
+          <a:p>
+            <a:r>
+              <a:rPr lang="en-ID" dirty="0"/>
+              <a:t>Bag-of-Words Model: </a:t>
+            </a:r>
+            <a:r>
+              <a:rPr lang="en-ID" dirty="0" err="1"/>
+              <a:t>edRVFL</a:t>
+            </a:r>
+            <a:br>
+              <a:rPr lang="en-ID" dirty="0"/>
+            </a:br>
+            <a:r>
+              <a:rPr lang="en-ID" dirty="0"/>
+              <a:t>MPQA Dataset</a:t>
+            </a:r>
+          </a:p>
+        </p:txBody>
+      </p:sp>
+      <p:sp>
+        <p:nvSpPr>
+          <p:cNvPr id="3" name="Content Placeholder 2">
+            <a:extLst>
+              <a:ext uri="{FF2B5EF4-FFF2-40B4-BE49-F238E27FC236}">
+                <a16:creationId xmlns:a16="http://schemas.microsoft.com/office/drawing/2014/main" id="{EFD4E93D-78AE-4A00-95A1-5E0F5285BA41}"/>
+              </a:ext>
+            </a:extLst>
+          </p:cNvPr>
+          <p:cNvSpPr>
+            <a:spLocks noGrp="1"/>
+          </p:cNvSpPr>
+          <p:nvPr>
+            <p:ph idx="1"/>
+          </p:nvPr>
+        </p:nvSpPr>
+        <p:spPr/>
+        <p:txBody>
+          <a:bodyPr/>
+          <a:lstStyle/>
+          <a:p>
+            <a:endParaRPr lang="en-ID" dirty="0"/>
+          </a:p>
+        </p:txBody>
+      </p:sp>
+      <p:graphicFrame>
+        <p:nvGraphicFramePr>
+          <p:cNvPr id="4" name="Table 4">
+            <a:extLst>
+              <a:ext uri="{FF2B5EF4-FFF2-40B4-BE49-F238E27FC236}">
+                <a16:creationId xmlns:a16="http://schemas.microsoft.com/office/drawing/2014/main" id="{6605F7BB-D940-4F85-869E-21CFA1A95389}"/>
+              </a:ext>
+            </a:extLst>
+          </p:cNvPr>
+          <p:cNvGraphicFramePr>
+            <a:graphicFrameLocks/>
+          </p:cNvGraphicFramePr>
+          <p:nvPr/>
+        </p:nvGraphicFramePr>
+        <p:xfrm>
+          <a:off x="461913" y="2108200"/>
+          <a:ext cx="11246177" cy="3505200"/>
+        </p:xfrm>
+        <a:graphic>
+          <a:graphicData uri="http://schemas.openxmlformats.org/drawingml/2006/table">
+            <a:tbl>
+              <a:tblPr bandRow="1">
+                <a:tableStyleId>{5C22544A-7EE6-4342-B048-85BDC9FD1C3A}</a:tableStyleId>
+              </a:tblPr>
+              <a:tblGrid>
+                <a:gridCol w="1461198">
+                  <a:extLst>
+                    <a:ext uri="{9D8B030D-6E8A-4147-A177-3AD203B41FA5}">
+                      <a16:colId xmlns:a16="http://schemas.microsoft.com/office/drawing/2014/main" val="3010020823"/>
+                    </a:ext>
+                  </a:extLst>
+                </a:gridCol>
+                <a:gridCol w="2287527">
+                  <a:extLst>
+                    <a:ext uri="{9D8B030D-6E8A-4147-A177-3AD203B41FA5}">
+                      <a16:colId xmlns:a16="http://schemas.microsoft.com/office/drawing/2014/main" val="2391301616"/>
+                    </a:ext>
+                  </a:extLst>
+                </a:gridCol>
+                <a:gridCol w="1874363">
+                  <a:extLst>
+                    <a:ext uri="{9D8B030D-6E8A-4147-A177-3AD203B41FA5}">
+                      <a16:colId xmlns:a16="http://schemas.microsoft.com/office/drawing/2014/main" val="3310041279"/>
+                    </a:ext>
+                  </a:extLst>
+                </a:gridCol>
+                <a:gridCol w="1874363">
+                  <a:extLst>
+                    <a:ext uri="{9D8B030D-6E8A-4147-A177-3AD203B41FA5}">
+                      <a16:colId xmlns:a16="http://schemas.microsoft.com/office/drawing/2014/main" val="635172696"/>
+                    </a:ext>
+                  </a:extLst>
+                </a:gridCol>
+                <a:gridCol w="1874363">
+                  <a:extLst>
+                    <a:ext uri="{9D8B030D-6E8A-4147-A177-3AD203B41FA5}">
+                      <a16:colId xmlns:a16="http://schemas.microsoft.com/office/drawing/2014/main" val="1489510848"/>
+                    </a:ext>
+                  </a:extLst>
+                </a:gridCol>
+                <a:gridCol w="1874363">
+                  <a:extLst>
+                    <a:ext uri="{9D8B030D-6E8A-4147-A177-3AD203B41FA5}">
+                      <a16:colId xmlns:a16="http://schemas.microsoft.com/office/drawing/2014/main" val="973671048"/>
+                    </a:ext>
+                  </a:extLst>
+                </a:gridCol>
+              </a:tblGrid>
+              <a:tr h="370840">
+                <a:tc>
+                  <a:txBody>
+                    <a:bodyPr/>
+                    <a:lstStyle/>
+                    <a:p>
+                      <a:pPr algn="ctr"/>
+                      <a:endParaRPr lang="en-ID" dirty="0"/>
+                    </a:p>
+                  </a:txBody>
+                  <a:tcPr/>
+                </a:tc>
+                <a:tc>
+                  <a:txBody>
+                    <a:bodyPr/>
+                    <a:lstStyle/>
+                    <a:p>
+                      <a:pPr algn="ctr"/>
+                      <a:r>
+                        <a:rPr lang="en-ID" dirty="0" err="1"/>
+                        <a:t>Relu</a:t>
+                      </a:r>
+                      <a:endParaRPr lang="en-ID" dirty="0"/>
+                    </a:p>
+                  </a:txBody>
+                  <a:tcPr/>
+                </a:tc>
+                <a:tc>
+                  <a:txBody>
+                    <a:bodyPr/>
+                    <a:lstStyle/>
+                    <a:p>
+                      <a:pPr algn="ctr"/>
+                      <a:r>
+                        <a:rPr lang="en-ID" dirty="0"/>
+                        <a:t>Sigmoid</a:t>
+                      </a:r>
+                    </a:p>
+                  </a:txBody>
+                  <a:tcPr/>
+                </a:tc>
+                <a:tc>
+                  <a:txBody>
+                    <a:bodyPr/>
+                    <a:lstStyle/>
+                    <a:p>
+                      <a:pPr algn="ctr"/>
+                      <a:r>
+                        <a:rPr lang="en-ID" dirty="0" err="1"/>
+                        <a:t>Selu</a:t>
+                      </a:r>
+                      <a:endParaRPr lang="en-ID" dirty="0"/>
+                    </a:p>
+                  </a:txBody>
+                  <a:tcPr/>
+                </a:tc>
+                <a:tc>
+                  <a:txBody>
+                    <a:bodyPr/>
+                    <a:lstStyle/>
+                    <a:p>
+                      <a:pPr algn="ctr"/>
+                      <a:r>
+                        <a:rPr lang="en-ID" dirty="0" err="1"/>
+                        <a:t>Radbas</a:t>
+                      </a:r>
+                      <a:endParaRPr lang="en-ID" dirty="0"/>
+                    </a:p>
+                  </a:txBody>
+                  <a:tcPr/>
+                </a:tc>
+                <a:tc>
+                  <a:txBody>
+                    <a:bodyPr/>
+                    <a:lstStyle/>
+                    <a:p>
+                      <a:pPr algn="ctr"/>
+                      <a:r>
+                        <a:rPr lang="en-ID" dirty="0"/>
+                        <a:t>Sine</a:t>
+                      </a:r>
+                    </a:p>
+                  </a:txBody>
+                  <a:tcPr/>
+                </a:tc>
+                <a:extLst>
+                  <a:ext uri="{0D108BD9-81ED-4DB2-BD59-A6C34878D82A}">
+                    <a16:rowId xmlns:a16="http://schemas.microsoft.com/office/drawing/2014/main" val="898384172"/>
+                  </a:ext>
+                </a:extLst>
+              </a:tr>
+              <a:tr h="140721">
+                <a:tc>
+                  <a:txBody>
+                    <a:bodyPr/>
+                    <a:lstStyle/>
+                    <a:p>
+                      <a:pPr algn="ctr"/>
+                      <a:endParaRPr lang="en-ID" b="1" dirty="0"/>
+                    </a:p>
+                  </a:txBody>
+                  <a:tcPr/>
+                </a:tc>
+                <a:tc>
+                  <a:txBody>
+                    <a:bodyPr/>
+                    <a:lstStyle/>
+                    <a:p>
+                      <a:pPr algn="ctr"/>
+                      <a:r>
+                        <a:rPr lang="en-ID" sz="1400" b="0" dirty="0">
+                          <a:solidFill>
+                            <a:schemeClr val="tx1"/>
+                          </a:solidFill>
+                        </a:rPr>
+                        <a:t>N = 3, C = 0.0313</a:t>
+                      </a:r>
+                    </a:p>
+                  </a:txBody>
+                  <a:tcPr anchor="ctr"/>
+                </a:tc>
+                <a:tc>
+                  <a:txBody>
+                    <a:bodyPr/>
+                    <a:lstStyle/>
+                    <a:p>
+                      <a:pPr marL="0" marR="0" lvl="0" indent="0" algn="ctr" defTabSz="914400" rtl="0" eaLnBrk="1" fontAlgn="auto" latinLnBrk="0" hangingPunct="1">
+                        <a:lnSpc>
+                          <a:spcPct val="100000"/>
+                        </a:lnSpc>
+                        <a:spcBef>
+                          <a:spcPts val="0"/>
+                        </a:spcBef>
+                        <a:spcAft>
+                          <a:spcPts val="0"/>
+                        </a:spcAft>
+                        <a:buClrTx/>
+                        <a:buSzTx/>
+                        <a:buFontTx/>
+                        <a:buNone/>
+                        <a:tabLst/>
+                        <a:defRPr/>
+                      </a:pPr>
+                      <a:r>
+                        <a:rPr lang="en-ID" sz="1400" b="0" dirty="0">
+                          <a:solidFill>
+                            <a:schemeClr val="tx1"/>
+                          </a:solidFill>
+                        </a:rPr>
+                        <a:t>N = 3, C = 0.0313</a:t>
+                      </a:r>
+                    </a:p>
+                  </a:txBody>
+                  <a:tcPr anchor="ctr"/>
+                </a:tc>
+                <a:tc>
+                  <a:txBody>
+                    <a:bodyPr/>
+                    <a:lstStyle/>
+                    <a:p>
+                      <a:pPr algn="ctr"/>
+                      <a:r>
+                        <a:rPr lang="en-ID" sz="1400" b="0" dirty="0">
+                          <a:solidFill>
+                            <a:schemeClr val="tx1"/>
+                          </a:solidFill>
+                        </a:rPr>
+                        <a:t>N = 3, C = 0.0313</a:t>
+                      </a:r>
+                    </a:p>
+                  </a:txBody>
+                  <a:tcPr anchor="ctr"/>
+                </a:tc>
+                <a:tc>
+                  <a:txBody>
+                    <a:bodyPr/>
+                    <a:lstStyle/>
+                    <a:p>
+                      <a:pPr marL="0" marR="0" lvl="0" indent="0" algn="ctr" defTabSz="914400" rtl="0" eaLnBrk="1" fontAlgn="auto" latinLnBrk="0" hangingPunct="1">
+                        <a:lnSpc>
+                          <a:spcPct val="100000"/>
+                        </a:lnSpc>
+                        <a:spcBef>
+                          <a:spcPts val="0"/>
+                        </a:spcBef>
+                        <a:spcAft>
+                          <a:spcPts val="0"/>
+                        </a:spcAft>
+                        <a:buClrTx/>
+                        <a:buSzTx/>
+                        <a:buFontTx/>
+                        <a:buNone/>
+                        <a:tabLst/>
+                        <a:defRPr/>
+                      </a:pPr>
+                      <a:r>
+                        <a:rPr lang="en-ID" sz="1400" b="0" dirty="0">
+                          <a:solidFill>
+                            <a:schemeClr val="tx1"/>
+                          </a:solidFill>
+                        </a:rPr>
+                        <a:t>N = 3, C = 0.0313</a:t>
+                      </a:r>
+                    </a:p>
+                  </a:txBody>
+                  <a:tcPr anchor="ctr"/>
+                </a:tc>
+                <a:tc>
+                  <a:txBody>
+                    <a:bodyPr/>
+                    <a:lstStyle/>
+                    <a:p>
+                      <a:pPr marL="0" marR="0" lvl="0" indent="0" algn="ctr" defTabSz="914400" rtl="0" eaLnBrk="1" fontAlgn="auto" latinLnBrk="0" hangingPunct="1">
+                        <a:lnSpc>
+                          <a:spcPct val="100000"/>
+                        </a:lnSpc>
+                        <a:spcBef>
+                          <a:spcPts val="0"/>
+                        </a:spcBef>
+                        <a:spcAft>
+                          <a:spcPts val="0"/>
+                        </a:spcAft>
+                        <a:buClrTx/>
+                        <a:buSzTx/>
+                        <a:buFontTx/>
+                        <a:buNone/>
+                        <a:tabLst/>
+                        <a:defRPr/>
+                      </a:pPr>
+                      <a:r>
+                        <a:rPr kumimoji="0" lang="en-ID" sz="1400" b="0" i="0" u="none" strike="noStrike" kern="1200" cap="none" spc="0" normalizeH="0" baseline="0" noProof="0" dirty="0">
+                          <a:ln>
+                            <a:noFill/>
+                          </a:ln>
+                          <a:solidFill>
+                            <a:srgbClr val="000000"/>
+                          </a:solidFill>
+                          <a:effectLst/>
+                          <a:uLnTx/>
+                          <a:uFillTx/>
+                          <a:latin typeface="+mn-lt"/>
+                          <a:ea typeface="+mn-ea"/>
+                          <a:cs typeface="+mn-cs"/>
+                        </a:rPr>
+                        <a:t>N = 3, C = 0.0313</a:t>
+                      </a:r>
+                    </a:p>
+                  </a:txBody>
+                  <a:tcPr anchor="ctr"/>
+                </a:tc>
+                <a:extLst>
+                  <a:ext uri="{0D108BD9-81ED-4DB2-BD59-A6C34878D82A}">
+                    <a16:rowId xmlns:a16="http://schemas.microsoft.com/office/drawing/2014/main" val="141040622"/>
+                  </a:ext>
+                </a:extLst>
+              </a:tr>
+              <a:tr h="370840">
+                <a:tc>
+                  <a:txBody>
+                    <a:bodyPr/>
+                    <a:lstStyle/>
+                    <a:p>
+                      <a:pPr algn="ctr"/>
+                      <a:r>
+                        <a:rPr lang="en-ID" dirty="0"/>
+                        <a:t>Binary</a:t>
+                      </a:r>
+                    </a:p>
+                  </a:txBody>
+                  <a:tcPr/>
+                </a:tc>
+                <a:tc>
+                  <a:txBody>
+                    <a:bodyPr/>
+                    <a:lstStyle/>
+                    <a:p>
+                      <a:pPr marL="0" marR="0" lvl="0" indent="0" algn="ctr" defTabSz="914400" rtl="0" eaLnBrk="1" fontAlgn="auto" latinLnBrk="0" hangingPunct="1">
+                        <a:lnSpc>
+                          <a:spcPct val="100000"/>
+                        </a:lnSpc>
+                        <a:spcBef>
+                          <a:spcPts val="0"/>
+                        </a:spcBef>
+                        <a:spcAft>
+                          <a:spcPts val="0"/>
+                        </a:spcAft>
+                        <a:buClrTx/>
+                        <a:buSzTx/>
+                        <a:buFontTx/>
+                        <a:buNone/>
+                        <a:tabLst/>
+                        <a:defRPr/>
+                      </a:pPr>
+                      <a:r>
+                        <a:rPr lang="en-ID" b="0" dirty="0">
+                          <a:solidFill>
+                            <a:schemeClr val="tx1"/>
+                          </a:solidFill>
+                        </a:rPr>
+                        <a:t>70.0</a:t>
+                      </a:r>
+                    </a:p>
+                  </a:txBody>
+                  <a:tcPr/>
+                </a:tc>
+                <a:tc>
+                  <a:txBody>
+                    <a:bodyPr/>
+                    <a:lstStyle/>
+                    <a:p>
+                      <a:pPr algn="ctr"/>
+                      <a:endParaRPr lang="en-ID" b="0" dirty="0">
+                        <a:solidFill>
+                          <a:schemeClr val="tx1"/>
+                        </a:solidFill>
+                      </a:endParaRPr>
+                    </a:p>
+                  </a:txBody>
+                  <a:tcPr/>
+                </a:tc>
+                <a:tc>
+                  <a:txBody>
+                    <a:bodyPr/>
+                    <a:lstStyle/>
+                    <a:p>
+                      <a:pPr algn="ctr"/>
+                      <a:endParaRPr lang="en-ID" b="0" dirty="0">
+                        <a:solidFill>
+                          <a:schemeClr val="tx1"/>
+                        </a:solidFill>
+                      </a:endParaRPr>
+                    </a:p>
+                  </a:txBody>
+                  <a:tcPr/>
+                </a:tc>
+                <a:tc>
+                  <a:txBody>
+                    <a:bodyPr/>
+                    <a:lstStyle/>
+                    <a:p>
+                      <a:pPr algn="ctr"/>
+                      <a:endParaRPr lang="en-ID" b="0" dirty="0">
+                        <a:solidFill>
+                          <a:schemeClr val="tx1"/>
+                        </a:solidFill>
+                      </a:endParaRPr>
+                    </a:p>
+                  </a:txBody>
+                  <a:tcPr/>
+                </a:tc>
+                <a:tc>
+                  <a:txBody>
+                    <a:bodyPr/>
+                    <a:lstStyle/>
+                    <a:p>
+                      <a:pPr algn="ctr"/>
+                      <a:endParaRPr lang="en-ID" b="1" dirty="0">
+                        <a:solidFill>
+                          <a:srgbClr val="C00000"/>
+                        </a:solidFill>
+                      </a:endParaRPr>
+                    </a:p>
+                  </a:txBody>
+                  <a:tcPr/>
+                </a:tc>
+                <a:extLst>
+                  <a:ext uri="{0D108BD9-81ED-4DB2-BD59-A6C34878D82A}">
+                    <a16:rowId xmlns:a16="http://schemas.microsoft.com/office/drawing/2014/main" val="4266857135"/>
+                  </a:ext>
+                </a:extLst>
+              </a:tr>
+              <a:tr h="370840">
+                <a:tc>
+                  <a:txBody>
+                    <a:bodyPr/>
+                    <a:lstStyle/>
+                    <a:p>
+                      <a:pPr algn="ctr"/>
+                      <a:r>
+                        <a:rPr lang="en-ID" dirty="0"/>
+                        <a:t>Count</a:t>
+                      </a:r>
+                    </a:p>
+                  </a:txBody>
+                  <a:tcPr/>
+                </a:tc>
+                <a:tc>
+                  <a:txBody>
+                    <a:bodyPr/>
+                    <a:lstStyle/>
+                    <a:p>
+                      <a:pPr algn="ctr"/>
+                      <a:endParaRPr lang="en-ID" b="0" dirty="0">
+                        <a:solidFill>
+                          <a:schemeClr val="tx1"/>
+                        </a:solidFill>
+                      </a:endParaRPr>
+                    </a:p>
+                  </a:txBody>
+                  <a:tcPr/>
+                </a:tc>
+                <a:tc>
+                  <a:txBody>
+                    <a:bodyPr/>
+                    <a:lstStyle/>
+                    <a:p>
+                      <a:pPr algn="ctr"/>
+                      <a:endParaRPr lang="en-ID" b="0" dirty="0">
+                        <a:solidFill>
+                          <a:schemeClr val="tx1"/>
+                        </a:solidFill>
+                      </a:endParaRPr>
+                    </a:p>
+                  </a:txBody>
+                  <a:tcPr/>
+                </a:tc>
+                <a:tc>
+                  <a:txBody>
+                    <a:bodyPr/>
+                    <a:lstStyle/>
+                    <a:p>
+                      <a:pPr algn="ctr"/>
+                      <a:endParaRPr lang="en-ID" b="0" dirty="0">
+                        <a:solidFill>
+                          <a:schemeClr val="tx1"/>
+                        </a:solidFill>
+                      </a:endParaRPr>
+                    </a:p>
+                  </a:txBody>
+                  <a:tcPr/>
+                </a:tc>
+                <a:tc>
+                  <a:txBody>
+                    <a:bodyPr/>
+                    <a:lstStyle/>
+                    <a:p>
+                      <a:pPr algn="ctr"/>
+                      <a:endParaRPr lang="en-ID" b="0" dirty="0">
+                        <a:solidFill>
+                          <a:schemeClr val="tx1"/>
+                        </a:solidFill>
+                      </a:endParaRPr>
+                    </a:p>
+                  </a:txBody>
+                  <a:tcPr/>
+                </a:tc>
+                <a:tc>
+                  <a:txBody>
+                    <a:bodyPr/>
+                    <a:lstStyle/>
+                    <a:p>
+                      <a:pPr algn="ctr"/>
+                      <a:endParaRPr lang="en-ID" b="0" dirty="0">
+                        <a:solidFill>
+                          <a:schemeClr val="tx1"/>
+                        </a:solidFill>
+                      </a:endParaRPr>
+                    </a:p>
+                  </a:txBody>
+                  <a:tcPr/>
+                </a:tc>
+                <a:extLst>
+                  <a:ext uri="{0D108BD9-81ED-4DB2-BD59-A6C34878D82A}">
+                    <a16:rowId xmlns:a16="http://schemas.microsoft.com/office/drawing/2014/main" val="1268569981"/>
+                  </a:ext>
+                </a:extLst>
+              </a:tr>
+              <a:tr h="370840">
+                <a:tc>
+                  <a:txBody>
+                    <a:bodyPr/>
+                    <a:lstStyle/>
+                    <a:p>
+                      <a:pPr algn="ctr"/>
+                      <a:r>
+                        <a:rPr lang="en-ID" dirty="0"/>
+                        <a:t>TFIDF</a:t>
+                      </a:r>
+                    </a:p>
+                  </a:txBody>
+                  <a:tcPr/>
+                </a:tc>
+                <a:tc>
+                  <a:txBody>
+                    <a:bodyPr/>
+                    <a:lstStyle/>
+                    <a:p>
+                      <a:pPr algn="ctr"/>
+                      <a:endParaRPr lang="en-ID" b="0" dirty="0">
+                        <a:solidFill>
+                          <a:schemeClr val="tx1"/>
+                        </a:solidFill>
+                      </a:endParaRPr>
+                    </a:p>
+                  </a:txBody>
+                  <a:tcPr/>
+                </a:tc>
+                <a:tc>
+                  <a:txBody>
+                    <a:bodyPr/>
+                    <a:lstStyle/>
+                    <a:p>
+                      <a:pPr algn="ctr"/>
+                      <a:endParaRPr lang="en-ID" b="0" dirty="0">
+                        <a:solidFill>
+                          <a:schemeClr val="tx1"/>
+                        </a:solidFill>
+                      </a:endParaRPr>
+                    </a:p>
+                  </a:txBody>
+                  <a:tcPr/>
+                </a:tc>
+                <a:tc>
+                  <a:txBody>
+                    <a:bodyPr/>
+                    <a:lstStyle/>
+                    <a:p>
+                      <a:pPr algn="ctr"/>
+                      <a:endParaRPr lang="en-ID" b="0" dirty="0">
+                        <a:solidFill>
+                          <a:schemeClr val="tx1"/>
+                        </a:solidFill>
+                      </a:endParaRPr>
+                    </a:p>
+                  </a:txBody>
+                  <a:tcPr/>
+                </a:tc>
+                <a:tc>
+                  <a:txBody>
+                    <a:bodyPr/>
+                    <a:lstStyle/>
+                    <a:p>
+                      <a:pPr algn="ctr"/>
+                      <a:endParaRPr lang="en-ID" b="0" dirty="0">
+                        <a:solidFill>
+                          <a:schemeClr val="tx1"/>
+                        </a:solidFill>
+                      </a:endParaRPr>
+                    </a:p>
+                  </a:txBody>
+                  <a:tcPr/>
+                </a:tc>
+                <a:tc>
+                  <a:txBody>
+                    <a:bodyPr/>
+                    <a:lstStyle/>
+                    <a:p>
+                      <a:pPr algn="ctr"/>
+                      <a:endParaRPr lang="en-ID" b="0" dirty="0">
+                        <a:solidFill>
+                          <a:schemeClr val="tx1"/>
+                        </a:solidFill>
+                      </a:endParaRPr>
+                    </a:p>
+                  </a:txBody>
+                  <a:tcPr/>
+                </a:tc>
+                <a:extLst>
+                  <a:ext uri="{0D108BD9-81ED-4DB2-BD59-A6C34878D82A}">
+                    <a16:rowId xmlns:a16="http://schemas.microsoft.com/office/drawing/2014/main" val="1865587778"/>
+                  </a:ext>
+                </a:extLst>
+              </a:tr>
+              <a:tr h="370840">
+                <a:tc>
+                  <a:txBody>
+                    <a:bodyPr/>
+                    <a:lstStyle/>
+                    <a:p>
+                      <a:pPr algn="ctr"/>
+                      <a:r>
+                        <a:rPr lang="en-ID" dirty="0"/>
+                        <a:t>Freq</a:t>
+                      </a:r>
+                    </a:p>
+                  </a:txBody>
+                  <a:tcPr/>
+                </a:tc>
+                <a:tc>
+                  <a:txBody>
+                    <a:bodyPr/>
+                    <a:lstStyle/>
+                    <a:p>
+                      <a:pPr algn="ctr"/>
+                      <a:r>
+                        <a:rPr lang="en-ID" sz="1800" b="1" dirty="0">
+                          <a:solidFill>
+                            <a:srgbClr val="C00000"/>
+                          </a:solidFill>
+                        </a:rPr>
+                        <a:t>77.3</a:t>
+                      </a:r>
+                    </a:p>
+                  </a:txBody>
+                  <a:tcPr/>
+                </a:tc>
+                <a:tc>
+                  <a:txBody>
+                    <a:bodyPr/>
+                    <a:lstStyle/>
+                    <a:p>
+                      <a:pPr algn="ctr"/>
+                      <a:r>
+                        <a:rPr lang="en-ID" sz="1800" b="1" dirty="0">
+                          <a:solidFill>
+                            <a:srgbClr val="C00000"/>
+                          </a:solidFill>
+                        </a:rPr>
+                        <a:t>90.8</a:t>
+                      </a:r>
+                    </a:p>
+                  </a:txBody>
+                  <a:tcPr/>
+                </a:tc>
+                <a:tc>
+                  <a:txBody>
+                    <a:bodyPr/>
+                    <a:lstStyle/>
+                    <a:p>
+                      <a:pPr algn="ctr"/>
+                      <a:r>
+                        <a:rPr lang="en-ID" sz="1800" b="1" dirty="0">
+                          <a:solidFill>
+                            <a:srgbClr val="C00000"/>
+                          </a:solidFill>
+                        </a:rPr>
+                        <a:t>78.8</a:t>
+                      </a:r>
+                    </a:p>
+                  </a:txBody>
+                  <a:tcPr/>
+                </a:tc>
+                <a:tc>
+                  <a:txBody>
+                    <a:bodyPr/>
+                    <a:lstStyle/>
+                    <a:p>
+                      <a:pPr algn="ctr"/>
+                      <a:r>
+                        <a:rPr lang="en-ID" sz="1800" b="1" dirty="0">
+                          <a:solidFill>
+                            <a:srgbClr val="C00000"/>
+                          </a:solidFill>
+                        </a:rPr>
+                        <a:t>84.3</a:t>
+                      </a:r>
+                    </a:p>
+                  </a:txBody>
+                  <a:tcPr/>
+                </a:tc>
+                <a:tc>
+                  <a:txBody>
+                    <a:bodyPr/>
+                    <a:lstStyle/>
+                    <a:p>
+                      <a:pPr algn="ctr"/>
+                      <a:r>
+                        <a:rPr lang="en-ID" sz="1800" b="0" dirty="0">
+                          <a:solidFill>
+                            <a:schemeClr val="tx1"/>
+                          </a:solidFill>
+                        </a:rPr>
+                        <a:t>56.8</a:t>
+                      </a:r>
+                    </a:p>
+                  </a:txBody>
+                  <a:tcPr/>
+                </a:tc>
+                <a:extLst>
+                  <a:ext uri="{0D108BD9-81ED-4DB2-BD59-A6C34878D82A}">
+                    <a16:rowId xmlns:a16="http://schemas.microsoft.com/office/drawing/2014/main" val="492022231"/>
+                  </a:ext>
+                </a:extLst>
+              </a:tr>
+              <a:tr h="370840">
+                <a:tc>
+                  <a:txBody>
+                    <a:bodyPr/>
+                    <a:lstStyle/>
+                    <a:p>
+                      <a:pPr algn="ctr"/>
+                      <a:r>
+                        <a:rPr lang="en-ID" b="1" dirty="0"/>
+                        <a:t>Naïve Bayes</a:t>
+                      </a:r>
+                    </a:p>
+                  </a:txBody>
+                  <a:tcPr/>
+                </a:tc>
+                <a:tc>
+                  <a:txBody>
+                    <a:bodyPr/>
+                    <a:lstStyle/>
+                    <a:p>
+                      <a:pPr algn="ctr"/>
+                      <a:r>
+                        <a:rPr lang="en-ID" sz="1800" b="1" dirty="0">
+                          <a:solidFill>
+                            <a:srgbClr val="C00000"/>
+                          </a:solidFill>
+                        </a:rPr>
+                        <a:t>77.3</a:t>
+                      </a:r>
+                    </a:p>
+                  </a:txBody>
+                  <a:tcPr/>
+                </a:tc>
+                <a:tc>
+                  <a:txBody>
+                    <a:bodyPr/>
+                    <a:lstStyle/>
+                    <a:p>
+                      <a:pPr algn="ctr"/>
+                      <a:r>
+                        <a:rPr lang="en-ID" sz="1800" b="1" dirty="0">
+                          <a:solidFill>
+                            <a:srgbClr val="C00000"/>
+                          </a:solidFill>
+                        </a:rPr>
+                        <a:t>90.8</a:t>
+                      </a:r>
+                    </a:p>
+                  </a:txBody>
+                  <a:tcPr/>
+                </a:tc>
+                <a:tc>
+                  <a:txBody>
+                    <a:bodyPr/>
+                    <a:lstStyle/>
+                    <a:p>
+                      <a:pPr algn="ctr"/>
+                      <a:r>
+                        <a:rPr lang="en-ID" sz="1800" b="1" dirty="0">
+                          <a:solidFill>
+                            <a:srgbClr val="C00000"/>
+                          </a:solidFill>
+                        </a:rPr>
+                        <a:t>78.8</a:t>
+                      </a:r>
+                    </a:p>
+                  </a:txBody>
+                  <a:tcPr/>
+                </a:tc>
+                <a:tc>
+                  <a:txBody>
+                    <a:bodyPr/>
+                    <a:lstStyle/>
+                    <a:p>
+                      <a:pPr algn="ctr"/>
+                      <a:r>
+                        <a:rPr lang="en-ID" sz="1800" b="1" dirty="0">
+                          <a:solidFill>
+                            <a:srgbClr val="C00000"/>
+                          </a:solidFill>
+                        </a:rPr>
+                        <a:t>84.3</a:t>
+                      </a:r>
+                    </a:p>
+                  </a:txBody>
+                  <a:tcPr/>
+                </a:tc>
+                <a:tc>
+                  <a:txBody>
+                    <a:bodyPr/>
+                    <a:lstStyle/>
+                    <a:p>
+                      <a:pPr algn="ctr"/>
+                      <a:r>
+                        <a:rPr lang="en-ID" sz="1800" b="0" dirty="0">
+                          <a:solidFill>
+                            <a:schemeClr val="tx1"/>
+                          </a:solidFill>
+                        </a:rPr>
+                        <a:t>56.8</a:t>
+                      </a:r>
+                    </a:p>
+                  </a:txBody>
+                  <a:tcPr/>
+                </a:tc>
+                <a:extLst>
+                  <a:ext uri="{0D108BD9-81ED-4DB2-BD59-A6C34878D82A}">
+                    <a16:rowId xmlns:a16="http://schemas.microsoft.com/office/drawing/2014/main" val="2049811342"/>
+                  </a:ext>
+                </a:extLst>
+              </a:tr>
+              <a:tr h="370840">
+                <a:tc>
+                  <a:txBody>
+                    <a:bodyPr/>
+                    <a:lstStyle/>
+                    <a:p>
+                      <a:pPr marL="0" marR="0" lvl="0" indent="0" algn="ctr" defTabSz="914400" rtl="0" eaLnBrk="1" fontAlgn="auto" latinLnBrk="0" hangingPunct="1">
+                        <a:lnSpc>
+                          <a:spcPct val="100000"/>
+                        </a:lnSpc>
+                        <a:spcBef>
+                          <a:spcPts val="0"/>
+                        </a:spcBef>
+                        <a:spcAft>
+                          <a:spcPts val="0"/>
+                        </a:spcAft>
+                        <a:buClrTx/>
+                        <a:buSzTx/>
+                        <a:buFontTx/>
+                        <a:buNone/>
+                        <a:tabLst/>
+                        <a:defRPr/>
+                      </a:pPr>
+                      <a:r>
+                        <a:rPr lang="en-ID" b="1" dirty="0"/>
+                        <a:t>CNN-rand</a:t>
+                      </a:r>
+                      <a:br>
+                        <a:rPr lang="en-ID" b="1" dirty="0"/>
+                      </a:br>
+                      <a:r>
+                        <a:rPr lang="en-ID" b="1" dirty="0"/>
+                        <a:t>(Baseline) </a:t>
+                      </a:r>
+                    </a:p>
+                    <a:p>
+                      <a:pPr algn="ctr"/>
+                      <a:endParaRPr lang="en-ID" b="1" dirty="0"/>
+                    </a:p>
+                  </a:txBody>
+                  <a:tcPr/>
+                </a:tc>
+                <a:tc>
+                  <a:txBody>
+                    <a:bodyPr/>
+                    <a:lstStyle/>
+                    <a:p>
+                      <a:pPr algn="ctr"/>
+                      <a:endParaRPr lang="en-ID" sz="1800" b="1" dirty="0">
+                        <a:solidFill>
+                          <a:srgbClr val="C00000"/>
+                        </a:solidFill>
+                      </a:endParaRPr>
+                    </a:p>
+                  </a:txBody>
+                  <a:tcPr/>
+                </a:tc>
+                <a:tc>
+                  <a:txBody>
+                    <a:bodyPr/>
+                    <a:lstStyle/>
+                    <a:p>
+                      <a:pPr algn="ctr"/>
+                      <a:endParaRPr lang="en-ID" sz="1800" b="1" dirty="0">
+                        <a:solidFill>
+                          <a:srgbClr val="C00000"/>
+                        </a:solidFill>
+                      </a:endParaRPr>
+                    </a:p>
+                  </a:txBody>
+                  <a:tcPr/>
+                </a:tc>
+                <a:tc>
+                  <a:txBody>
+                    <a:bodyPr/>
+                    <a:lstStyle/>
+                    <a:p>
+                      <a:pPr algn="ctr"/>
+                      <a:endParaRPr lang="en-ID" sz="1800" b="1" dirty="0">
+                        <a:solidFill>
+                          <a:srgbClr val="C00000"/>
+                        </a:solidFill>
+                      </a:endParaRPr>
+                    </a:p>
+                  </a:txBody>
+                  <a:tcPr/>
+                </a:tc>
+                <a:tc>
+                  <a:txBody>
+                    <a:bodyPr/>
+                    <a:lstStyle/>
+                    <a:p>
+                      <a:pPr algn="ctr"/>
+                      <a:endParaRPr lang="en-ID" sz="1800" b="1" dirty="0">
+                        <a:solidFill>
+                          <a:srgbClr val="C00000"/>
+                        </a:solidFill>
+                      </a:endParaRPr>
+                    </a:p>
+                  </a:txBody>
+                  <a:tcPr/>
+                </a:tc>
+                <a:tc>
+                  <a:txBody>
+                    <a:bodyPr/>
+                    <a:lstStyle/>
+                    <a:p>
+                      <a:pPr algn="ctr"/>
+                      <a:endParaRPr lang="en-ID" sz="1800" b="0" dirty="0">
+                        <a:solidFill>
+                          <a:schemeClr val="tx1"/>
+                        </a:solidFill>
+                      </a:endParaRPr>
+                    </a:p>
+                  </a:txBody>
+                  <a:tcPr/>
+                </a:tc>
+                <a:extLst>
+                  <a:ext uri="{0D108BD9-81ED-4DB2-BD59-A6C34878D82A}">
+                    <a16:rowId xmlns:a16="http://schemas.microsoft.com/office/drawing/2014/main" val="3514948886"/>
+                  </a:ext>
+                </a:extLst>
+              </a:tr>
+            </a:tbl>
+          </a:graphicData>
+        </a:graphic>
+      </p:graphicFrame>
+    </p:spTree>
+    <p:extLst>
+      <p:ext uri="{BB962C8B-B14F-4D97-AF65-F5344CB8AC3E}">
+        <p14:creationId xmlns:p14="http://schemas.microsoft.com/office/powerpoint/2010/main" val="2716842465"/>
+      </p:ext>
+    </p:extLst>
+  </p:cSld>
+  <p:clrMapOvr>
+    <a:masterClrMapping/>
+  </p:clrMapOvr>
+</p:sld>
+</file>
+
+<file path=ppt/slides/slide19.xml><?xml version="1.0" encoding="utf-8"?>
+<p:sld xmlns:a="http://schemas.openxmlformats.org/drawingml/2006/main" xmlns:r="http://schemas.openxmlformats.org/officeDocument/2006/relationships" xmlns:p="http://schemas.openxmlformats.org/presentationml/2006/main">
+  <p:cSld>
+    <p:spTree>
+      <p:nvGrpSpPr>
+        <p:cNvPr id="1" name=""/>
+        <p:cNvGrpSpPr/>
+        <p:nvPr/>
+      </p:nvGrpSpPr>
+      <p:grpSpPr>
+        <a:xfrm>
+          <a:off x="0" y="0"/>
+          <a:ext cx="0" cy="0"/>
+          <a:chOff x="0" y="0"/>
+          <a:chExt cx="0" cy="0"/>
+        </a:xfrm>
+      </p:grpSpPr>
+      <p:sp>
+        <p:nvSpPr>
+          <p:cNvPr id="2" name="Title 1">
+            <a:extLst>
+              <a:ext uri="{FF2B5EF4-FFF2-40B4-BE49-F238E27FC236}">
+                <a16:creationId xmlns:a16="http://schemas.microsoft.com/office/drawing/2014/main" id="{B509617B-28E0-4092-A3A3-1DF9B2AE4B02}"/>
+              </a:ext>
+            </a:extLst>
+          </p:cNvPr>
+          <p:cNvSpPr>
+            <a:spLocks noGrp="1"/>
+          </p:cNvSpPr>
+          <p:nvPr>
+            <p:ph type="title"/>
+          </p:nvPr>
+        </p:nvSpPr>
+        <p:spPr/>
+        <p:txBody>
+          <a:bodyPr/>
+          <a:lstStyle/>
+          <a:p>
+            <a:r>
+              <a:rPr lang="en-ID" dirty="0"/>
+              <a:t>Bag-of-Words Model: </a:t>
+            </a:r>
+            <a:r>
+              <a:rPr lang="en-ID" dirty="0" err="1"/>
+              <a:t>edRVFL</a:t>
+            </a:r>
+            <a:br>
+              <a:rPr lang="en-ID" dirty="0"/>
+            </a:br>
+            <a:r>
+              <a:rPr lang="en-ID" dirty="0"/>
+              <a:t>MR Dataset</a:t>
+            </a:r>
+          </a:p>
+        </p:txBody>
+      </p:sp>
+      <p:sp>
+        <p:nvSpPr>
+          <p:cNvPr id="3" name="Content Placeholder 2">
+            <a:extLst>
+              <a:ext uri="{FF2B5EF4-FFF2-40B4-BE49-F238E27FC236}">
+                <a16:creationId xmlns:a16="http://schemas.microsoft.com/office/drawing/2014/main" id="{EFD4E93D-78AE-4A00-95A1-5E0F5285BA41}"/>
+              </a:ext>
+            </a:extLst>
+          </p:cNvPr>
+          <p:cNvSpPr>
+            <a:spLocks noGrp="1"/>
+          </p:cNvSpPr>
+          <p:nvPr>
+            <p:ph idx="1"/>
+          </p:nvPr>
+        </p:nvSpPr>
+        <p:spPr/>
+        <p:txBody>
+          <a:bodyPr/>
+          <a:lstStyle/>
+          <a:p>
+            <a:endParaRPr lang="en-ID" dirty="0"/>
+          </a:p>
+        </p:txBody>
+      </p:sp>
+      <p:graphicFrame>
+        <p:nvGraphicFramePr>
+          <p:cNvPr id="4" name="Table 4">
+            <a:extLst>
+              <a:ext uri="{FF2B5EF4-FFF2-40B4-BE49-F238E27FC236}">
+                <a16:creationId xmlns:a16="http://schemas.microsoft.com/office/drawing/2014/main" id="{6605F7BB-D940-4F85-869E-21CFA1A95389}"/>
+              </a:ext>
+            </a:extLst>
+          </p:cNvPr>
+          <p:cNvGraphicFramePr>
+            <a:graphicFrameLocks/>
+          </p:cNvGraphicFramePr>
+          <p:nvPr/>
+        </p:nvGraphicFramePr>
+        <p:xfrm>
+          <a:off x="461913" y="2108200"/>
+          <a:ext cx="11246177" cy="3505200"/>
+        </p:xfrm>
+        <a:graphic>
+          <a:graphicData uri="http://schemas.openxmlformats.org/drawingml/2006/table">
+            <a:tbl>
+              <a:tblPr bandRow="1">
+                <a:tableStyleId>{5C22544A-7EE6-4342-B048-85BDC9FD1C3A}</a:tableStyleId>
+              </a:tblPr>
+              <a:tblGrid>
+                <a:gridCol w="1461198">
+                  <a:extLst>
+                    <a:ext uri="{9D8B030D-6E8A-4147-A177-3AD203B41FA5}">
+                      <a16:colId xmlns:a16="http://schemas.microsoft.com/office/drawing/2014/main" val="3010020823"/>
+                    </a:ext>
+                  </a:extLst>
+                </a:gridCol>
+                <a:gridCol w="2287527">
+                  <a:extLst>
+                    <a:ext uri="{9D8B030D-6E8A-4147-A177-3AD203B41FA5}">
+                      <a16:colId xmlns:a16="http://schemas.microsoft.com/office/drawing/2014/main" val="2391301616"/>
+                    </a:ext>
+                  </a:extLst>
+                </a:gridCol>
+                <a:gridCol w="1874363">
+                  <a:extLst>
+                    <a:ext uri="{9D8B030D-6E8A-4147-A177-3AD203B41FA5}">
+                      <a16:colId xmlns:a16="http://schemas.microsoft.com/office/drawing/2014/main" val="3310041279"/>
+                    </a:ext>
+                  </a:extLst>
+                </a:gridCol>
+                <a:gridCol w="1874363">
+                  <a:extLst>
+                    <a:ext uri="{9D8B030D-6E8A-4147-A177-3AD203B41FA5}">
+                      <a16:colId xmlns:a16="http://schemas.microsoft.com/office/drawing/2014/main" val="635172696"/>
+                    </a:ext>
+                  </a:extLst>
+                </a:gridCol>
+                <a:gridCol w="1874363">
+                  <a:extLst>
+                    <a:ext uri="{9D8B030D-6E8A-4147-A177-3AD203B41FA5}">
+                      <a16:colId xmlns:a16="http://schemas.microsoft.com/office/drawing/2014/main" val="1489510848"/>
+                    </a:ext>
+                  </a:extLst>
+                </a:gridCol>
+                <a:gridCol w="1874363">
+                  <a:extLst>
+                    <a:ext uri="{9D8B030D-6E8A-4147-A177-3AD203B41FA5}">
+                      <a16:colId xmlns:a16="http://schemas.microsoft.com/office/drawing/2014/main" val="973671048"/>
+                    </a:ext>
+                  </a:extLst>
+                </a:gridCol>
+              </a:tblGrid>
+              <a:tr h="370840">
+                <a:tc>
+                  <a:txBody>
+                    <a:bodyPr/>
+                    <a:lstStyle/>
+                    <a:p>
+                      <a:pPr algn="ctr"/>
+                      <a:endParaRPr lang="en-ID" dirty="0"/>
+                    </a:p>
+                  </a:txBody>
+                  <a:tcPr/>
+                </a:tc>
+                <a:tc>
+                  <a:txBody>
+                    <a:bodyPr/>
+                    <a:lstStyle/>
+                    <a:p>
+                      <a:pPr algn="ctr"/>
+                      <a:r>
+                        <a:rPr lang="en-ID" dirty="0" err="1"/>
+                        <a:t>Relu</a:t>
+                      </a:r>
+                      <a:endParaRPr lang="en-ID" dirty="0"/>
+                    </a:p>
+                  </a:txBody>
+                  <a:tcPr/>
+                </a:tc>
+                <a:tc>
+                  <a:txBody>
+                    <a:bodyPr/>
+                    <a:lstStyle/>
+                    <a:p>
+                      <a:pPr algn="ctr"/>
+                      <a:r>
+                        <a:rPr lang="en-ID" dirty="0"/>
+                        <a:t>Sigmoid</a:t>
+                      </a:r>
+                    </a:p>
+                  </a:txBody>
+                  <a:tcPr/>
+                </a:tc>
+                <a:tc>
+                  <a:txBody>
+                    <a:bodyPr/>
+                    <a:lstStyle/>
+                    <a:p>
+                      <a:pPr algn="ctr"/>
+                      <a:r>
+                        <a:rPr lang="en-ID" dirty="0" err="1"/>
+                        <a:t>Selu</a:t>
+                      </a:r>
+                      <a:endParaRPr lang="en-ID" dirty="0"/>
+                    </a:p>
+                  </a:txBody>
+                  <a:tcPr/>
+                </a:tc>
+                <a:tc>
+                  <a:txBody>
+                    <a:bodyPr/>
+                    <a:lstStyle/>
+                    <a:p>
+                      <a:pPr algn="ctr"/>
+                      <a:r>
+                        <a:rPr lang="en-ID" dirty="0" err="1"/>
+                        <a:t>Radbas</a:t>
+                      </a:r>
+                      <a:endParaRPr lang="en-ID" dirty="0"/>
+                    </a:p>
+                  </a:txBody>
+                  <a:tcPr/>
+                </a:tc>
+                <a:tc>
+                  <a:txBody>
+                    <a:bodyPr/>
+                    <a:lstStyle/>
+                    <a:p>
+                      <a:pPr algn="ctr"/>
+                      <a:r>
+                        <a:rPr lang="en-ID" dirty="0"/>
+                        <a:t>Sine</a:t>
+                      </a:r>
+                    </a:p>
+                  </a:txBody>
+                  <a:tcPr/>
+                </a:tc>
+                <a:extLst>
+                  <a:ext uri="{0D108BD9-81ED-4DB2-BD59-A6C34878D82A}">
+                    <a16:rowId xmlns:a16="http://schemas.microsoft.com/office/drawing/2014/main" val="898384172"/>
+                  </a:ext>
+                </a:extLst>
+              </a:tr>
+              <a:tr h="140721">
+                <a:tc>
+                  <a:txBody>
+                    <a:bodyPr/>
+                    <a:lstStyle/>
+                    <a:p>
+                      <a:pPr algn="ctr"/>
+                      <a:endParaRPr lang="en-ID" b="1" dirty="0"/>
+                    </a:p>
+                  </a:txBody>
+                  <a:tcPr/>
+                </a:tc>
+                <a:tc>
+                  <a:txBody>
+                    <a:bodyPr/>
+                    <a:lstStyle/>
+                    <a:p>
+                      <a:pPr algn="ctr"/>
+                      <a:r>
+                        <a:rPr lang="en-ID" sz="1400" b="0" dirty="0">
+                          <a:solidFill>
+                            <a:schemeClr val="tx1"/>
+                          </a:solidFill>
+                        </a:rPr>
+                        <a:t>N = 3, C = 0.0313</a:t>
+                      </a:r>
+                    </a:p>
+                  </a:txBody>
+                  <a:tcPr anchor="ctr"/>
+                </a:tc>
+                <a:tc>
+                  <a:txBody>
+                    <a:bodyPr/>
+                    <a:lstStyle/>
+                    <a:p>
+                      <a:pPr marL="0" marR="0" lvl="0" indent="0" algn="ctr" defTabSz="914400" rtl="0" eaLnBrk="1" fontAlgn="auto" latinLnBrk="0" hangingPunct="1">
+                        <a:lnSpc>
+                          <a:spcPct val="100000"/>
+                        </a:lnSpc>
+                        <a:spcBef>
+                          <a:spcPts val="0"/>
+                        </a:spcBef>
+                        <a:spcAft>
+                          <a:spcPts val="0"/>
+                        </a:spcAft>
+                        <a:buClrTx/>
+                        <a:buSzTx/>
+                        <a:buFontTx/>
+                        <a:buNone/>
+                        <a:tabLst/>
+                        <a:defRPr/>
+                      </a:pPr>
+                      <a:r>
+                        <a:rPr lang="en-ID" sz="1400" b="0" dirty="0">
+                          <a:solidFill>
+                            <a:schemeClr val="tx1"/>
+                          </a:solidFill>
+                        </a:rPr>
+                        <a:t>N = 3, C = 0.0313</a:t>
+                      </a:r>
+                    </a:p>
+                  </a:txBody>
+                  <a:tcPr anchor="ctr"/>
+                </a:tc>
+                <a:tc>
+                  <a:txBody>
+                    <a:bodyPr/>
+                    <a:lstStyle/>
+                    <a:p>
+                      <a:pPr algn="ctr"/>
+                      <a:r>
+                        <a:rPr lang="en-ID" sz="1400" b="0" dirty="0">
+                          <a:solidFill>
+                            <a:schemeClr val="tx1"/>
+                          </a:solidFill>
+                        </a:rPr>
+                        <a:t>N = 3, C = 0.0313</a:t>
+                      </a:r>
+                    </a:p>
+                  </a:txBody>
+                  <a:tcPr anchor="ctr"/>
+                </a:tc>
+                <a:tc>
+                  <a:txBody>
+                    <a:bodyPr/>
+                    <a:lstStyle/>
+                    <a:p>
+                      <a:pPr marL="0" marR="0" lvl="0" indent="0" algn="ctr" defTabSz="914400" rtl="0" eaLnBrk="1" fontAlgn="auto" latinLnBrk="0" hangingPunct="1">
+                        <a:lnSpc>
+                          <a:spcPct val="100000"/>
+                        </a:lnSpc>
+                        <a:spcBef>
+                          <a:spcPts val="0"/>
+                        </a:spcBef>
+                        <a:spcAft>
+                          <a:spcPts val="0"/>
+                        </a:spcAft>
+                        <a:buClrTx/>
+                        <a:buSzTx/>
+                        <a:buFontTx/>
+                        <a:buNone/>
+                        <a:tabLst/>
+                        <a:defRPr/>
+                      </a:pPr>
+                      <a:r>
+                        <a:rPr lang="en-ID" sz="1400" b="0" dirty="0">
+                          <a:solidFill>
+                            <a:schemeClr val="tx1"/>
+                          </a:solidFill>
+                        </a:rPr>
+                        <a:t>N = 3, C = 0.0313</a:t>
+                      </a:r>
+                    </a:p>
+                  </a:txBody>
+                  <a:tcPr anchor="ctr"/>
+                </a:tc>
+                <a:tc>
+                  <a:txBody>
+                    <a:bodyPr/>
+                    <a:lstStyle/>
+                    <a:p>
+                      <a:pPr marL="0" marR="0" lvl="0" indent="0" algn="ctr" defTabSz="914400" rtl="0" eaLnBrk="1" fontAlgn="auto" latinLnBrk="0" hangingPunct="1">
+                        <a:lnSpc>
+                          <a:spcPct val="100000"/>
+                        </a:lnSpc>
+                        <a:spcBef>
+                          <a:spcPts val="0"/>
+                        </a:spcBef>
+                        <a:spcAft>
+                          <a:spcPts val="0"/>
+                        </a:spcAft>
+                        <a:buClrTx/>
+                        <a:buSzTx/>
+                        <a:buFontTx/>
+                        <a:buNone/>
+                        <a:tabLst/>
+                        <a:defRPr/>
+                      </a:pPr>
+                      <a:r>
+                        <a:rPr kumimoji="0" lang="en-ID" sz="1400" b="0" i="0" u="none" strike="noStrike" kern="1200" cap="none" spc="0" normalizeH="0" baseline="0" noProof="0" dirty="0">
+                          <a:ln>
+                            <a:noFill/>
+                          </a:ln>
+                          <a:solidFill>
+                            <a:srgbClr val="000000"/>
+                          </a:solidFill>
+                          <a:effectLst/>
+                          <a:uLnTx/>
+                          <a:uFillTx/>
+                          <a:latin typeface="+mn-lt"/>
+                          <a:ea typeface="+mn-ea"/>
+                          <a:cs typeface="+mn-cs"/>
+                        </a:rPr>
+                        <a:t>N = 3, C = 0.0313</a:t>
+                      </a:r>
+                    </a:p>
+                  </a:txBody>
+                  <a:tcPr anchor="ctr"/>
+                </a:tc>
+                <a:extLst>
+                  <a:ext uri="{0D108BD9-81ED-4DB2-BD59-A6C34878D82A}">
+                    <a16:rowId xmlns:a16="http://schemas.microsoft.com/office/drawing/2014/main" val="141040622"/>
+                  </a:ext>
+                </a:extLst>
+              </a:tr>
+              <a:tr h="370840">
+                <a:tc>
+                  <a:txBody>
+                    <a:bodyPr/>
+                    <a:lstStyle/>
+                    <a:p>
+                      <a:pPr algn="ctr"/>
+                      <a:r>
+                        <a:rPr lang="en-ID" dirty="0"/>
+                        <a:t>Binary</a:t>
+                      </a:r>
+                    </a:p>
+                  </a:txBody>
+                  <a:tcPr/>
+                </a:tc>
+                <a:tc>
+                  <a:txBody>
+                    <a:bodyPr/>
+                    <a:lstStyle/>
+                    <a:p>
+                      <a:pPr marL="0" marR="0" lvl="0" indent="0" algn="ctr" defTabSz="914400" rtl="0" eaLnBrk="1" fontAlgn="auto" latinLnBrk="0" hangingPunct="1">
+                        <a:lnSpc>
+                          <a:spcPct val="100000"/>
+                        </a:lnSpc>
+                        <a:spcBef>
+                          <a:spcPts val="0"/>
+                        </a:spcBef>
+                        <a:spcAft>
+                          <a:spcPts val="0"/>
+                        </a:spcAft>
+                        <a:buClrTx/>
+                        <a:buSzTx/>
+                        <a:buFontTx/>
+                        <a:buNone/>
+                        <a:tabLst/>
+                        <a:defRPr/>
+                      </a:pPr>
+                      <a:r>
+                        <a:rPr lang="en-ID" b="0" dirty="0">
+                          <a:solidFill>
+                            <a:schemeClr val="tx1"/>
+                          </a:solidFill>
+                        </a:rPr>
+                        <a:t>70.0</a:t>
+                      </a:r>
+                    </a:p>
+                  </a:txBody>
+                  <a:tcPr/>
+                </a:tc>
+                <a:tc>
+                  <a:txBody>
+                    <a:bodyPr/>
+                    <a:lstStyle/>
+                    <a:p>
+                      <a:pPr algn="ctr"/>
+                      <a:endParaRPr lang="en-ID" b="0" dirty="0">
+                        <a:solidFill>
+                          <a:schemeClr val="tx1"/>
+                        </a:solidFill>
+                      </a:endParaRPr>
+                    </a:p>
+                  </a:txBody>
+                  <a:tcPr/>
+                </a:tc>
+                <a:tc>
+                  <a:txBody>
+                    <a:bodyPr/>
+                    <a:lstStyle/>
+                    <a:p>
+                      <a:pPr algn="ctr"/>
+                      <a:endParaRPr lang="en-ID" b="0" dirty="0">
+                        <a:solidFill>
+                          <a:schemeClr val="tx1"/>
+                        </a:solidFill>
+                      </a:endParaRPr>
+                    </a:p>
+                  </a:txBody>
+                  <a:tcPr/>
+                </a:tc>
+                <a:tc>
+                  <a:txBody>
+                    <a:bodyPr/>
+                    <a:lstStyle/>
+                    <a:p>
+                      <a:pPr algn="ctr"/>
+                      <a:endParaRPr lang="en-ID" b="0" dirty="0">
+                        <a:solidFill>
+                          <a:schemeClr val="tx1"/>
+                        </a:solidFill>
+                      </a:endParaRPr>
+                    </a:p>
+                  </a:txBody>
+                  <a:tcPr/>
+                </a:tc>
+                <a:tc>
+                  <a:txBody>
+                    <a:bodyPr/>
+                    <a:lstStyle/>
+                    <a:p>
+                      <a:pPr algn="ctr"/>
+                      <a:endParaRPr lang="en-ID" b="1" dirty="0">
+                        <a:solidFill>
+                          <a:srgbClr val="C00000"/>
+                        </a:solidFill>
+                      </a:endParaRPr>
+                    </a:p>
+                  </a:txBody>
+                  <a:tcPr/>
+                </a:tc>
+                <a:extLst>
+                  <a:ext uri="{0D108BD9-81ED-4DB2-BD59-A6C34878D82A}">
+                    <a16:rowId xmlns:a16="http://schemas.microsoft.com/office/drawing/2014/main" val="4266857135"/>
+                  </a:ext>
+                </a:extLst>
+              </a:tr>
+              <a:tr h="370840">
+                <a:tc>
+                  <a:txBody>
+                    <a:bodyPr/>
+                    <a:lstStyle/>
+                    <a:p>
+                      <a:pPr algn="ctr"/>
+                      <a:r>
+                        <a:rPr lang="en-ID" dirty="0"/>
+                        <a:t>Count</a:t>
+                      </a:r>
+                    </a:p>
+                  </a:txBody>
+                  <a:tcPr/>
+                </a:tc>
+                <a:tc>
+                  <a:txBody>
+                    <a:bodyPr/>
+                    <a:lstStyle/>
+                    <a:p>
+                      <a:pPr algn="ctr"/>
+                      <a:endParaRPr lang="en-ID" b="0" dirty="0">
+                        <a:solidFill>
+                          <a:schemeClr val="tx1"/>
+                        </a:solidFill>
+                      </a:endParaRPr>
+                    </a:p>
+                  </a:txBody>
+                  <a:tcPr/>
+                </a:tc>
+                <a:tc>
+                  <a:txBody>
+                    <a:bodyPr/>
+                    <a:lstStyle/>
+                    <a:p>
+                      <a:pPr algn="ctr"/>
+                      <a:endParaRPr lang="en-ID" b="0" dirty="0">
+                        <a:solidFill>
+                          <a:schemeClr val="tx1"/>
+                        </a:solidFill>
+                      </a:endParaRPr>
+                    </a:p>
+                  </a:txBody>
+                  <a:tcPr/>
+                </a:tc>
+                <a:tc>
+                  <a:txBody>
+                    <a:bodyPr/>
+                    <a:lstStyle/>
+                    <a:p>
+                      <a:pPr algn="ctr"/>
+                      <a:endParaRPr lang="en-ID" b="0" dirty="0">
+                        <a:solidFill>
+                          <a:schemeClr val="tx1"/>
+                        </a:solidFill>
+                      </a:endParaRPr>
+                    </a:p>
+                  </a:txBody>
+                  <a:tcPr/>
+                </a:tc>
+                <a:tc>
+                  <a:txBody>
+                    <a:bodyPr/>
+                    <a:lstStyle/>
+                    <a:p>
+                      <a:pPr algn="ctr"/>
+                      <a:endParaRPr lang="en-ID" b="0" dirty="0">
+                        <a:solidFill>
+                          <a:schemeClr val="tx1"/>
+                        </a:solidFill>
+                      </a:endParaRPr>
+                    </a:p>
+                  </a:txBody>
+                  <a:tcPr/>
+                </a:tc>
+                <a:tc>
+                  <a:txBody>
+                    <a:bodyPr/>
+                    <a:lstStyle/>
+                    <a:p>
+                      <a:pPr algn="ctr"/>
+                      <a:endParaRPr lang="en-ID" b="0" dirty="0">
+                        <a:solidFill>
+                          <a:schemeClr val="tx1"/>
+                        </a:solidFill>
+                      </a:endParaRPr>
+                    </a:p>
+                  </a:txBody>
+                  <a:tcPr/>
+                </a:tc>
+                <a:extLst>
+                  <a:ext uri="{0D108BD9-81ED-4DB2-BD59-A6C34878D82A}">
+                    <a16:rowId xmlns:a16="http://schemas.microsoft.com/office/drawing/2014/main" val="1268569981"/>
+                  </a:ext>
+                </a:extLst>
+              </a:tr>
+              <a:tr h="370840">
+                <a:tc>
+                  <a:txBody>
+                    <a:bodyPr/>
+                    <a:lstStyle/>
+                    <a:p>
+                      <a:pPr algn="ctr"/>
+                      <a:r>
+                        <a:rPr lang="en-ID" dirty="0"/>
+                        <a:t>TFIDF</a:t>
+                      </a:r>
+                    </a:p>
+                  </a:txBody>
+                  <a:tcPr/>
+                </a:tc>
+                <a:tc>
+                  <a:txBody>
+                    <a:bodyPr/>
+                    <a:lstStyle/>
+                    <a:p>
+                      <a:pPr algn="ctr"/>
+                      <a:endParaRPr lang="en-ID" b="0" dirty="0">
+                        <a:solidFill>
+                          <a:schemeClr val="tx1"/>
+                        </a:solidFill>
+                      </a:endParaRPr>
+                    </a:p>
+                  </a:txBody>
+                  <a:tcPr/>
+                </a:tc>
+                <a:tc>
+                  <a:txBody>
+                    <a:bodyPr/>
+                    <a:lstStyle/>
+                    <a:p>
+                      <a:pPr algn="ctr"/>
+                      <a:endParaRPr lang="en-ID" b="0" dirty="0">
+                        <a:solidFill>
+                          <a:schemeClr val="tx1"/>
+                        </a:solidFill>
+                      </a:endParaRPr>
+                    </a:p>
+                  </a:txBody>
+                  <a:tcPr/>
+                </a:tc>
+                <a:tc>
+                  <a:txBody>
+                    <a:bodyPr/>
+                    <a:lstStyle/>
+                    <a:p>
+                      <a:pPr algn="ctr"/>
+                      <a:endParaRPr lang="en-ID" b="0" dirty="0">
+                        <a:solidFill>
+                          <a:schemeClr val="tx1"/>
+                        </a:solidFill>
+                      </a:endParaRPr>
+                    </a:p>
+                  </a:txBody>
+                  <a:tcPr/>
+                </a:tc>
+                <a:tc>
+                  <a:txBody>
+                    <a:bodyPr/>
+                    <a:lstStyle/>
+                    <a:p>
+                      <a:pPr algn="ctr"/>
+                      <a:endParaRPr lang="en-ID" b="0" dirty="0">
+                        <a:solidFill>
+                          <a:schemeClr val="tx1"/>
+                        </a:solidFill>
+                      </a:endParaRPr>
+                    </a:p>
+                  </a:txBody>
+                  <a:tcPr/>
+                </a:tc>
+                <a:tc>
+                  <a:txBody>
+                    <a:bodyPr/>
+                    <a:lstStyle/>
+                    <a:p>
+                      <a:pPr algn="ctr"/>
+                      <a:endParaRPr lang="en-ID" b="0" dirty="0">
+                        <a:solidFill>
+                          <a:schemeClr val="tx1"/>
+                        </a:solidFill>
+                      </a:endParaRPr>
+                    </a:p>
+                  </a:txBody>
+                  <a:tcPr/>
+                </a:tc>
+                <a:extLst>
+                  <a:ext uri="{0D108BD9-81ED-4DB2-BD59-A6C34878D82A}">
+                    <a16:rowId xmlns:a16="http://schemas.microsoft.com/office/drawing/2014/main" val="1865587778"/>
+                  </a:ext>
+                </a:extLst>
+              </a:tr>
+              <a:tr h="370840">
+                <a:tc>
+                  <a:txBody>
+                    <a:bodyPr/>
+                    <a:lstStyle/>
+                    <a:p>
+                      <a:pPr algn="ctr"/>
+                      <a:r>
+                        <a:rPr lang="en-ID" dirty="0"/>
+                        <a:t>Freq</a:t>
+                      </a:r>
+                    </a:p>
+                  </a:txBody>
+                  <a:tcPr/>
+                </a:tc>
+                <a:tc>
+                  <a:txBody>
+                    <a:bodyPr/>
+                    <a:lstStyle/>
+                    <a:p>
+                      <a:pPr algn="ctr"/>
+                      <a:r>
+                        <a:rPr lang="en-ID" sz="1800" b="1" dirty="0">
+                          <a:solidFill>
+                            <a:srgbClr val="C00000"/>
+                          </a:solidFill>
+                        </a:rPr>
+                        <a:t>77.3</a:t>
+                      </a:r>
+                    </a:p>
+                  </a:txBody>
+                  <a:tcPr/>
+                </a:tc>
+                <a:tc>
+                  <a:txBody>
+                    <a:bodyPr/>
+                    <a:lstStyle/>
+                    <a:p>
+                      <a:pPr algn="ctr"/>
+                      <a:r>
+                        <a:rPr lang="en-ID" sz="1800" b="1" dirty="0">
+                          <a:solidFill>
+                            <a:srgbClr val="C00000"/>
+                          </a:solidFill>
+                        </a:rPr>
+                        <a:t>90.8</a:t>
+                      </a:r>
+                    </a:p>
+                  </a:txBody>
+                  <a:tcPr/>
+                </a:tc>
+                <a:tc>
+                  <a:txBody>
+                    <a:bodyPr/>
+                    <a:lstStyle/>
+                    <a:p>
+                      <a:pPr algn="ctr"/>
+                      <a:r>
+                        <a:rPr lang="en-ID" sz="1800" b="1" dirty="0">
+                          <a:solidFill>
+                            <a:srgbClr val="C00000"/>
+                          </a:solidFill>
+                        </a:rPr>
+                        <a:t>78.8</a:t>
+                      </a:r>
+                    </a:p>
+                  </a:txBody>
+                  <a:tcPr/>
+                </a:tc>
+                <a:tc>
+                  <a:txBody>
+                    <a:bodyPr/>
+                    <a:lstStyle/>
+                    <a:p>
+                      <a:pPr algn="ctr"/>
+                      <a:r>
+                        <a:rPr lang="en-ID" sz="1800" b="1" dirty="0">
+                          <a:solidFill>
+                            <a:srgbClr val="C00000"/>
+                          </a:solidFill>
+                        </a:rPr>
+                        <a:t>84.3</a:t>
+                      </a:r>
+                    </a:p>
+                  </a:txBody>
+                  <a:tcPr/>
+                </a:tc>
+                <a:tc>
+                  <a:txBody>
+                    <a:bodyPr/>
+                    <a:lstStyle/>
+                    <a:p>
+                      <a:pPr algn="ctr"/>
+                      <a:r>
+                        <a:rPr lang="en-ID" sz="1800" b="0" dirty="0">
+                          <a:solidFill>
+                            <a:schemeClr val="tx1"/>
+                          </a:solidFill>
+                        </a:rPr>
+                        <a:t>56.8</a:t>
+                      </a:r>
+                    </a:p>
+                  </a:txBody>
+                  <a:tcPr/>
+                </a:tc>
+                <a:extLst>
+                  <a:ext uri="{0D108BD9-81ED-4DB2-BD59-A6C34878D82A}">
+                    <a16:rowId xmlns:a16="http://schemas.microsoft.com/office/drawing/2014/main" val="492022231"/>
+                  </a:ext>
+                </a:extLst>
+              </a:tr>
+              <a:tr h="370840">
+                <a:tc>
+                  <a:txBody>
+                    <a:bodyPr/>
+                    <a:lstStyle/>
+                    <a:p>
+                      <a:pPr algn="ctr"/>
+                      <a:r>
+                        <a:rPr lang="en-ID" b="1" dirty="0"/>
+                        <a:t>Naïve Bayes</a:t>
+                      </a:r>
+                    </a:p>
+                  </a:txBody>
+                  <a:tcPr/>
+                </a:tc>
+                <a:tc>
+                  <a:txBody>
+                    <a:bodyPr/>
+                    <a:lstStyle/>
+                    <a:p>
+                      <a:pPr algn="ctr"/>
+                      <a:r>
+                        <a:rPr lang="en-ID" sz="1800" b="1" dirty="0">
+                          <a:solidFill>
+                            <a:srgbClr val="C00000"/>
+                          </a:solidFill>
+                        </a:rPr>
+                        <a:t>77.3</a:t>
+                      </a:r>
+                    </a:p>
+                  </a:txBody>
+                  <a:tcPr/>
+                </a:tc>
+                <a:tc>
+                  <a:txBody>
+                    <a:bodyPr/>
+                    <a:lstStyle/>
+                    <a:p>
+                      <a:pPr algn="ctr"/>
+                      <a:r>
+                        <a:rPr lang="en-ID" sz="1800" b="1" dirty="0">
+                          <a:solidFill>
+                            <a:srgbClr val="C00000"/>
+                          </a:solidFill>
+                        </a:rPr>
+                        <a:t>90.8</a:t>
+                      </a:r>
+                    </a:p>
+                  </a:txBody>
+                  <a:tcPr/>
+                </a:tc>
+                <a:tc>
+                  <a:txBody>
+                    <a:bodyPr/>
+                    <a:lstStyle/>
+                    <a:p>
+                      <a:pPr algn="ctr"/>
+                      <a:r>
+                        <a:rPr lang="en-ID" sz="1800" b="1" dirty="0">
+                          <a:solidFill>
+                            <a:srgbClr val="C00000"/>
+                          </a:solidFill>
+                        </a:rPr>
+                        <a:t>78.8</a:t>
+                      </a:r>
+                    </a:p>
+                  </a:txBody>
+                  <a:tcPr/>
+                </a:tc>
+                <a:tc>
+                  <a:txBody>
+                    <a:bodyPr/>
+                    <a:lstStyle/>
+                    <a:p>
+                      <a:pPr algn="ctr"/>
+                      <a:r>
+                        <a:rPr lang="en-ID" sz="1800" b="1" dirty="0">
+                          <a:solidFill>
+                            <a:srgbClr val="C00000"/>
+                          </a:solidFill>
+                        </a:rPr>
+                        <a:t>84.3</a:t>
+                      </a:r>
+                    </a:p>
+                  </a:txBody>
+                  <a:tcPr/>
+                </a:tc>
+                <a:tc>
+                  <a:txBody>
+                    <a:bodyPr/>
+                    <a:lstStyle/>
+                    <a:p>
+                      <a:pPr algn="ctr"/>
+                      <a:r>
+                        <a:rPr lang="en-ID" sz="1800" b="0" dirty="0">
+                          <a:solidFill>
+                            <a:schemeClr val="tx1"/>
+                          </a:solidFill>
+                        </a:rPr>
+                        <a:t>56.8</a:t>
+                      </a:r>
+                    </a:p>
+                  </a:txBody>
+                  <a:tcPr/>
+                </a:tc>
+                <a:extLst>
+                  <a:ext uri="{0D108BD9-81ED-4DB2-BD59-A6C34878D82A}">
+                    <a16:rowId xmlns:a16="http://schemas.microsoft.com/office/drawing/2014/main" val="2049811342"/>
+                  </a:ext>
+                </a:extLst>
+              </a:tr>
+              <a:tr h="370840">
+                <a:tc>
+                  <a:txBody>
+                    <a:bodyPr/>
+                    <a:lstStyle/>
+                    <a:p>
+                      <a:pPr marL="0" marR="0" lvl="0" indent="0" algn="ctr" defTabSz="914400" rtl="0" eaLnBrk="1" fontAlgn="auto" latinLnBrk="0" hangingPunct="1">
+                        <a:lnSpc>
+                          <a:spcPct val="100000"/>
+                        </a:lnSpc>
+                        <a:spcBef>
+                          <a:spcPts val="0"/>
+                        </a:spcBef>
+                        <a:spcAft>
+                          <a:spcPts val="0"/>
+                        </a:spcAft>
+                        <a:buClrTx/>
+                        <a:buSzTx/>
+                        <a:buFontTx/>
+                        <a:buNone/>
+                        <a:tabLst/>
+                        <a:defRPr/>
+                      </a:pPr>
+                      <a:r>
+                        <a:rPr lang="en-ID" b="1" dirty="0"/>
+                        <a:t>CNN-rand</a:t>
+                      </a:r>
+                      <a:br>
+                        <a:rPr lang="en-ID" b="1" dirty="0"/>
+                      </a:br>
+                      <a:r>
+                        <a:rPr lang="en-ID" b="1" dirty="0"/>
+                        <a:t>(Baseline) </a:t>
+                      </a:r>
+                    </a:p>
+                    <a:p>
+                      <a:pPr algn="ctr"/>
+                      <a:endParaRPr lang="en-ID" b="1" dirty="0"/>
+                    </a:p>
+                  </a:txBody>
+                  <a:tcPr/>
+                </a:tc>
+                <a:tc>
+                  <a:txBody>
+                    <a:bodyPr/>
+                    <a:lstStyle/>
+                    <a:p>
+                      <a:pPr algn="ctr"/>
+                      <a:endParaRPr lang="en-ID" sz="1800" b="1" dirty="0">
+                        <a:solidFill>
+                          <a:srgbClr val="C00000"/>
+                        </a:solidFill>
+                      </a:endParaRPr>
+                    </a:p>
+                  </a:txBody>
+                  <a:tcPr/>
+                </a:tc>
+                <a:tc>
+                  <a:txBody>
+                    <a:bodyPr/>
+                    <a:lstStyle/>
+                    <a:p>
+                      <a:pPr algn="ctr"/>
+                      <a:endParaRPr lang="en-ID" sz="1800" b="1" dirty="0">
+                        <a:solidFill>
+                          <a:srgbClr val="C00000"/>
+                        </a:solidFill>
+                      </a:endParaRPr>
+                    </a:p>
+                  </a:txBody>
+                  <a:tcPr/>
+                </a:tc>
+                <a:tc>
+                  <a:txBody>
+                    <a:bodyPr/>
+                    <a:lstStyle/>
+                    <a:p>
+                      <a:pPr algn="ctr"/>
+                      <a:endParaRPr lang="en-ID" sz="1800" b="1" dirty="0">
+                        <a:solidFill>
+                          <a:srgbClr val="C00000"/>
+                        </a:solidFill>
+                      </a:endParaRPr>
+                    </a:p>
+                  </a:txBody>
+                  <a:tcPr/>
+                </a:tc>
+                <a:tc>
+                  <a:txBody>
+                    <a:bodyPr/>
+                    <a:lstStyle/>
+                    <a:p>
+                      <a:pPr algn="ctr"/>
+                      <a:endParaRPr lang="en-ID" sz="1800" b="1" dirty="0">
+                        <a:solidFill>
+                          <a:srgbClr val="C00000"/>
+                        </a:solidFill>
+                      </a:endParaRPr>
+                    </a:p>
+                  </a:txBody>
+                  <a:tcPr/>
+                </a:tc>
+                <a:tc>
+                  <a:txBody>
+                    <a:bodyPr/>
+                    <a:lstStyle/>
+                    <a:p>
+                      <a:pPr algn="ctr"/>
+                      <a:endParaRPr lang="en-ID" sz="1800" b="0" dirty="0">
+                        <a:solidFill>
+                          <a:schemeClr val="tx1"/>
+                        </a:solidFill>
+                      </a:endParaRPr>
+                    </a:p>
+                  </a:txBody>
+                  <a:tcPr/>
+                </a:tc>
+                <a:extLst>
+                  <a:ext uri="{0D108BD9-81ED-4DB2-BD59-A6C34878D82A}">
+                    <a16:rowId xmlns:a16="http://schemas.microsoft.com/office/drawing/2014/main" val="3514948886"/>
+                  </a:ext>
+                </a:extLst>
+              </a:tr>
+            </a:tbl>
+          </a:graphicData>
+        </a:graphic>
+      </p:graphicFrame>
+    </p:spTree>
+    <p:extLst>
+      <p:ext uri="{BB962C8B-B14F-4D97-AF65-F5344CB8AC3E}">
+        <p14:creationId xmlns:p14="http://schemas.microsoft.com/office/powerpoint/2010/main" val="3540032874"/>
       </p:ext>
     </p:extLst>
   </p:cSld>
@@ -7869,6 +10446,2243 @@
 </p:sld>
 </file>
 
+<file path=ppt/slides/slide20.xml><?xml version="1.0" encoding="utf-8"?>
+<p:sld xmlns:a="http://schemas.openxmlformats.org/drawingml/2006/main" xmlns:r="http://schemas.openxmlformats.org/officeDocument/2006/relationships" xmlns:p="http://schemas.openxmlformats.org/presentationml/2006/main">
+  <p:cSld>
+    <p:spTree>
+      <p:nvGrpSpPr>
+        <p:cNvPr id="1" name=""/>
+        <p:cNvGrpSpPr/>
+        <p:nvPr/>
+      </p:nvGrpSpPr>
+      <p:grpSpPr>
+        <a:xfrm>
+          <a:off x="0" y="0"/>
+          <a:ext cx="0" cy="0"/>
+          <a:chOff x="0" y="0"/>
+          <a:chExt cx="0" cy="0"/>
+        </a:xfrm>
+      </p:grpSpPr>
+      <p:sp>
+        <p:nvSpPr>
+          <p:cNvPr id="2" name="Title 1">
+            <a:extLst>
+              <a:ext uri="{FF2B5EF4-FFF2-40B4-BE49-F238E27FC236}">
+                <a16:creationId xmlns:a16="http://schemas.microsoft.com/office/drawing/2014/main" id="{B509617B-28E0-4092-A3A3-1DF9B2AE4B02}"/>
+              </a:ext>
+            </a:extLst>
+          </p:cNvPr>
+          <p:cNvSpPr>
+            <a:spLocks noGrp="1"/>
+          </p:cNvSpPr>
+          <p:nvPr>
+            <p:ph type="title"/>
+          </p:nvPr>
+        </p:nvSpPr>
+        <p:spPr/>
+        <p:txBody>
+          <a:bodyPr/>
+          <a:lstStyle/>
+          <a:p>
+            <a:r>
+              <a:rPr lang="en-ID" dirty="0"/>
+              <a:t>Bag-of-Words Model: </a:t>
+            </a:r>
+            <a:r>
+              <a:rPr lang="en-ID" dirty="0" err="1"/>
+              <a:t>edRVFL</a:t>
+            </a:r>
+            <a:br>
+              <a:rPr lang="en-ID" dirty="0"/>
+            </a:br>
+            <a:r>
+              <a:rPr lang="en-ID" dirty="0"/>
+              <a:t>SUBJ Dataset</a:t>
+            </a:r>
+          </a:p>
+        </p:txBody>
+      </p:sp>
+      <p:sp>
+        <p:nvSpPr>
+          <p:cNvPr id="3" name="Content Placeholder 2">
+            <a:extLst>
+              <a:ext uri="{FF2B5EF4-FFF2-40B4-BE49-F238E27FC236}">
+                <a16:creationId xmlns:a16="http://schemas.microsoft.com/office/drawing/2014/main" id="{EFD4E93D-78AE-4A00-95A1-5E0F5285BA41}"/>
+              </a:ext>
+            </a:extLst>
+          </p:cNvPr>
+          <p:cNvSpPr>
+            <a:spLocks noGrp="1"/>
+          </p:cNvSpPr>
+          <p:nvPr>
+            <p:ph idx="1"/>
+          </p:nvPr>
+        </p:nvSpPr>
+        <p:spPr/>
+        <p:txBody>
+          <a:bodyPr/>
+          <a:lstStyle/>
+          <a:p>
+            <a:endParaRPr lang="en-ID" dirty="0"/>
+          </a:p>
+        </p:txBody>
+      </p:sp>
+      <p:graphicFrame>
+        <p:nvGraphicFramePr>
+          <p:cNvPr id="4" name="Table 4">
+            <a:extLst>
+              <a:ext uri="{FF2B5EF4-FFF2-40B4-BE49-F238E27FC236}">
+                <a16:creationId xmlns:a16="http://schemas.microsoft.com/office/drawing/2014/main" id="{6605F7BB-D940-4F85-869E-21CFA1A95389}"/>
+              </a:ext>
+            </a:extLst>
+          </p:cNvPr>
+          <p:cNvGraphicFramePr>
+            <a:graphicFrameLocks/>
+          </p:cNvGraphicFramePr>
+          <p:nvPr>
+            <p:extLst>
+              <p:ext uri="{D42A27DB-BD31-4B8C-83A1-F6EECF244321}">
+                <p14:modId xmlns:p14="http://schemas.microsoft.com/office/powerpoint/2010/main" val="2493985854"/>
+              </p:ext>
+            </p:extLst>
+          </p:nvPr>
+        </p:nvGraphicFramePr>
+        <p:xfrm>
+          <a:off x="461913" y="2108200"/>
+          <a:ext cx="11246177" cy="3505200"/>
+        </p:xfrm>
+        <a:graphic>
+          <a:graphicData uri="http://schemas.openxmlformats.org/drawingml/2006/table">
+            <a:tbl>
+              <a:tblPr bandRow="1">
+                <a:tableStyleId>{5C22544A-7EE6-4342-B048-85BDC9FD1C3A}</a:tableStyleId>
+              </a:tblPr>
+              <a:tblGrid>
+                <a:gridCol w="1461198">
+                  <a:extLst>
+                    <a:ext uri="{9D8B030D-6E8A-4147-A177-3AD203B41FA5}">
+                      <a16:colId xmlns:a16="http://schemas.microsoft.com/office/drawing/2014/main" val="3010020823"/>
+                    </a:ext>
+                  </a:extLst>
+                </a:gridCol>
+                <a:gridCol w="2287527">
+                  <a:extLst>
+                    <a:ext uri="{9D8B030D-6E8A-4147-A177-3AD203B41FA5}">
+                      <a16:colId xmlns:a16="http://schemas.microsoft.com/office/drawing/2014/main" val="2391301616"/>
+                    </a:ext>
+                  </a:extLst>
+                </a:gridCol>
+                <a:gridCol w="1874363">
+                  <a:extLst>
+                    <a:ext uri="{9D8B030D-6E8A-4147-A177-3AD203B41FA5}">
+                      <a16:colId xmlns:a16="http://schemas.microsoft.com/office/drawing/2014/main" val="3310041279"/>
+                    </a:ext>
+                  </a:extLst>
+                </a:gridCol>
+                <a:gridCol w="1874363">
+                  <a:extLst>
+                    <a:ext uri="{9D8B030D-6E8A-4147-A177-3AD203B41FA5}">
+                      <a16:colId xmlns:a16="http://schemas.microsoft.com/office/drawing/2014/main" val="635172696"/>
+                    </a:ext>
+                  </a:extLst>
+                </a:gridCol>
+                <a:gridCol w="1874363">
+                  <a:extLst>
+                    <a:ext uri="{9D8B030D-6E8A-4147-A177-3AD203B41FA5}">
+                      <a16:colId xmlns:a16="http://schemas.microsoft.com/office/drawing/2014/main" val="1489510848"/>
+                    </a:ext>
+                  </a:extLst>
+                </a:gridCol>
+                <a:gridCol w="1874363">
+                  <a:extLst>
+                    <a:ext uri="{9D8B030D-6E8A-4147-A177-3AD203B41FA5}">
+                      <a16:colId xmlns:a16="http://schemas.microsoft.com/office/drawing/2014/main" val="973671048"/>
+                    </a:ext>
+                  </a:extLst>
+                </a:gridCol>
+              </a:tblGrid>
+              <a:tr h="370840">
+                <a:tc>
+                  <a:txBody>
+                    <a:bodyPr/>
+                    <a:lstStyle/>
+                    <a:p>
+                      <a:pPr algn="ctr"/>
+                      <a:endParaRPr lang="en-ID" dirty="0"/>
+                    </a:p>
+                  </a:txBody>
+                  <a:tcPr/>
+                </a:tc>
+                <a:tc>
+                  <a:txBody>
+                    <a:bodyPr/>
+                    <a:lstStyle/>
+                    <a:p>
+                      <a:pPr algn="ctr"/>
+                      <a:r>
+                        <a:rPr lang="en-ID" dirty="0" err="1"/>
+                        <a:t>Relu</a:t>
+                      </a:r>
+                      <a:endParaRPr lang="en-ID" dirty="0"/>
+                    </a:p>
+                  </a:txBody>
+                  <a:tcPr/>
+                </a:tc>
+                <a:tc>
+                  <a:txBody>
+                    <a:bodyPr/>
+                    <a:lstStyle/>
+                    <a:p>
+                      <a:pPr algn="ctr"/>
+                      <a:r>
+                        <a:rPr lang="en-ID" dirty="0"/>
+                        <a:t>Sigmoid</a:t>
+                      </a:r>
+                    </a:p>
+                  </a:txBody>
+                  <a:tcPr/>
+                </a:tc>
+                <a:tc>
+                  <a:txBody>
+                    <a:bodyPr/>
+                    <a:lstStyle/>
+                    <a:p>
+                      <a:pPr algn="ctr"/>
+                      <a:r>
+                        <a:rPr lang="en-ID" dirty="0" err="1"/>
+                        <a:t>Selu</a:t>
+                      </a:r>
+                      <a:endParaRPr lang="en-ID" dirty="0"/>
+                    </a:p>
+                  </a:txBody>
+                  <a:tcPr/>
+                </a:tc>
+                <a:tc>
+                  <a:txBody>
+                    <a:bodyPr/>
+                    <a:lstStyle/>
+                    <a:p>
+                      <a:pPr algn="ctr"/>
+                      <a:r>
+                        <a:rPr lang="en-ID" dirty="0" err="1"/>
+                        <a:t>Radbas</a:t>
+                      </a:r>
+                      <a:endParaRPr lang="en-ID" dirty="0"/>
+                    </a:p>
+                  </a:txBody>
+                  <a:tcPr/>
+                </a:tc>
+                <a:tc>
+                  <a:txBody>
+                    <a:bodyPr/>
+                    <a:lstStyle/>
+                    <a:p>
+                      <a:pPr algn="ctr"/>
+                      <a:r>
+                        <a:rPr lang="en-ID" dirty="0"/>
+                        <a:t>Sine</a:t>
+                      </a:r>
+                    </a:p>
+                  </a:txBody>
+                  <a:tcPr/>
+                </a:tc>
+                <a:extLst>
+                  <a:ext uri="{0D108BD9-81ED-4DB2-BD59-A6C34878D82A}">
+                    <a16:rowId xmlns:a16="http://schemas.microsoft.com/office/drawing/2014/main" val="898384172"/>
+                  </a:ext>
+                </a:extLst>
+              </a:tr>
+              <a:tr h="140721">
+                <a:tc>
+                  <a:txBody>
+                    <a:bodyPr/>
+                    <a:lstStyle/>
+                    <a:p>
+                      <a:pPr algn="ctr"/>
+                      <a:endParaRPr lang="en-ID" b="1" dirty="0"/>
+                    </a:p>
+                  </a:txBody>
+                  <a:tcPr/>
+                </a:tc>
+                <a:tc>
+                  <a:txBody>
+                    <a:bodyPr/>
+                    <a:lstStyle/>
+                    <a:p>
+                      <a:pPr algn="ctr"/>
+                      <a:r>
+                        <a:rPr lang="en-ID" sz="1400" b="0" dirty="0">
+                          <a:solidFill>
+                            <a:schemeClr val="tx1"/>
+                          </a:solidFill>
+                        </a:rPr>
+                        <a:t>N = 3, C = 0.0313</a:t>
+                      </a:r>
+                    </a:p>
+                  </a:txBody>
+                  <a:tcPr anchor="ctr"/>
+                </a:tc>
+                <a:tc>
+                  <a:txBody>
+                    <a:bodyPr/>
+                    <a:lstStyle/>
+                    <a:p>
+                      <a:pPr marL="0" marR="0" lvl="0" indent="0" algn="ctr" defTabSz="914400" rtl="0" eaLnBrk="1" fontAlgn="auto" latinLnBrk="0" hangingPunct="1">
+                        <a:lnSpc>
+                          <a:spcPct val="100000"/>
+                        </a:lnSpc>
+                        <a:spcBef>
+                          <a:spcPts val="0"/>
+                        </a:spcBef>
+                        <a:spcAft>
+                          <a:spcPts val="0"/>
+                        </a:spcAft>
+                        <a:buClrTx/>
+                        <a:buSzTx/>
+                        <a:buFontTx/>
+                        <a:buNone/>
+                        <a:tabLst/>
+                        <a:defRPr/>
+                      </a:pPr>
+                      <a:r>
+                        <a:rPr lang="en-ID" sz="1400" b="0" dirty="0">
+                          <a:solidFill>
+                            <a:schemeClr val="tx1"/>
+                          </a:solidFill>
+                        </a:rPr>
+                        <a:t>N = 123, C = 0.0313</a:t>
+                      </a:r>
+                    </a:p>
+                  </a:txBody>
+                  <a:tcPr anchor="ctr"/>
+                </a:tc>
+                <a:tc>
+                  <a:txBody>
+                    <a:bodyPr/>
+                    <a:lstStyle/>
+                    <a:p>
+                      <a:pPr algn="ctr"/>
+                      <a:r>
+                        <a:rPr lang="en-ID" sz="1400" b="0" dirty="0">
+                          <a:solidFill>
+                            <a:schemeClr val="tx1"/>
+                          </a:solidFill>
+                        </a:rPr>
+                        <a:t>N = 3, C = 0.0313</a:t>
+                      </a:r>
+                    </a:p>
+                  </a:txBody>
+                  <a:tcPr anchor="ctr"/>
+                </a:tc>
+                <a:tc>
+                  <a:txBody>
+                    <a:bodyPr/>
+                    <a:lstStyle/>
+                    <a:p>
+                      <a:pPr marL="0" marR="0" lvl="0" indent="0" algn="ctr" defTabSz="914400" rtl="0" eaLnBrk="1" fontAlgn="auto" latinLnBrk="0" hangingPunct="1">
+                        <a:lnSpc>
+                          <a:spcPct val="100000"/>
+                        </a:lnSpc>
+                        <a:spcBef>
+                          <a:spcPts val="0"/>
+                        </a:spcBef>
+                        <a:spcAft>
+                          <a:spcPts val="0"/>
+                        </a:spcAft>
+                        <a:buClrTx/>
+                        <a:buSzTx/>
+                        <a:buFontTx/>
+                        <a:buNone/>
+                        <a:tabLst/>
+                        <a:defRPr/>
+                      </a:pPr>
+                      <a:r>
+                        <a:rPr lang="en-ID" sz="1400" b="0" dirty="0">
+                          <a:solidFill>
+                            <a:schemeClr val="tx1"/>
+                          </a:solidFill>
+                        </a:rPr>
+                        <a:t>N = 3, C = 0.0313</a:t>
+                      </a:r>
+                    </a:p>
+                  </a:txBody>
+                  <a:tcPr anchor="ctr"/>
+                </a:tc>
+                <a:tc>
+                  <a:txBody>
+                    <a:bodyPr/>
+                    <a:lstStyle/>
+                    <a:p>
+                      <a:pPr marL="0" marR="0" lvl="0" indent="0" algn="ctr" defTabSz="914400" rtl="0" eaLnBrk="1" fontAlgn="auto" latinLnBrk="0" hangingPunct="1">
+                        <a:lnSpc>
+                          <a:spcPct val="100000"/>
+                        </a:lnSpc>
+                        <a:spcBef>
+                          <a:spcPts val="0"/>
+                        </a:spcBef>
+                        <a:spcAft>
+                          <a:spcPts val="0"/>
+                        </a:spcAft>
+                        <a:buClrTx/>
+                        <a:buSzTx/>
+                        <a:buFontTx/>
+                        <a:buNone/>
+                        <a:tabLst/>
+                        <a:defRPr/>
+                      </a:pPr>
+                      <a:r>
+                        <a:rPr kumimoji="0" lang="en-ID" sz="1400" b="0" i="0" u="none" strike="noStrike" kern="1200" cap="none" spc="0" normalizeH="0" baseline="0" noProof="0" dirty="0">
+                          <a:ln>
+                            <a:noFill/>
+                          </a:ln>
+                          <a:solidFill>
+                            <a:srgbClr val="000000"/>
+                          </a:solidFill>
+                          <a:effectLst/>
+                          <a:uLnTx/>
+                          <a:uFillTx/>
+                          <a:latin typeface="+mn-lt"/>
+                          <a:ea typeface="+mn-ea"/>
+                          <a:cs typeface="+mn-cs"/>
+                        </a:rPr>
+                        <a:t>N = 3, C = 0.0313</a:t>
+                      </a:r>
+                    </a:p>
+                  </a:txBody>
+                  <a:tcPr anchor="ctr"/>
+                </a:tc>
+                <a:extLst>
+                  <a:ext uri="{0D108BD9-81ED-4DB2-BD59-A6C34878D82A}">
+                    <a16:rowId xmlns:a16="http://schemas.microsoft.com/office/drawing/2014/main" val="141040622"/>
+                  </a:ext>
+                </a:extLst>
+              </a:tr>
+              <a:tr h="370840">
+                <a:tc>
+                  <a:txBody>
+                    <a:bodyPr/>
+                    <a:lstStyle/>
+                    <a:p>
+                      <a:pPr algn="ctr"/>
+                      <a:r>
+                        <a:rPr lang="en-ID" dirty="0"/>
+                        <a:t>Binary</a:t>
+                      </a:r>
+                    </a:p>
+                  </a:txBody>
+                  <a:tcPr/>
+                </a:tc>
+                <a:tc>
+                  <a:txBody>
+                    <a:bodyPr/>
+                    <a:lstStyle/>
+                    <a:p>
+                      <a:pPr marL="0" marR="0" lvl="0" indent="0" algn="ctr" defTabSz="914400" rtl="0" eaLnBrk="1" fontAlgn="auto" latinLnBrk="0" hangingPunct="1">
+                        <a:lnSpc>
+                          <a:spcPct val="100000"/>
+                        </a:lnSpc>
+                        <a:spcBef>
+                          <a:spcPts val="0"/>
+                        </a:spcBef>
+                        <a:spcAft>
+                          <a:spcPts val="0"/>
+                        </a:spcAft>
+                        <a:buClrTx/>
+                        <a:buSzTx/>
+                        <a:buFontTx/>
+                        <a:buNone/>
+                        <a:tabLst/>
+                        <a:defRPr/>
+                      </a:pPr>
+                      <a:r>
+                        <a:rPr lang="en-ID" b="0" dirty="0">
+                          <a:solidFill>
+                            <a:schemeClr val="tx1"/>
+                          </a:solidFill>
+                        </a:rPr>
+                        <a:t>70.0</a:t>
+                      </a:r>
+                    </a:p>
+                  </a:txBody>
+                  <a:tcPr/>
+                </a:tc>
+                <a:tc>
+                  <a:txBody>
+                    <a:bodyPr/>
+                    <a:lstStyle/>
+                    <a:p>
+                      <a:pPr algn="ctr"/>
+                      <a:r>
+                        <a:rPr lang="en-ID" b="0" dirty="0">
+                          <a:solidFill>
+                            <a:schemeClr val="tx1"/>
+                          </a:solidFill>
+                        </a:rPr>
+                        <a:t>70.3</a:t>
+                      </a:r>
+                    </a:p>
+                  </a:txBody>
+                  <a:tcPr/>
+                </a:tc>
+                <a:tc>
+                  <a:txBody>
+                    <a:bodyPr/>
+                    <a:lstStyle/>
+                    <a:p>
+                      <a:pPr algn="ctr"/>
+                      <a:endParaRPr lang="en-ID" b="0" dirty="0">
+                        <a:solidFill>
+                          <a:schemeClr val="tx1"/>
+                        </a:solidFill>
+                      </a:endParaRPr>
+                    </a:p>
+                  </a:txBody>
+                  <a:tcPr/>
+                </a:tc>
+                <a:tc>
+                  <a:txBody>
+                    <a:bodyPr/>
+                    <a:lstStyle/>
+                    <a:p>
+                      <a:pPr algn="ctr"/>
+                      <a:endParaRPr lang="en-ID" b="0" dirty="0">
+                        <a:solidFill>
+                          <a:schemeClr val="tx1"/>
+                        </a:solidFill>
+                      </a:endParaRPr>
+                    </a:p>
+                  </a:txBody>
+                  <a:tcPr/>
+                </a:tc>
+                <a:tc>
+                  <a:txBody>
+                    <a:bodyPr/>
+                    <a:lstStyle/>
+                    <a:p>
+                      <a:pPr algn="ctr"/>
+                      <a:endParaRPr lang="en-ID" b="1" dirty="0">
+                        <a:solidFill>
+                          <a:srgbClr val="C00000"/>
+                        </a:solidFill>
+                      </a:endParaRPr>
+                    </a:p>
+                  </a:txBody>
+                  <a:tcPr/>
+                </a:tc>
+                <a:extLst>
+                  <a:ext uri="{0D108BD9-81ED-4DB2-BD59-A6C34878D82A}">
+                    <a16:rowId xmlns:a16="http://schemas.microsoft.com/office/drawing/2014/main" val="4266857135"/>
+                  </a:ext>
+                </a:extLst>
+              </a:tr>
+              <a:tr h="370840">
+                <a:tc>
+                  <a:txBody>
+                    <a:bodyPr/>
+                    <a:lstStyle/>
+                    <a:p>
+                      <a:pPr algn="ctr"/>
+                      <a:r>
+                        <a:rPr lang="en-ID" dirty="0"/>
+                        <a:t>Count</a:t>
+                      </a:r>
+                    </a:p>
+                  </a:txBody>
+                  <a:tcPr/>
+                </a:tc>
+                <a:tc>
+                  <a:txBody>
+                    <a:bodyPr/>
+                    <a:lstStyle/>
+                    <a:p>
+                      <a:pPr algn="ctr"/>
+                      <a:endParaRPr lang="en-ID" b="0" dirty="0">
+                        <a:solidFill>
+                          <a:schemeClr val="tx1"/>
+                        </a:solidFill>
+                      </a:endParaRPr>
+                    </a:p>
+                  </a:txBody>
+                  <a:tcPr/>
+                </a:tc>
+                <a:tc>
+                  <a:txBody>
+                    <a:bodyPr/>
+                    <a:lstStyle/>
+                    <a:p>
+                      <a:pPr algn="ctr"/>
+                      <a:endParaRPr lang="en-ID" b="0" dirty="0">
+                        <a:solidFill>
+                          <a:schemeClr val="tx1"/>
+                        </a:solidFill>
+                      </a:endParaRPr>
+                    </a:p>
+                  </a:txBody>
+                  <a:tcPr/>
+                </a:tc>
+                <a:tc>
+                  <a:txBody>
+                    <a:bodyPr/>
+                    <a:lstStyle/>
+                    <a:p>
+                      <a:pPr algn="ctr"/>
+                      <a:endParaRPr lang="en-ID" b="0" dirty="0">
+                        <a:solidFill>
+                          <a:schemeClr val="tx1"/>
+                        </a:solidFill>
+                      </a:endParaRPr>
+                    </a:p>
+                  </a:txBody>
+                  <a:tcPr/>
+                </a:tc>
+                <a:tc>
+                  <a:txBody>
+                    <a:bodyPr/>
+                    <a:lstStyle/>
+                    <a:p>
+                      <a:pPr algn="ctr"/>
+                      <a:endParaRPr lang="en-ID" b="0" dirty="0">
+                        <a:solidFill>
+                          <a:schemeClr val="tx1"/>
+                        </a:solidFill>
+                      </a:endParaRPr>
+                    </a:p>
+                  </a:txBody>
+                  <a:tcPr/>
+                </a:tc>
+                <a:tc>
+                  <a:txBody>
+                    <a:bodyPr/>
+                    <a:lstStyle/>
+                    <a:p>
+                      <a:pPr algn="ctr"/>
+                      <a:endParaRPr lang="en-ID" b="0" dirty="0">
+                        <a:solidFill>
+                          <a:schemeClr val="tx1"/>
+                        </a:solidFill>
+                      </a:endParaRPr>
+                    </a:p>
+                  </a:txBody>
+                  <a:tcPr/>
+                </a:tc>
+                <a:extLst>
+                  <a:ext uri="{0D108BD9-81ED-4DB2-BD59-A6C34878D82A}">
+                    <a16:rowId xmlns:a16="http://schemas.microsoft.com/office/drawing/2014/main" val="1268569981"/>
+                  </a:ext>
+                </a:extLst>
+              </a:tr>
+              <a:tr h="370840">
+                <a:tc>
+                  <a:txBody>
+                    <a:bodyPr/>
+                    <a:lstStyle/>
+                    <a:p>
+                      <a:pPr algn="ctr"/>
+                      <a:r>
+                        <a:rPr lang="en-ID" dirty="0"/>
+                        <a:t>TFIDF</a:t>
+                      </a:r>
+                    </a:p>
+                  </a:txBody>
+                  <a:tcPr/>
+                </a:tc>
+                <a:tc>
+                  <a:txBody>
+                    <a:bodyPr/>
+                    <a:lstStyle/>
+                    <a:p>
+                      <a:pPr algn="ctr"/>
+                      <a:endParaRPr lang="en-ID" b="0" dirty="0">
+                        <a:solidFill>
+                          <a:schemeClr val="tx1"/>
+                        </a:solidFill>
+                      </a:endParaRPr>
+                    </a:p>
+                  </a:txBody>
+                  <a:tcPr/>
+                </a:tc>
+                <a:tc>
+                  <a:txBody>
+                    <a:bodyPr/>
+                    <a:lstStyle/>
+                    <a:p>
+                      <a:pPr algn="ctr"/>
+                      <a:endParaRPr lang="en-ID" b="0" dirty="0">
+                        <a:solidFill>
+                          <a:schemeClr val="tx1"/>
+                        </a:solidFill>
+                      </a:endParaRPr>
+                    </a:p>
+                  </a:txBody>
+                  <a:tcPr/>
+                </a:tc>
+                <a:tc>
+                  <a:txBody>
+                    <a:bodyPr/>
+                    <a:lstStyle/>
+                    <a:p>
+                      <a:pPr algn="ctr"/>
+                      <a:endParaRPr lang="en-ID" b="0" dirty="0">
+                        <a:solidFill>
+                          <a:schemeClr val="tx1"/>
+                        </a:solidFill>
+                      </a:endParaRPr>
+                    </a:p>
+                  </a:txBody>
+                  <a:tcPr/>
+                </a:tc>
+                <a:tc>
+                  <a:txBody>
+                    <a:bodyPr/>
+                    <a:lstStyle/>
+                    <a:p>
+                      <a:pPr algn="ctr"/>
+                      <a:endParaRPr lang="en-ID" b="0" dirty="0">
+                        <a:solidFill>
+                          <a:schemeClr val="tx1"/>
+                        </a:solidFill>
+                      </a:endParaRPr>
+                    </a:p>
+                  </a:txBody>
+                  <a:tcPr/>
+                </a:tc>
+                <a:tc>
+                  <a:txBody>
+                    <a:bodyPr/>
+                    <a:lstStyle/>
+                    <a:p>
+                      <a:pPr algn="ctr"/>
+                      <a:endParaRPr lang="en-ID" b="0" dirty="0">
+                        <a:solidFill>
+                          <a:schemeClr val="tx1"/>
+                        </a:solidFill>
+                      </a:endParaRPr>
+                    </a:p>
+                  </a:txBody>
+                  <a:tcPr/>
+                </a:tc>
+                <a:extLst>
+                  <a:ext uri="{0D108BD9-81ED-4DB2-BD59-A6C34878D82A}">
+                    <a16:rowId xmlns:a16="http://schemas.microsoft.com/office/drawing/2014/main" val="1865587778"/>
+                  </a:ext>
+                </a:extLst>
+              </a:tr>
+              <a:tr h="370840">
+                <a:tc>
+                  <a:txBody>
+                    <a:bodyPr/>
+                    <a:lstStyle/>
+                    <a:p>
+                      <a:pPr algn="ctr"/>
+                      <a:r>
+                        <a:rPr lang="en-ID" dirty="0"/>
+                        <a:t>Freq</a:t>
+                      </a:r>
+                    </a:p>
+                  </a:txBody>
+                  <a:tcPr/>
+                </a:tc>
+                <a:tc>
+                  <a:txBody>
+                    <a:bodyPr/>
+                    <a:lstStyle/>
+                    <a:p>
+                      <a:pPr algn="ctr"/>
+                      <a:r>
+                        <a:rPr lang="en-ID" sz="1800" b="1" dirty="0">
+                          <a:solidFill>
+                            <a:srgbClr val="C00000"/>
+                          </a:solidFill>
+                        </a:rPr>
+                        <a:t>77.3</a:t>
+                      </a:r>
+                    </a:p>
+                  </a:txBody>
+                  <a:tcPr/>
+                </a:tc>
+                <a:tc>
+                  <a:txBody>
+                    <a:bodyPr/>
+                    <a:lstStyle/>
+                    <a:p>
+                      <a:pPr algn="ctr"/>
+                      <a:r>
+                        <a:rPr lang="en-ID" sz="1800" b="1" dirty="0">
+                          <a:solidFill>
+                            <a:srgbClr val="C00000"/>
+                          </a:solidFill>
+                        </a:rPr>
+                        <a:t>90.8</a:t>
+                      </a:r>
+                    </a:p>
+                  </a:txBody>
+                  <a:tcPr/>
+                </a:tc>
+                <a:tc>
+                  <a:txBody>
+                    <a:bodyPr/>
+                    <a:lstStyle/>
+                    <a:p>
+                      <a:pPr algn="ctr"/>
+                      <a:r>
+                        <a:rPr lang="en-ID" sz="1800" b="1" dirty="0">
+                          <a:solidFill>
+                            <a:srgbClr val="C00000"/>
+                          </a:solidFill>
+                        </a:rPr>
+                        <a:t>78.8</a:t>
+                      </a:r>
+                    </a:p>
+                  </a:txBody>
+                  <a:tcPr/>
+                </a:tc>
+                <a:tc>
+                  <a:txBody>
+                    <a:bodyPr/>
+                    <a:lstStyle/>
+                    <a:p>
+                      <a:pPr algn="ctr"/>
+                      <a:r>
+                        <a:rPr lang="en-ID" sz="1800" b="1" dirty="0">
+                          <a:solidFill>
+                            <a:srgbClr val="C00000"/>
+                          </a:solidFill>
+                        </a:rPr>
+                        <a:t>84.3</a:t>
+                      </a:r>
+                    </a:p>
+                  </a:txBody>
+                  <a:tcPr/>
+                </a:tc>
+                <a:tc>
+                  <a:txBody>
+                    <a:bodyPr/>
+                    <a:lstStyle/>
+                    <a:p>
+                      <a:pPr algn="ctr"/>
+                      <a:r>
+                        <a:rPr lang="en-ID" sz="1800" b="0" dirty="0">
+                          <a:solidFill>
+                            <a:schemeClr val="tx1"/>
+                          </a:solidFill>
+                        </a:rPr>
+                        <a:t>56.8</a:t>
+                      </a:r>
+                    </a:p>
+                  </a:txBody>
+                  <a:tcPr/>
+                </a:tc>
+                <a:extLst>
+                  <a:ext uri="{0D108BD9-81ED-4DB2-BD59-A6C34878D82A}">
+                    <a16:rowId xmlns:a16="http://schemas.microsoft.com/office/drawing/2014/main" val="492022231"/>
+                  </a:ext>
+                </a:extLst>
+              </a:tr>
+              <a:tr h="370840">
+                <a:tc>
+                  <a:txBody>
+                    <a:bodyPr/>
+                    <a:lstStyle/>
+                    <a:p>
+                      <a:pPr algn="ctr"/>
+                      <a:r>
+                        <a:rPr lang="en-ID" b="1" dirty="0"/>
+                        <a:t>Naïve Bayes</a:t>
+                      </a:r>
+                    </a:p>
+                  </a:txBody>
+                  <a:tcPr/>
+                </a:tc>
+                <a:tc>
+                  <a:txBody>
+                    <a:bodyPr/>
+                    <a:lstStyle/>
+                    <a:p>
+                      <a:pPr algn="ctr"/>
+                      <a:r>
+                        <a:rPr lang="en-ID" sz="1800" b="1" dirty="0">
+                          <a:solidFill>
+                            <a:srgbClr val="C00000"/>
+                          </a:solidFill>
+                        </a:rPr>
+                        <a:t>77.3</a:t>
+                      </a:r>
+                    </a:p>
+                  </a:txBody>
+                  <a:tcPr/>
+                </a:tc>
+                <a:tc>
+                  <a:txBody>
+                    <a:bodyPr/>
+                    <a:lstStyle/>
+                    <a:p>
+                      <a:pPr algn="ctr"/>
+                      <a:r>
+                        <a:rPr lang="en-ID" sz="1800" b="1" dirty="0">
+                          <a:solidFill>
+                            <a:srgbClr val="C00000"/>
+                          </a:solidFill>
+                        </a:rPr>
+                        <a:t>90.8</a:t>
+                      </a:r>
+                    </a:p>
+                  </a:txBody>
+                  <a:tcPr/>
+                </a:tc>
+                <a:tc>
+                  <a:txBody>
+                    <a:bodyPr/>
+                    <a:lstStyle/>
+                    <a:p>
+                      <a:pPr algn="ctr"/>
+                      <a:r>
+                        <a:rPr lang="en-ID" sz="1800" b="1" dirty="0">
+                          <a:solidFill>
+                            <a:srgbClr val="C00000"/>
+                          </a:solidFill>
+                        </a:rPr>
+                        <a:t>78.8</a:t>
+                      </a:r>
+                    </a:p>
+                  </a:txBody>
+                  <a:tcPr/>
+                </a:tc>
+                <a:tc>
+                  <a:txBody>
+                    <a:bodyPr/>
+                    <a:lstStyle/>
+                    <a:p>
+                      <a:pPr algn="ctr"/>
+                      <a:r>
+                        <a:rPr lang="en-ID" sz="1800" b="1" dirty="0">
+                          <a:solidFill>
+                            <a:srgbClr val="C00000"/>
+                          </a:solidFill>
+                        </a:rPr>
+                        <a:t>84.3</a:t>
+                      </a:r>
+                    </a:p>
+                  </a:txBody>
+                  <a:tcPr/>
+                </a:tc>
+                <a:tc>
+                  <a:txBody>
+                    <a:bodyPr/>
+                    <a:lstStyle/>
+                    <a:p>
+                      <a:pPr algn="ctr"/>
+                      <a:r>
+                        <a:rPr lang="en-ID" sz="1800" b="0" dirty="0">
+                          <a:solidFill>
+                            <a:schemeClr val="tx1"/>
+                          </a:solidFill>
+                        </a:rPr>
+                        <a:t>56.8</a:t>
+                      </a:r>
+                    </a:p>
+                  </a:txBody>
+                  <a:tcPr/>
+                </a:tc>
+                <a:extLst>
+                  <a:ext uri="{0D108BD9-81ED-4DB2-BD59-A6C34878D82A}">
+                    <a16:rowId xmlns:a16="http://schemas.microsoft.com/office/drawing/2014/main" val="2049811342"/>
+                  </a:ext>
+                </a:extLst>
+              </a:tr>
+              <a:tr h="370840">
+                <a:tc>
+                  <a:txBody>
+                    <a:bodyPr/>
+                    <a:lstStyle/>
+                    <a:p>
+                      <a:pPr marL="0" marR="0" lvl="0" indent="0" algn="ctr" defTabSz="914400" rtl="0" eaLnBrk="1" fontAlgn="auto" latinLnBrk="0" hangingPunct="1">
+                        <a:lnSpc>
+                          <a:spcPct val="100000"/>
+                        </a:lnSpc>
+                        <a:spcBef>
+                          <a:spcPts val="0"/>
+                        </a:spcBef>
+                        <a:spcAft>
+                          <a:spcPts val="0"/>
+                        </a:spcAft>
+                        <a:buClrTx/>
+                        <a:buSzTx/>
+                        <a:buFontTx/>
+                        <a:buNone/>
+                        <a:tabLst/>
+                        <a:defRPr/>
+                      </a:pPr>
+                      <a:r>
+                        <a:rPr lang="en-ID" b="1" dirty="0"/>
+                        <a:t>CNN-rand</a:t>
+                      </a:r>
+                      <a:br>
+                        <a:rPr lang="en-ID" b="1" dirty="0"/>
+                      </a:br>
+                      <a:r>
+                        <a:rPr lang="en-ID" b="1" dirty="0"/>
+                        <a:t>(Baseline) </a:t>
+                      </a:r>
+                    </a:p>
+                    <a:p>
+                      <a:pPr algn="ctr"/>
+                      <a:endParaRPr lang="en-ID" b="1" dirty="0"/>
+                    </a:p>
+                  </a:txBody>
+                  <a:tcPr/>
+                </a:tc>
+                <a:tc>
+                  <a:txBody>
+                    <a:bodyPr/>
+                    <a:lstStyle/>
+                    <a:p>
+                      <a:pPr algn="ctr"/>
+                      <a:endParaRPr lang="en-ID" sz="1800" b="1" dirty="0">
+                        <a:solidFill>
+                          <a:srgbClr val="C00000"/>
+                        </a:solidFill>
+                      </a:endParaRPr>
+                    </a:p>
+                  </a:txBody>
+                  <a:tcPr/>
+                </a:tc>
+                <a:tc>
+                  <a:txBody>
+                    <a:bodyPr/>
+                    <a:lstStyle/>
+                    <a:p>
+                      <a:pPr algn="ctr"/>
+                      <a:endParaRPr lang="en-ID" sz="1800" b="1" dirty="0">
+                        <a:solidFill>
+                          <a:srgbClr val="C00000"/>
+                        </a:solidFill>
+                      </a:endParaRPr>
+                    </a:p>
+                  </a:txBody>
+                  <a:tcPr/>
+                </a:tc>
+                <a:tc>
+                  <a:txBody>
+                    <a:bodyPr/>
+                    <a:lstStyle/>
+                    <a:p>
+                      <a:pPr algn="ctr"/>
+                      <a:endParaRPr lang="en-ID" sz="1800" b="1" dirty="0">
+                        <a:solidFill>
+                          <a:srgbClr val="C00000"/>
+                        </a:solidFill>
+                      </a:endParaRPr>
+                    </a:p>
+                  </a:txBody>
+                  <a:tcPr/>
+                </a:tc>
+                <a:tc>
+                  <a:txBody>
+                    <a:bodyPr/>
+                    <a:lstStyle/>
+                    <a:p>
+                      <a:pPr algn="ctr"/>
+                      <a:endParaRPr lang="en-ID" sz="1800" b="1" dirty="0">
+                        <a:solidFill>
+                          <a:srgbClr val="C00000"/>
+                        </a:solidFill>
+                      </a:endParaRPr>
+                    </a:p>
+                  </a:txBody>
+                  <a:tcPr/>
+                </a:tc>
+                <a:tc>
+                  <a:txBody>
+                    <a:bodyPr/>
+                    <a:lstStyle/>
+                    <a:p>
+                      <a:pPr algn="ctr"/>
+                      <a:endParaRPr lang="en-ID" sz="1800" b="0" dirty="0">
+                        <a:solidFill>
+                          <a:schemeClr val="tx1"/>
+                        </a:solidFill>
+                      </a:endParaRPr>
+                    </a:p>
+                  </a:txBody>
+                  <a:tcPr/>
+                </a:tc>
+                <a:extLst>
+                  <a:ext uri="{0D108BD9-81ED-4DB2-BD59-A6C34878D82A}">
+                    <a16:rowId xmlns:a16="http://schemas.microsoft.com/office/drawing/2014/main" val="3514948886"/>
+                  </a:ext>
+                </a:extLst>
+              </a:tr>
+            </a:tbl>
+          </a:graphicData>
+        </a:graphic>
+      </p:graphicFrame>
+    </p:spTree>
+    <p:extLst>
+      <p:ext uri="{BB962C8B-B14F-4D97-AF65-F5344CB8AC3E}">
+        <p14:creationId xmlns:p14="http://schemas.microsoft.com/office/powerpoint/2010/main" val="1876320832"/>
+      </p:ext>
+    </p:extLst>
+  </p:cSld>
+  <p:clrMapOvr>
+    <a:masterClrMapping/>
+  </p:clrMapOvr>
+</p:sld>
+</file>
+
+<file path=ppt/slides/slide21.xml><?xml version="1.0" encoding="utf-8"?>
+<p:sld xmlns:a="http://schemas.openxmlformats.org/drawingml/2006/main" xmlns:r="http://schemas.openxmlformats.org/officeDocument/2006/relationships" xmlns:p="http://schemas.openxmlformats.org/presentationml/2006/main">
+  <p:cSld>
+    <p:spTree>
+      <p:nvGrpSpPr>
+        <p:cNvPr id="1" name=""/>
+        <p:cNvGrpSpPr/>
+        <p:nvPr/>
+      </p:nvGrpSpPr>
+      <p:grpSpPr>
+        <a:xfrm>
+          <a:off x="0" y="0"/>
+          <a:ext cx="0" cy="0"/>
+          <a:chOff x="0" y="0"/>
+          <a:chExt cx="0" cy="0"/>
+        </a:xfrm>
+      </p:grpSpPr>
+      <p:sp>
+        <p:nvSpPr>
+          <p:cNvPr id="2" name="Title 1">
+            <a:extLst>
+              <a:ext uri="{FF2B5EF4-FFF2-40B4-BE49-F238E27FC236}">
+                <a16:creationId xmlns:a16="http://schemas.microsoft.com/office/drawing/2014/main" id="{B509617B-28E0-4092-A3A3-1DF9B2AE4B02}"/>
+              </a:ext>
+            </a:extLst>
+          </p:cNvPr>
+          <p:cNvSpPr>
+            <a:spLocks noGrp="1"/>
+          </p:cNvSpPr>
+          <p:nvPr>
+            <p:ph type="title"/>
+          </p:nvPr>
+        </p:nvSpPr>
+        <p:spPr/>
+        <p:txBody>
+          <a:bodyPr/>
+          <a:lstStyle/>
+          <a:p>
+            <a:r>
+              <a:rPr lang="en-ID" dirty="0"/>
+              <a:t>Bag-of-Words Model: </a:t>
+            </a:r>
+            <a:r>
+              <a:rPr lang="en-ID" dirty="0" err="1"/>
+              <a:t>edRVFL</a:t>
+            </a:r>
+            <a:br>
+              <a:rPr lang="en-ID" dirty="0"/>
+            </a:br>
+            <a:r>
+              <a:rPr lang="en-ID" dirty="0"/>
+              <a:t>TREC Dataset</a:t>
+            </a:r>
+          </a:p>
+        </p:txBody>
+      </p:sp>
+      <p:sp>
+        <p:nvSpPr>
+          <p:cNvPr id="3" name="Content Placeholder 2">
+            <a:extLst>
+              <a:ext uri="{FF2B5EF4-FFF2-40B4-BE49-F238E27FC236}">
+                <a16:creationId xmlns:a16="http://schemas.microsoft.com/office/drawing/2014/main" id="{EFD4E93D-78AE-4A00-95A1-5E0F5285BA41}"/>
+              </a:ext>
+            </a:extLst>
+          </p:cNvPr>
+          <p:cNvSpPr>
+            <a:spLocks noGrp="1"/>
+          </p:cNvSpPr>
+          <p:nvPr>
+            <p:ph idx="1"/>
+          </p:nvPr>
+        </p:nvSpPr>
+        <p:spPr/>
+        <p:txBody>
+          <a:bodyPr/>
+          <a:lstStyle/>
+          <a:p>
+            <a:endParaRPr lang="en-ID" dirty="0"/>
+          </a:p>
+        </p:txBody>
+      </p:sp>
+      <p:graphicFrame>
+        <p:nvGraphicFramePr>
+          <p:cNvPr id="4" name="Table 4">
+            <a:extLst>
+              <a:ext uri="{FF2B5EF4-FFF2-40B4-BE49-F238E27FC236}">
+                <a16:creationId xmlns:a16="http://schemas.microsoft.com/office/drawing/2014/main" id="{6605F7BB-D940-4F85-869E-21CFA1A95389}"/>
+              </a:ext>
+            </a:extLst>
+          </p:cNvPr>
+          <p:cNvGraphicFramePr>
+            <a:graphicFrameLocks/>
+          </p:cNvGraphicFramePr>
+          <p:nvPr/>
+        </p:nvGraphicFramePr>
+        <p:xfrm>
+          <a:off x="461913" y="2108200"/>
+          <a:ext cx="11246177" cy="3505200"/>
+        </p:xfrm>
+        <a:graphic>
+          <a:graphicData uri="http://schemas.openxmlformats.org/drawingml/2006/table">
+            <a:tbl>
+              <a:tblPr bandRow="1">
+                <a:tableStyleId>{5C22544A-7EE6-4342-B048-85BDC9FD1C3A}</a:tableStyleId>
+              </a:tblPr>
+              <a:tblGrid>
+                <a:gridCol w="1461198">
+                  <a:extLst>
+                    <a:ext uri="{9D8B030D-6E8A-4147-A177-3AD203B41FA5}">
+                      <a16:colId xmlns:a16="http://schemas.microsoft.com/office/drawing/2014/main" val="3010020823"/>
+                    </a:ext>
+                  </a:extLst>
+                </a:gridCol>
+                <a:gridCol w="2287527">
+                  <a:extLst>
+                    <a:ext uri="{9D8B030D-6E8A-4147-A177-3AD203B41FA5}">
+                      <a16:colId xmlns:a16="http://schemas.microsoft.com/office/drawing/2014/main" val="2391301616"/>
+                    </a:ext>
+                  </a:extLst>
+                </a:gridCol>
+                <a:gridCol w="1874363">
+                  <a:extLst>
+                    <a:ext uri="{9D8B030D-6E8A-4147-A177-3AD203B41FA5}">
+                      <a16:colId xmlns:a16="http://schemas.microsoft.com/office/drawing/2014/main" val="3310041279"/>
+                    </a:ext>
+                  </a:extLst>
+                </a:gridCol>
+                <a:gridCol w="1874363">
+                  <a:extLst>
+                    <a:ext uri="{9D8B030D-6E8A-4147-A177-3AD203B41FA5}">
+                      <a16:colId xmlns:a16="http://schemas.microsoft.com/office/drawing/2014/main" val="635172696"/>
+                    </a:ext>
+                  </a:extLst>
+                </a:gridCol>
+                <a:gridCol w="1874363">
+                  <a:extLst>
+                    <a:ext uri="{9D8B030D-6E8A-4147-A177-3AD203B41FA5}">
+                      <a16:colId xmlns:a16="http://schemas.microsoft.com/office/drawing/2014/main" val="1489510848"/>
+                    </a:ext>
+                  </a:extLst>
+                </a:gridCol>
+                <a:gridCol w="1874363">
+                  <a:extLst>
+                    <a:ext uri="{9D8B030D-6E8A-4147-A177-3AD203B41FA5}">
+                      <a16:colId xmlns:a16="http://schemas.microsoft.com/office/drawing/2014/main" val="973671048"/>
+                    </a:ext>
+                  </a:extLst>
+                </a:gridCol>
+              </a:tblGrid>
+              <a:tr h="370840">
+                <a:tc>
+                  <a:txBody>
+                    <a:bodyPr/>
+                    <a:lstStyle/>
+                    <a:p>
+                      <a:pPr algn="ctr"/>
+                      <a:endParaRPr lang="en-ID" dirty="0"/>
+                    </a:p>
+                  </a:txBody>
+                  <a:tcPr/>
+                </a:tc>
+                <a:tc>
+                  <a:txBody>
+                    <a:bodyPr/>
+                    <a:lstStyle/>
+                    <a:p>
+                      <a:pPr algn="ctr"/>
+                      <a:r>
+                        <a:rPr lang="en-ID" dirty="0" err="1"/>
+                        <a:t>Relu</a:t>
+                      </a:r>
+                      <a:endParaRPr lang="en-ID" dirty="0"/>
+                    </a:p>
+                  </a:txBody>
+                  <a:tcPr/>
+                </a:tc>
+                <a:tc>
+                  <a:txBody>
+                    <a:bodyPr/>
+                    <a:lstStyle/>
+                    <a:p>
+                      <a:pPr algn="ctr"/>
+                      <a:r>
+                        <a:rPr lang="en-ID" dirty="0"/>
+                        <a:t>Sigmoid</a:t>
+                      </a:r>
+                    </a:p>
+                  </a:txBody>
+                  <a:tcPr/>
+                </a:tc>
+                <a:tc>
+                  <a:txBody>
+                    <a:bodyPr/>
+                    <a:lstStyle/>
+                    <a:p>
+                      <a:pPr algn="ctr"/>
+                      <a:r>
+                        <a:rPr lang="en-ID" dirty="0" err="1"/>
+                        <a:t>Selu</a:t>
+                      </a:r>
+                      <a:endParaRPr lang="en-ID" dirty="0"/>
+                    </a:p>
+                  </a:txBody>
+                  <a:tcPr/>
+                </a:tc>
+                <a:tc>
+                  <a:txBody>
+                    <a:bodyPr/>
+                    <a:lstStyle/>
+                    <a:p>
+                      <a:pPr algn="ctr"/>
+                      <a:r>
+                        <a:rPr lang="en-ID" dirty="0" err="1"/>
+                        <a:t>Radbas</a:t>
+                      </a:r>
+                      <a:endParaRPr lang="en-ID" dirty="0"/>
+                    </a:p>
+                  </a:txBody>
+                  <a:tcPr/>
+                </a:tc>
+                <a:tc>
+                  <a:txBody>
+                    <a:bodyPr/>
+                    <a:lstStyle/>
+                    <a:p>
+                      <a:pPr algn="ctr"/>
+                      <a:r>
+                        <a:rPr lang="en-ID" dirty="0"/>
+                        <a:t>Sine</a:t>
+                      </a:r>
+                    </a:p>
+                  </a:txBody>
+                  <a:tcPr/>
+                </a:tc>
+                <a:extLst>
+                  <a:ext uri="{0D108BD9-81ED-4DB2-BD59-A6C34878D82A}">
+                    <a16:rowId xmlns:a16="http://schemas.microsoft.com/office/drawing/2014/main" val="898384172"/>
+                  </a:ext>
+                </a:extLst>
+              </a:tr>
+              <a:tr h="140721">
+                <a:tc>
+                  <a:txBody>
+                    <a:bodyPr/>
+                    <a:lstStyle/>
+                    <a:p>
+                      <a:pPr algn="ctr"/>
+                      <a:endParaRPr lang="en-ID" b="1" dirty="0"/>
+                    </a:p>
+                  </a:txBody>
+                  <a:tcPr/>
+                </a:tc>
+                <a:tc>
+                  <a:txBody>
+                    <a:bodyPr/>
+                    <a:lstStyle/>
+                    <a:p>
+                      <a:pPr algn="ctr"/>
+                      <a:r>
+                        <a:rPr lang="en-ID" sz="1400" b="0" dirty="0">
+                          <a:solidFill>
+                            <a:schemeClr val="tx1"/>
+                          </a:solidFill>
+                        </a:rPr>
+                        <a:t>N = 3, C = 0.0313</a:t>
+                      </a:r>
+                    </a:p>
+                  </a:txBody>
+                  <a:tcPr anchor="ctr"/>
+                </a:tc>
+                <a:tc>
+                  <a:txBody>
+                    <a:bodyPr/>
+                    <a:lstStyle/>
+                    <a:p>
+                      <a:pPr marL="0" marR="0" lvl="0" indent="0" algn="ctr" defTabSz="914400" rtl="0" eaLnBrk="1" fontAlgn="auto" latinLnBrk="0" hangingPunct="1">
+                        <a:lnSpc>
+                          <a:spcPct val="100000"/>
+                        </a:lnSpc>
+                        <a:spcBef>
+                          <a:spcPts val="0"/>
+                        </a:spcBef>
+                        <a:spcAft>
+                          <a:spcPts val="0"/>
+                        </a:spcAft>
+                        <a:buClrTx/>
+                        <a:buSzTx/>
+                        <a:buFontTx/>
+                        <a:buNone/>
+                        <a:tabLst/>
+                        <a:defRPr/>
+                      </a:pPr>
+                      <a:r>
+                        <a:rPr lang="en-ID" sz="1400" b="0" dirty="0">
+                          <a:solidFill>
+                            <a:schemeClr val="tx1"/>
+                          </a:solidFill>
+                        </a:rPr>
+                        <a:t>N = 3, C = 0.0313</a:t>
+                      </a:r>
+                    </a:p>
+                  </a:txBody>
+                  <a:tcPr anchor="ctr"/>
+                </a:tc>
+                <a:tc>
+                  <a:txBody>
+                    <a:bodyPr/>
+                    <a:lstStyle/>
+                    <a:p>
+                      <a:pPr algn="ctr"/>
+                      <a:r>
+                        <a:rPr lang="en-ID" sz="1400" b="0" dirty="0">
+                          <a:solidFill>
+                            <a:schemeClr val="tx1"/>
+                          </a:solidFill>
+                        </a:rPr>
+                        <a:t>N = 3, C = 0.0313</a:t>
+                      </a:r>
+                    </a:p>
+                  </a:txBody>
+                  <a:tcPr anchor="ctr"/>
+                </a:tc>
+                <a:tc>
+                  <a:txBody>
+                    <a:bodyPr/>
+                    <a:lstStyle/>
+                    <a:p>
+                      <a:pPr marL="0" marR="0" lvl="0" indent="0" algn="ctr" defTabSz="914400" rtl="0" eaLnBrk="1" fontAlgn="auto" latinLnBrk="0" hangingPunct="1">
+                        <a:lnSpc>
+                          <a:spcPct val="100000"/>
+                        </a:lnSpc>
+                        <a:spcBef>
+                          <a:spcPts val="0"/>
+                        </a:spcBef>
+                        <a:spcAft>
+                          <a:spcPts val="0"/>
+                        </a:spcAft>
+                        <a:buClrTx/>
+                        <a:buSzTx/>
+                        <a:buFontTx/>
+                        <a:buNone/>
+                        <a:tabLst/>
+                        <a:defRPr/>
+                      </a:pPr>
+                      <a:r>
+                        <a:rPr lang="en-ID" sz="1400" b="0" dirty="0">
+                          <a:solidFill>
+                            <a:schemeClr val="tx1"/>
+                          </a:solidFill>
+                        </a:rPr>
+                        <a:t>N = 3, C = 0.0313</a:t>
+                      </a:r>
+                    </a:p>
+                  </a:txBody>
+                  <a:tcPr anchor="ctr"/>
+                </a:tc>
+                <a:tc>
+                  <a:txBody>
+                    <a:bodyPr/>
+                    <a:lstStyle/>
+                    <a:p>
+                      <a:pPr marL="0" marR="0" lvl="0" indent="0" algn="ctr" defTabSz="914400" rtl="0" eaLnBrk="1" fontAlgn="auto" latinLnBrk="0" hangingPunct="1">
+                        <a:lnSpc>
+                          <a:spcPct val="100000"/>
+                        </a:lnSpc>
+                        <a:spcBef>
+                          <a:spcPts val="0"/>
+                        </a:spcBef>
+                        <a:spcAft>
+                          <a:spcPts val="0"/>
+                        </a:spcAft>
+                        <a:buClrTx/>
+                        <a:buSzTx/>
+                        <a:buFontTx/>
+                        <a:buNone/>
+                        <a:tabLst/>
+                        <a:defRPr/>
+                      </a:pPr>
+                      <a:r>
+                        <a:rPr kumimoji="0" lang="en-ID" sz="1400" b="0" i="0" u="none" strike="noStrike" kern="1200" cap="none" spc="0" normalizeH="0" baseline="0" noProof="0" dirty="0">
+                          <a:ln>
+                            <a:noFill/>
+                          </a:ln>
+                          <a:solidFill>
+                            <a:srgbClr val="000000"/>
+                          </a:solidFill>
+                          <a:effectLst/>
+                          <a:uLnTx/>
+                          <a:uFillTx/>
+                          <a:latin typeface="+mn-lt"/>
+                          <a:ea typeface="+mn-ea"/>
+                          <a:cs typeface="+mn-cs"/>
+                        </a:rPr>
+                        <a:t>N = 3, C = 0.0313</a:t>
+                      </a:r>
+                    </a:p>
+                  </a:txBody>
+                  <a:tcPr anchor="ctr"/>
+                </a:tc>
+                <a:extLst>
+                  <a:ext uri="{0D108BD9-81ED-4DB2-BD59-A6C34878D82A}">
+                    <a16:rowId xmlns:a16="http://schemas.microsoft.com/office/drawing/2014/main" val="141040622"/>
+                  </a:ext>
+                </a:extLst>
+              </a:tr>
+              <a:tr h="370840">
+                <a:tc>
+                  <a:txBody>
+                    <a:bodyPr/>
+                    <a:lstStyle/>
+                    <a:p>
+                      <a:pPr algn="ctr"/>
+                      <a:r>
+                        <a:rPr lang="en-ID" dirty="0"/>
+                        <a:t>Binary</a:t>
+                      </a:r>
+                    </a:p>
+                  </a:txBody>
+                  <a:tcPr/>
+                </a:tc>
+                <a:tc>
+                  <a:txBody>
+                    <a:bodyPr/>
+                    <a:lstStyle/>
+                    <a:p>
+                      <a:pPr marL="0" marR="0" lvl="0" indent="0" algn="ctr" defTabSz="914400" rtl="0" eaLnBrk="1" fontAlgn="auto" latinLnBrk="0" hangingPunct="1">
+                        <a:lnSpc>
+                          <a:spcPct val="100000"/>
+                        </a:lnSpc>
+                        <a:spcBef>
+                          <a:spcPts val="0"/>
+                        </a:spcBef>
+                        <a:spcAft>
+                          <a:spcPts val="0"/>
+                        </a:spcAft>
+                        <a:buClrTx/>
+                        <a:buSzTx/>
+                        <a:buFontTx/>
+                        <a:buNone/>
+                        <a:tabLst/>
+                        <a:defRPr/>
+                      </a:pPr>
+                      <a:r>
+                        <a:rPr lang="en-ID" b="0" dirty="0">
+                          <a:solidFill>
+                            <a:schemeClr val="tx1"/>
+                          </a:solidFill>
+                        </a:rPr>
+                        <a:t>70.0</a:t>
+                      </a:r>
+                    </a:p>
+                  </a:txBody>
+                  <a:tcPr/>
+                </a:tc>
+                <a:tc>
+                  <a:txBody>
+                    <a:bodyPr/>
+                    <a:lstStyle/>
+                    <a:p>
+                      <a:pPr algn="ctr"/>
+                      <a:endParaRPr lang="en-ID" b="0" dirty="0">
+                        <a:solidFill>
+                          <a:schemeClr val="tx1"/>
+                        </a:solidFill>
+                      </a:endParaRPr>
+                    </a:p>
+                  </a:txBody>
+                  <a:tcPr/>
+                </a:tc>
+                <a:tc>
+                  <a:txBody>
+                    <a:bodyPr/>
+                    <a:lstStyle/>
+                    <a:p>
+                      <a:pPr algn="ctr"/>
+                      <a:endParaRPr lang="en-ID" b="0" dirty="0">
+                        <a:solidFill>
+                          <a:schemeClr val="tx1"/>
+                        </a:solidFill>
+                      </a:endParaRPr>
+                    </a:p>
+                  </a:txBody>
+                  <a:tcPr/>
+                </a:tc>
+                <a:tc>
+                  <a:txBody>
+                    <a:bodyPr/>
+                    <a:lstStyle/>
+                    <a:p>
+                      <a:pPr algn="ctr"/>
+                      <a:endParaRPr lang="en-ID" b="0" dirty="0">
+                        <a:solidFill>
+                          <a:schemeClr val="tx1"/>
+                        </a:solidFill>
+                      </a:endParaRPr>
+                    </a:p>
+                  </a:txBody>
+                  <a:tcPr/>
+                </a:tc>
+                <a:tc>
+                  <a:txBody>
+                    <a:bodyPr/>
+                    <a:lstStyle/>
+                    <a:p>
+                      <a:pPr algn="ctr"/>
+                      <a:endParaRPr lang="en-ID" b="1" dirty="0">
+                        <a:solidFill>
+                          <a:srgbClr val="C00000"/>
+                        </a:solidFill>
+                      </a:endParaRPr>
+                    </a:p>
+                  </a:txBody>
+                  <a:tcPr/>
+                </a:tc>
+                <a:extLst>
+                  <a:ext uri="{0D108BD9-81ED-4DB2-BD59-A6C34878D82A}">
+                    <a16:rowId xmlns:a16="http://schemas.microsoft.com/office/drawing/2014/main" val="4266857135"/>
+                  </a:ext>
+                </a:extLst>
+              </a:tr>
+              <a:tr h="370840">
+                <a:tc>
+                  <a:txBody>
+                    <a:bodyPr/>
+                    <a:lstStyle/>
+                    <a:p>
+                      <a:pPr algn="ctr"/>
+                      <a:r>
+                        <a:rPr lang="en-ID" dirty="0"/>
+                        <a:t>Count</a:t>
+                      </a:r>
+                    </a:p>
+                  </a:txBody>
+                  <a:tcPr/>
+                </a:tc>
+                <a:tc>
+                  <a:txBody>
+                    <a:bodyPr/>
+                    <a:lstStyle/>
+                    <a:p>
+                      <a:pPr algn="ctr"/>
+                      <a:endParaRPr lang="en-ID" b="0" dirty="0">
+                        <a:solidFill>
+                          <a:schemeClr val="tx1"/>
+                        </a:solidFill>
+                      </a:endParaRPr>
+                    </a:p>
+                  </a:txBody>
+                  <a:tcPr/>
+                </a:tc>
+                <a:tc>
+                  <a:txBody>
+                    <a:bodyPr/>
+                    <a:lstStyle/>
+                    <a:p>
+                      <a:pPr algn="ctr"/>
+                      <a:endParaRPr lang="en-ID" b="0" dirty="0">
+                        <a:solidFill>
+                          <a:schemeClr val="tx1"/>
+                        </a:solidFill>
+                      </a:endParaRPr>
+                    </a:p>
+                  </a:txBody>
+                  <a:tcPr/>
+                </a:tc>
+                <a:tc>
+                  <a:txBody>
+                    <a:bodyPr/>
+                    <a:lstStyle/>
+                    <a:p>
+                      <a:pPr algn="ctr"/>
+                      <a:endParaRPr lang="en-ID" b="0" dirty="0">
+                        <a:solidFill>
+                          <a:schemeClr val="tx1"/>
+                        </a:solidFill>
+                      </a:endParaRPr>
+                    </a:p>
+                  </a:txBody>
+                  <a:tcPr/>
+                </a:tc>
+                <a:tc>
+                  <a:txBody>
+                    <a:bodyPr/>
+                    <a:lstStyle/>
+                    <a:p>
+                      <a:pPr algn="ctr"/>
+                      <a:endParaRPr lang="en-ID" b="0" dirty="0">
+                        <a:solidFill>
+                          <a:schemeClr val="tx1"/>
+                        </a:solidFill>
+                      </a:endParaRPr>
+                    </a:p>
+                  </a:txBody>
+                  <a:tcPr/>
+                </a:tc>
+                <a:tc>
+                  <a:txBody>
+                    <a:bodyPr/>
+                    <a:lstStyle/>
+                    <a:p>
+                      <a:pPr algn="ctr"/>
+                      <a:endParaRPr lang="en-ID" b="0" dirty="0">
+                        <a:solidFill>
+                          <a:schemeClr val="tx1"/>
+                        </a:solidFill>
+                      </a:endParaRPr>
+                    </a:p>
+                  </a:txBody>
+                  <a:tcPr/>
+                </a:tc>
+                <a:extLst>
+                  <a:ext uri="{0D108BD9-81ED-4DB2-BD59-A6C34878D82A}">
+                    <a16:rowId xmlns:a16="http://schemas.microsoft.com/office/drawing/2014/main" val="1268569981"/>
+                  </a:ext>
+                </a:extLst>
+              </a:tr>
+              <a:tr h="370840">
+                <a:tc>
+                  <a:txBody>
+                    <a:bodyPr/>
+                    <a:lstStyle/>
+                    <a:p>
+                      <a:pPr algn="ctr"/>
+                      <a:r>
+                        <a:rPr lang="en-ID" dirty="0"/>
+                        <a:t>TFIDF</a:t>
+                      </a:r>
+                    </a:p>
+                  </a:txBody>
+                  <a:tcPr/>
+                </a:tc>
+                <a:tc>
+                  <a:txBody>
+                    <a:bodyPr/>
+                    <a:lstStyle/>
+                    <a:p>
+                      <a:pPr algn="ctr"/>
+                      <a:endParaRPr lang="en-ID" b="0" dirty="0">
+                        <a:solidFill>
+                          <a:schemeClr val="tx1"/>
+                        </a:solidFill>
+                      </a:endParaRPr>
+                    </a:p>
+                  </a:txBody>
+                  <a:tcPr/>
+                </a:tc>
+                <a:tc>
+                  <a:txBody>
+                    <a:bodyPr/>
+                    <a:lstStyle/>
+                    <a:p>
+                      <a:pPr algn="ctr"/>
+                      <a:endParaRPr lang="en-ID" b="0" dirty="0">
+                        <a:solidFill>
+                          <a:schemeClr val="tx1"/>
+                        </a:solidFill>
+                      </a:endParaRPr>
+                    </a:p>
+                  </a:txBody>
+                  <a:tcPr/>
+                </a:tc>
+                <a:tc>
+                  <a:txBody>
+                    <a:bodyPr/>
+                    <a:lstStyle/>
+                    <a:p>
+                      <a:pPr algn="ctr"/>
+                      <a:endParaRPr lang="en-ID" b="0" dirty="0">
+                        <a:solidFill>
+                          <a:schemeClr val="tx1"/>
+                        </a:solidFill>
+                      </a:endParaRPr>
+                    </a:p>
+                  </a:txBody>
+                  <a:tcPr/>
+                </a:tc>
+                <a:tc>
+                  <a:txBody>
+                    <a:bodyPr/>
+                    <a:lstStyle/>
+                    <a:p>
+                      <a:pPr algn="ctr"/>
+                      <a:endParaRPr lang="en-ID" b="0" dirty="0">
+                        <a:solidFill>
+                          <a:schemeClr val="tx1"/>
+                        </a:solidFill>
+                      </a:endParaRPr>
+                    </a:p>
+                  </a:txBody>
+                  <a:tcPr/>
+                </a:tc>
+                <a:tc>
+                  <a:txBody>
+                    <a:bodyPr/>
+                    <a:lstStyle/>
+                    <a:p>
+                      <a:pPr algn="ctr"/>
+                      <a:endParaRPr lang="en-ID" b="0" dirty="0">
+                        <a:solidFill>
+                          <a:schemeClr val="tx1"/>
+                        </a:solidFill>
+                      </a:endParaRPr>
+                    </a:p>
+                  </a:txBody>
+                  <a:tcPr/>
+                </a:tc>
+                <a:extLst>
+                  <a:ext uri="{0D108BD9-81ED-4DB2-BD59-A6C34878D82A}">
+                    <a16:rowId xmlns:a16="http://schemas.microsoft.com/office/drawing/2014/main" val="1865587778"/>
+                  </a:ext>
+                </a:extLst>
+              </a:tr>
+              <a:tr h="370840">
+                <a:tc>
+                  <a:txBody>
+                    <a:bodyPr/>
+                    <a:lstStyle/>
+                    <a:p>
+                      <a:pPr algn="ctr"/>
+                      <a:r>
+                        <a:rPr lang="en-ID" dirty="0"/>
+                        <a:t>Freq</a:t>
+                      </a:r>
+                    </a:p>
+                  </a:txBody>
+                  <a:tcPr/>
+                </a:tc>
+                <a:tc>
+                  <a:txBody>
+                    <a:bodyPr/>
+                    <a:lstStyle/>
+                    <a:p>
+                      <a:pPr algn="ctr"/>
+                      <a:r>
+                        <a:rPr lang="en-ID" sz="1800" b="1" dirty="0">
+                          <a:solidFill>
+                            <a:srgbClr val="C00000"/>
+                          </a:solidFill>
+                        </a:rPr>
+                        <a:t>77.3</a:t>
+                      </a:r>
+                    </a:p>
+                  </a:txBody>
+                  <a:tcPr/>
+                </a:tc>
+                <a:tc>
+                  <a:txBody>
+                    <a:bodyPr/>
+                    <a:lstStyle/>
+                    <a:p>
+                      <a:pPr algn="ctr"/>
+                      <a:r>
+                        <a:rPr lang="en-ID" sz="1800" b="1" dirty="0">
+                          <a:solidFill>
+                            <a:srgbClr val="C00000"/>
+                          </a:solidFill>
+                        </a:rPr>
+                        <a:t>90.8</a:t>
+                      </a:r>
+                    </a:p>
+                  </a:txBody>
+                  <a:tcPr/>
+                </a:tc>
+                <a:tc>
+                  <a:txBody>
+                    <a:bodyPr/>
+                    <a:lstStyle/>
+                    <a:p>
+                      <a:pPr algn="ctr"/>
+                      <a:r>
+                        <a:rPr lang="en-ID" sz="1800" b="1" dirty="0">
+                          <a:solidFill>
+                            <a:srgbClr val="C00000"/>
+                          </a:solidFill>
+                        </a:rPr>
+                        <a:t>78.8</a:t>
+                      </a:r>
+                    </a:p>
+                  </a:txBody>
+                  <a:tcPr/>
+                </a:tc>
+                <a:tc>
+                  <a:txBody>
+                    <a:bodyPr/>
+                    <a:lstStyle/>
+                    <a:p>
+                      <a:pPr algn="ctr"/>
+                      <a:r>
+                        <a:rPr lang="en-ID" sz="1800" b="1" dirty="0">
+                          <a:solidFill>
+                            <a:srgbClr val="C00000"/>
+                          </a:solidFill>
+                        </a:rPr>
+                        <a:t>84.3</a:t>
+                      </a:r>
+                    </a:p>
+                  </a:txBody>
+                  <a:tcPr/>
+                </a:tc>
+                <a:tc>
+                  <a:txBody>
+                    <a:bodyPr/>
+                    <a:lstStyle/>
+                    <a:p>
+                      <a:pPr algn="ctr"/>
+                      <a:r>
+                        <a:rPr lang="en-ID" sz="1800" b="0" dirty="0">
+                          <a:solidFill>
+                            <a:schemeClr val="tx1"/>
+                          </a:solidFill>
+                        </a:rPr>
+                        <a:t>56.8</a:t>
+                      </a:r>
+                    </a:p>
+                  </a:txBody>
+                  <a:tcPr/>
+                </a:tc>
+                <a:extLst>
+                  <a:ext uri="{0D108BD9-81ED-4DB2-BD59-A6C34878D82A}">
+                    <a16:rowId xmlns:a16="http://schemas.microsoft.com/office/drawing/2014/main" val="492022231"/>
+                  </a:ext>
+                </a:extLst>
+              </a:tr>
+              <a:tr h="370840">
+                <a:tc>
+                  <a:txBody>
+                    <a:bodyPr/>
+                    <a:lstStyle/>
+                    <a:p>
+                      <a:pPr algn="ctr"/>
+                      <a:r>
+                        <a:rPr lang="en-ID" b="1" dirty="0"/>
+                        <a:t>Naïve Bayes</a:t>
+                      </a:r>
+                    </a:p>
+                  </a:txBody>
+                  <a:tcPr/>
+                </a:tc>
+                <a:tc>
+                  <a:txBody>
+                    <a:bodyPr/>
+                    <a:lstStyle/>
+                    <a:p>
+                      <a:pPr algn="ctr"/>
+                      <a:r>
+                        <a:rPr lang="en-ID" sz="1800" b="1" dirty="0">
+                          <a:solidFill>
+                            <a:srgbClr val="C00000"/>
+                          </a:solidFill>
+                        </a:rPr>
+                        <a:t>77.3</a:t>
+                      </a:r>
+                    </a:p>
+                  </a:txBody>
+                  <a:tcPr/>
+                </a:tc>
+                <a:tc>
+                  <a:txBody>
+                    <a:bodyPr/>
+                    <a:lstStyle/>
+                    <a:p>
+                      <a:pPr algn="ctr"/>
+                      <a:r>
+                        <a:rPr lang="en-ID" sz="1800" b="1" dirty="0">
+                          <a:solidFill>
+                            <a:srgbClr val="C00000"/>
+                          </a:solidFill>
+                        </a:rPr>
+                        <a:t>90.8</a:t>
+                      </a:r>
+                    </a:p>
+                  </a:txBody>
+                  <a:tcPr/>
+                </a:tc>
+                <a:tc>
+                  <a:txBody>
+                    <a:bodyPr/>
+                    <a:lstStyle/>
+                    <a:p>
+                      <a:pPr algn="ctr"/>
+                      <a:r>
+                        <a:rPr lang="en-ID" sz="1800" b="1" dirty="0">
+                          <a:solidFill>
+                            <a:srgbClr val="C00000"/>
+                          </a:solidFill>
+                        </a:rPr>
+                        <a:t>78.8</a:t>
+                      </a:r>
+                    </a:p>
+                  </a:txBody>
+                  <a:tcPr/>
+                </a:tc>
+                <a:tc>
+                  <a:txBody>
+                    <a:bodyPr/>
+                    <a:lstStyle/>
+                    <a:p>
+                      <a:pPr algn="ctr"/>
+                      <a:r>
+                        <a:rPr lang="en-ID" sz="1800" b="1" dirty="0">
+                          <a:solidFill>
+                            <a:srgbClr val="C00000"/>
+                          </a:solidFill>
+                        </a:rPr>
+                        <a:t>84.3</a:t>
+                      </a:r>
+                    </a:p>
+                  </a:txBody>
+                  <a:tcPr/>
+                </a:tc>
+                <a:tc>
+                  <a:txBody>
+                    <a:bodyPr/>
+                    <a:lstStyle/>
+                    <a:p>
+                      <a:pPr algn="ctr"/>
+                      <a:r>
+                        <a:rPr lang="en-ID" sz="1800" b="0" dirty="0">
+                          <a:solidFill>
+                            <a:schemeClr val="tx1"/>
+                          </a:solidFill>
+                        </a:rPr>
+                        <a:t>56.8</a:t>
+                      </a:r>
+                    </a:p>
+                  </a:txBody>
+                  <a:tcPr/>
+                </a:tc>
+                <a:extLst>
+                  <a:ext uri="{0D108BD9-81ED-4DB2-BD59-A6C34878D82A}">
+                    <a16:rowId xmlns:a16="http://schemas.microsoft.com/office/drawing/2014/main" val="2049811342"/>
+                  </a:ext>
+                </a:extLst>
+              </a:tr>
+              <a:tr h="370840">
+                <a:tc>
+                  <a:txBody>
+                    <a:bodyPr/>
+                    <a:lstStyle/>
+                    <a:p>
+                      <a:pPr marL="0" marR="0" lvl="0" indent="0" algn="ctr" defTabSz="914400" rtl="0" eaLnBrk="1" fontAlgn="auto" latinLnBrk="0" hangingPunct="1">
+                        <a:lnSpc>
+                          <a:spcPct val="100000"/>
+                        </a:lnSpc>
+                        <a:spcBef>
+                          <a:spcPts val="0"/>
+                        </a:spcBef>
+                        <a:spcAft>
+                          <a:spcPts val="0"/>
+                        </a:spcAft>
+                        <a:buClrTx/>
+                        <a:buSzTx/>
+                        <a:buFontTx/>
+                        <a:buNone/>
+                        <a:tabLst/>
+                        <a:defRPr/>
+                      </a:pPr>
+                      <a:r>
+                        <a:rPr lang="en-ID" b="1" dirty="0"/>
+                        <a:t>CNN-rand</a:t>
+                      </a:r>
+                      <a:br>
+                        <a:rPr lang="en-ID" b="1" dirty="0"/>
+                      </a:br>
+                      <a:r>
+                        <a:rPr lang="en-ID" b="1" dirty="0"/>
+                        <a:t>(Baseline) </a:t>
+                      </a:r>
+                    </a:p>
+                    <a:p>
+                      <a:pPr algn="ctr"/>
+                      <a:endParaRPr lang="en-ID" b="1" dirty="0"/>
+                    </a:p>
+                  </a:txBody>
+                  <a:tcPr/>
+                </a:tc>
+                <a:tc>
+                  <a:txBody>
+                    <a:bodyPr/>
+                    <a:lstStyle/>
+                    <a:p>
+                      <a:pPr algn="ctr"/>
+                      <a:endParaRPr lang="en-ID" sz="1800" b="1" dirty="0">
+                        <a:solidFill>
+                          <a:srgbClr val="C00000"/>
+                        </a:solidFill>
+                      </a:endParaRPr>
+                    </a:p>
+                  </a:txBody>
+                  <a:tcPr/>
+                </a:tc>
+                <a:tc>
+                  <a:txBody>
+                    <a:bodyPr/>
+                    <a:lstStyle/>
+                    <a:p>
+                      <a:pPr algn="ctr"/>
+                      <a:endParaRPr lang="en-ID" sz="1800" b="1" dirty="0">
+                        <a:solidFill>
+                          <a:srgbClr val="C00000"/>
+                        </a:solidFill>
+                      </a:endParaRPr>
+                    </a:p>
+                  </a:txBody>
+                  <a:tcPr/>
+                </a:tc>
+                <a:tc>
+                  <a:txBody>
+                    <a:bodyPr/>
+                    <a:lstStyle/>
+                    <a:p>
+                      <a:pPr algn="ctr"/>
+                      <a:endParaRPr lang="en-ID" sz="1800" b="1" dirty="0">
+                        <a:solidFill>
+                          <a:srgbClr val="C00000"/>
+                        </a:solidFill>
+                      </a:endParaRPr>
+                    </a:p>
+                  </a:txBody>
+                  <a:tcPr/>
+                </a:tc>
+                <a:tc>
+                  <a:txBody>
+                    <a:bodyPr/>
+                    <a:lstStyle/>
+                    <a:p>
+                      <a:pPr algn="ctr"/>
+                      <a:endParaRPr lang="en-ID" sz="1800" b="1" dirty="0">
+                        <a:solidFill>
+                          <a:srgbClr val="C00000"/>
+                        </a:solidFill>
+                      </a:endParaRPr>
+                    </a:p>
+                  </a:txBody>
+                  <a:tcPr/>
+                </a:tc>
+                <a:tc>
+                  <a:txBody>
+                    <a:bodyPr/>
+                    <a:lstStyle/>
+                    <a:p>
+                      <a:pPr algn="ctr"/>
+                      <a:endParaRPr lang="en-ID" sz="1800" b="0" dirty="0">
+                        <a:solidFill>
+                          <a:schemeClr val="tx1"/>
+                        </a:solidFill>
+                      </a:endParaRPr>
+                    </a:p>
+                  </a:txBody>
+                  <a:tcPr/>
+                </a:tc>
+                <a:extLst>
+                  <a:ext uri="{0D108BD9-81ED-4DB2-BD59-A6C34878D82A}">
+                    <a16:rowId xmlns:a16="http://schemas.microsoft.com/office/drawing/2014/main" val="3514948886"/>
+                  </a:ext>
+                </a:extLst>
+              </a:tr>
+            </a:tbl>
+          </a:graphicData>
+        </a:graphic>
+      </p:graphicFrame>
+    </p:spTree>
+    <p:extLst>
+      <p:ext uri="{BB962C8B-B14F-4D97-AF65-F5344CB8AC3E}">
+        <p14:creationId xmlns:p14="http://schemas.microsoft.com/office/powerpoint/2010/main" val="3282910014"/>
+      </p:ext>
+    </p:extLst>
+  </p:cSld>
+  <p:clrMapOvr>
+    <a:masterClrMapping/>
+  </p:clrMapOvr>
+</p:sld>
+</file>
+
+<file path=ppt/slides/slide22.xml><?xml version="1.0" encoding="utf-8"?>
+<p:sld xmlns:a="http://schemas.openxmlformats.org/drawingml/2006/main" xmlns:r="http://schemas.openxmlformats.org/officeDocument/2006/relationships" xmlns:p="http://schemas.openxmlformats.org/presentationml/2006/main">
+  <p:cSld>
+    <p:spTree>
+      <p:nvGrpSpPr>
+        <p:cNvPr id="1" name=""/>
+        <p:cNvGrpSpPr/>
+        <p:nvPr/>
+      </p:nvGrpSpPr>
+      <p:grpSpPr>
+        <a:xfrm>
+          <a:off x="0" y="0"/>
+          <a:ext cx="0" cy="0"/>
+          <a:chOff x="0" y="0"/>
+          <a:chExt cx="0" cy="0"/>
+        </a:xfrm>
+      </p:grpSpPr>
+      <p:sp>
+        <p:nvSpPr>
+          <p:cNvPr id="2" name="Title 1">
+            <a:extLst>
+              <a:ext uri="{FF2B5EF4-FFF2-40B4-BE49-F238E27FC236}">
+                <a16:creationId xmlns:a16="http://schemas.microsoft.com/office/drawing/2014/main" id="{6E74BBD7-44E9-45AD-AED7-6D8B3599F0B7}"/>
+              </a:ext>
+            </a:extLst>
+          </p:cNvPr>
+          <p:cNvSpPr>
+            <a:spLocks noGrp="1"/>
+          </p:cNvSpPr>
+          <p:nvPr>
+            <p:ph type="title"/>
+          </p:nvPr>
+        </p:nvSpPr>
+        <p:spPr/>
+        <p:txBody>
+          <a:bodyPr/>
+          <a:lstStyle/>
+          <a:p>
+            <a:endParaRPr lang="en-ID"/>
+          </a:p>
+        </p:txBody>
+      </p:sp>
+      <p:sp>
+        <p:nvSpPr>
+          <p:cNvPr id="3" name="Content Placeholder 2">
+            <a:extLst>
+              <a:ext uri="{FF2B5EF4-FFF2-40B4-BE49-F238E27FC236}">
+                <a16:creationId xmlns:a16="http://schemas.microsoft.com/office/drawing/2014/main" id="{7B960E2B-BEC7-4D67-95FF-25A018905893}"/>
+              </a:ext>
+            </a:extLst>
+          </p:cNvPr>
+          <p:cNvSpPr>
+            <a:spLocks noGrp="1"/>
+          </p:cNvSpPr>
+          <p:nvPr>
+            <p:ph idx="1"/>
+          </p:nvPr>
+        </p:nvSpPr>
+        <p:spPr/>
+        <p:txBody>
+          <a:bodyPr/>
+          <a:lstStyle/>
+          <a:p>
+            <a:endParaRPr lang="en-ID" dirty="0"/>
+          </a:p>
+        </p:txBody>
+      </p:sp>
+    </p:spTree>
+    <p:extLst>
+      <p:ext uri="{BB962C8B-B14F-4D97-AF65-F5344CB8AC3E}">
+        <p14:creationId xmlns:p14="http://schemas.microsoft.com/office/powerpoint/2010/main" val="3769490811"/>
+      </p:ext>
+    </p:extLst>
+  </p:cSld>
+  <p:clrMapOvr>
+    <a:masterClrMapping/>
+  </p:clrMapOvr>
+</p:sld>
+</file>
+
 <file path=ppt/slides/slide3.xml><?xml version="1.0" encoding="utf-8"?>
 <p:sld xmlns:a="http://schemas.openxmlformats.org/drawingml/2006/main" xmlns:r="http://schemas.openxmlformats.org/officeDocument/2006/relationships" xmlns:p="http://schemas.openxmlformats.org/presentationml/2006/main">
   <p:cSld>
@@ -7909,7 +12723,14 @@
           <a:p>
             <a:r>
               <a:rPr lang="en-ID" dirty="0"/>
-              <a:t>Outline Project</a:t>
+              <a:t>Outline Project </a:t>
+            </a:r>
+            <a:br>
+              <a:rPr lang="en-ID" dirty="0"/>
+            </a:br>
+            <a:r>
+              <a:rPr lang="en-ID" dirty="0"/>
+              <a:t>(Based on Feature Extraction) </a:t>
             </a:r>
           </a:p>
         </p:txBody>
@@ -7953,7 +12774,7 @@
             </a:pPr>
             <a:r>
               <a:rPr lang="en-ID" sz="2800" dirty="0"/>
-              <a:t>Baseline Model: Naïve Bayes </a:t>
+              <a:t>SOTA Baseline Model: Word Embedding Rand + CNN (CNN-rand)  </a:t>
             </a:r>
           </a:p>
           <a:p>
@@ -7962,8 +12783,20 @@
               <a:buAutoNum type="alphaUcPeriod"/>
             </a:pPr>
             <a:r>
+              <a:rPr lang="en-ID" sz="2800" b="1" dirty="0"/>
+              <a:t>Bag-of-Words</a:t>
+            </a:r>
+            <a:r>
               <a:rPr lang="en-ID" sz="2800" dirty="0"/>
-              <a:t>Bag-of-Words Models: MLP, </a:t>
+              <a:t> (</a:t>
+            </a:r>
+            <a:r>
+              <a:rPr lang="en-ID" sz="2800" i="1" dirty="0"/>
+              <a:t>Binary/Count/TFIDF/Freq</a:t>
+            </a:r>
+            <a:r>
+              <a:rPr lang="en-ID" sz="2800" dirty="0"/>
+              <a:t>) Models: MLP, </a:t>
             </a:r>
             <a:r>
               <a:rPr lang="en-ID" sz="2800" dirty="0" err="1"/>
@@ -7977,8 +12810,20 @@
               <a:buAutoNum type="alphaUcPeriod"/>
             </a:pPr>
             <a:r>
+              <a:rPr lang="en-ID" sz="2800" b="1" dirty="0"/>
+              <a:t>Word-Embedding</a:t>
+            </a:r>
+            <a:r>
               <a:rPr lang="en-ID" sz="2800" dirty="0"/>
-              <a:t>Word-Embedding Models:</a:t>
+              <a:t> (</a:t>
+            </a:r>
+            <a:r>
+              <a:rPr lang="en-ID" sz="2800" i="1" dirty="0"/>
+              <a:t>Word2Vec / BERT</a:t>
+            </a:r>
+            <a:r>
+              <a:rPr lang="en-ID" sz="2800" dirty="0"/>
+              <a:t>) Models:</a:t>
             </a:r>
           </a:p>
           <a:p>
@@ -7988,7 +12833,7 @@
             </a:pPr>
             <a:r>
               <a:rPr lang="en-ID" sz="2800" dirty="0"/>
-              <a:t>CNN (Extract Features), </a:t>
+              <a:t>CNN (Extract Features),</a:t>
             </a:r>
           </a:p>
           <a:p>
@@ -8073,56 +12918,832 @@
           <a:p>
             <a:r>
               <a:rPr lang="en-ID" dirty="0"/>
-              <a:t>Homework</a:t>
+              <a:t>Outline Project</a:t>
+            </a:r>
+            <a:br>
+              <a:rPr lang="en-ID" dirty="0"/>
+            </a:br>
+            <a:r>
+              <a:rPr lang="en-ID" dirty="0"/>
+              <a:t>(Based on DL Models)</a:t>
             </a:r>
           </a:p>
         </p:txBody>
       </p:sp>
-      <p:sp>
-        <p:nvSpPr>
-          <p:cNvPr id="5" name="Content Placeholder 4">
+      <p:graphicFrame>
+        <p:nvGraphicFramePr>
+          <p:cNvPr id="6" name="Table 6">
             <a:extLst>
               <a:ext uri="{FF2B5EF4-FFF2-40B4-BE49-F238E27FC236}">
-                <a16:creationId xmlns:a16="http://schemas.microsoft.com/office/drawing/2014/main" id="{335DAAB2-26BD-498A-BC6C-4BD1045770F2}"/>
+                <a16:creationId xmlns:a16="http://schemas.microsoft.com/office/drawing/2014/main" id="{9623E7CA-BC2B-4837-8881-0032F37B9E4B}"/>
               </a:ext>
             </a:extLst>
           </p:cNvPr>
-          <p:cNvSpPr>
-            <a:spLocks noGrp="1"/>
-          </p:cNvSpPr>
+          <p:cNvGraphicFramePr>
+            <a:graphicFrameLocks noGrp="1"/>
+          </p:cNvGraphicFramePr>
           <p:nvPr>
             <p:ph idx="1"/>
+            <p:extLst>
+              <p:ext uri="{D42A27DB-BD31-4B8C-83A1-F6EECF244321}">
+                <p14:modId xmlns:p14="http://schemas.microsoft.com/office/powerpoint/2010/main" val="3333244240"/>
+              </p:ext>
+            </p:extLst>
           </p:nvPr>
+        </p:nvGraphicFramePr>
+        <p:xfrm>
+          <a:off x="181054" y="2070495"/>
+          <a:ext cx="7697052" cy="4181268"/>
+        </p:xfrm>
+        <a:graphic>
+          <a:graphicData uri="http://schemas.openxmlformats.org/drawingml/2006/table">
+            <a:tbl>
+              <a:tblPr firstRow="1" bandRow="1">
+                <a:tableStyleId>{5C22544A-7EE6-4342-B048-85BDC9FD1C3A}</a:tableStyleId>
+              </a:tblPr>
+              <a:tblGrid>
+                <a:gridCol w="1924263">
+                  <a:extLst>
+                    <a:ext uri="{9D8B030D-6E8A-4147-A177-3AD203B41FA5}">
+                      <a16:colId xmlns:a16="http://schemas.microsoft.com/office/drawing/2014/main" val="3953870574"/>
+                    </a:ext>
+                  </a:extLst>
+                </a:gridCol>
+                <a:gridCol w="1924263">
+                  <a:extLst>
+                    <a:ext uri="{9D8B030D-6E8A-4147-A177-3AD203B41FA5}">
+                      <a16:colId xmlns:a16="http://schemas.microsoft.com/office/drawing/2014/main" val="2458235219"/>
+                    </a:ext>
+                  </a:extLst>
+                </a:gridCol>
+                <a:gridCol w="1924263">
+                  <a:extLst>
+                    <a:ext uri="{9D8B030D-6E8A-4147-A177-3AD203B41FA5}">
+                      <a16:colId xmlns:a16="http://schemas.microsoft.com/office/drawing/2014/main" val="1666371502"/>
+                    </a:ext>
+                  </a:extLst>
+                </a:gridCol>
+                <a:gridCol w="1924263">
+                  <a:extLst>
+                    <a:ext uri="{9D8B030D-6E8A-4147-A177-3AD203B41FA5}">
+                      <a16:colId xmlns:a16="http://schemas.microsoft.com/office/drawing/2014/main" val="705081135"/>
+                    </a:ext>
+                  </a:extLst>
+                </a:gridCol>
+              </a:tblGrid>
+              <a:tr h="349866">
+                <a:tc>
+                  <a:txBody>
+                    <a:bodyPr/>
+                    <a:lstStyle/>
+                    <a:p>
+                      <a:endParaRPr lang="en-ID" sz="1700" dirty="0"/>
+                    </a:p>
+                  </a:txBody>
+                  <a:tcPr marL="87466" marR="87466" marT="43733" marB="43733" anchor="ctr"/>
+                </a:tc>
+                <a:tc>
+                  <a:txBody>
+                    <a:bodyPr/>
+                    <a:lstStyle/>
+                    <a:p>
+                      <a:pPr algn="ctr"/>
+                      <a:r>
+                        <a:rPr lang="en-ID" sz="1700" dirty="0"/>
+                        <a:t>Feed Forward</a:t>
+                      </a:r>
+                    </a:p>
+                  </a:txBody>
+                  <a:tcPr marL="87466" marR="87466" marT="43733" marB="43733" anchor="ctr"/>
+                </a:tc>
+                <a:tc>
+                  <a:txBody>
+                    <a:bodyPr/>
+                    <a:lstStyle/>
+                    <a:p>
+                      <a:pPr algn="ctr"/>
+                      <a:r>
+                        <a:rPr lang="en-ID" sz="1700" dirty="0"/>
+                        <a:t>Convolutional</a:t>
+                      </a:r>
+                    </a:p>
+                  </a:txBody>
+                  <a:tcPr marL="87466" marR="87466" marT="43733" marB="43733" anchor="ctr"/>
+                </a:tc>
+                <a:tc>
+                  <a:txBody>
+                    <a:bodyPr/>
+                    <a:lstStyle/>
+                    <a:p>
+                      <a:pPr algn="ctr"/>
+                      <a:r>
+                        <a:rPr lang="en-ID" sz="1700" dirty="0"/>
+                        <a:t>Recurrent</a:t>
+                      </a:r>
+                    </a:p>
+                  </a:txBody>
+                  <a:tcPr marL="87466" marR="87466" marT="43733" marB="43733" anchor="ctr"/>
+                </a:tc>
+                <a:extLst>
+                  <a:ext uri="{0D108BD9-81ED-4DB2-BD59-A6C34878D82A}">
+                    <a16:rowId xmlns:a16="http://schemas.microsoft.com/office/drawing/2014/main" val="1541138387"/>
+                  </a:ext>
+                </a:extLst>
+              </a:tr>
+              <a:tr h="349866">
+                <a:tc rowSpan="2">
+                  <a:txBody>
+                    <a:bodyPr/>
+                    <a:lstStyle/>
+                    <a:p>
+                      <a:pPr algn="ctr"/>
+                      <a:r>
+                        <a:rPr lang="en-ID" sz="1700" b="1" dirty="0" err="1"/>
+                        <a:t>BoW</a:t>
+                      </a:r>
+                      <a:endParaRPr lang="en-ID" sz="1700" b="1" dirty="0"/>
+                    </a:p>
+                    <a:p>
+                      <a:pPr algn="ctr"/>
+                      <a:r>
+                        <a:rPr lang="en-ID" sz="1700" dirty="0"/>
+                        <a:t>(binary/count/TFIDF/Freq)</a:t>
+                      </a:r>
+                    </a:p>
+                  </a:txBody>
+                  <a:tcPr marL="87466" marR="87466" marT="43733" marB="43733" anchor="ctr"/>
+                </a:tc>
+                <a:tc>
+                  <a:txBody>
+                    <a:bodyPr/>
+                    <a:lstStyle/>
+                    <a:p>
+                      <a:pPr algn="ctr"/>
+                      <a:r>
+                        <a:rPr lang="en-ID" sz="1700" dirty="0"/>
+                        <a:t>MLP</a:t>
+                      </a:r>
+                    </a:p>
+                  </a:txBody>
+                  <a:tcPr marL="87466" marR="87466" marT="43733" marB="43733" anchor="ctr"/>
+                </a:tc>
+                <a:tc>
+                  <a:txBody>
+                    <a:bodyPr/>
+                    <a:lstStyle/>
+                    <a:p>
+                      <a:pPr algn="ctr"/>
+                      <a:r>
+                        <a:rPr lang="en-ID" sz="1700" dirty="0"/>
+                        <a:t>-</a:t>
+                      </a:r>
+                    </a:p>
+                  </a:txBody>
+                  <a:tcPr marL="87466" marR="87466" marT="43733" marB="43733" anchor="ctr"/>
+                </a:tc>
+                <a:tc>
+                  <a:txBody>
+                    <a:bodyPr/>
+                    <a:lstStyle/>
+                    <a:p>
+                      <a:pPr algn="ctr"/>
+                      <a:r>
+                        <a:rPr lang="en-ID" sz="1700" dirty="0"/>
+                        <a:t>-</a:t>
+                      </a:r>
+                    </a:p>
+                  </a:txBody>
+                  <a:tcPr marL="87466" marR="87466" marT="43733" marB="43733" anchor="ctr"/>
+                </a:tc>
+                <a:extLst>
+                  <a:ext uri="{0D108BD9-81ED-4DB2-BD59-A6C34878D82A}">
+                    <a16:rowId xmlns:a16="http://schemas.microsoft.com/office/drawing/2014/main" val="2582197758"/>
+                  </a:ext>
+                </a:extLst>
+              </a:tr>
+              <a:tr h="595142">
+                <a:tc vMerge="1">
+                  <a:txBody>
+                    <a:bodyPr/>
+                    <a:lstStyle/>
+                    <a:p>
+                      <a:endParaRPr lang="en-ID" dirty="0"/>
+                    </a:p>
+                  </a:txBody>
+                  <a:tcPr/>
+                </a:tc>
+                <a:tc>
+                  <a:txBody>
+                    <a:bodyPr/>
+                    <a:lstStyle/>
+                    <a:p>
+                      <a:pPr algn="ctr"/>
+                      <a:r>
+                        <a:rPr lang="en-ID" sz="1700" dirty="0" err="1"/>
+                        <a:t>edRVFL</a:t>
+                      </a:r>
+                      <a:endParaRPr lang="en-ID" sz="1700" dirty="0"/>
+                    </a:p>
+                  </a:txBody>
+                  <a:tcPr marL="87466" marR="87466" marT="43733" marB="43733" anchor="ctr"/>
+                </a:tc>
+                <a:tc>
+                  <a:txBody>
+                    <a:bodyPr/>
+                    <a:lstStyle/>
+                    <a:p>
+                      <a:pPr algn="ctr"/>
+                      <a:r>
+                        <a:rPr lang="en-ID" sz="1700" dirty="0"/>
+                        <a:t>-</a:t>
+                      </a:r>
+                    </a:p>
+                  </a:txBody>
+                  <a:tcPr marL="87466" marR="87466" marT="43733" marB="43733" anchor="ctr"/>
+                </a:tc>
+                <a:tc>
+                  <a:txBody>
+                    <a:bodyPr/>
+                    <a:lstStyle/>
+                    <a:p>
+                      <a:pPr algn="ctr"/>
+                      <a:r>
+                        <a:rPr lang="en-ID" sz="1700" dirty="0"/>
+                        <a:t>-</a:t>
+                      </a:r>
+                    </a:p>
+                  </a:txBody>
+                  <a:tcPr marL="87466" marR="87466" marT="43733" marB="43733" anchor="ctr"/>
+                </a:tc>
+                <a:extLst>
+                  <a:ext uri="{0D108BD9-81ED-4DB2-BD59-A6C34878D82A}">
+                    <a16:rowId xmlns:a16="http://schemas.microsoft.com/office/drawing/2014/main" val="178515947"/>
+                  </a:ext>
+                </a:extLst>
+              </a:tr>
+              <a:tr h="874665">
+                <a:tc rowSpan="3">
+                  <a:txBody>
+                    <a:bodyPr/>
+                    <a:lstStyle/>
+                    <a:p>
+                      <a:pPr algn="ctr"/>
+                      <a:r>
+                        <a:rPr lang="en-ID" sz="1700" b="1" dirty="0"/>
+                        <a:t>Word Embedding</a:t>
+                      </a:r>
+                    </a:p>
+                    <a:p>
+                      <a:pPr algn="ctr"/>
+                      <a:r>
+                        <a:rPr lang="en-ID" sz="1700" dirty="0"/>
+                        <a:t>(Word2Vec / BERT)</a:t>
+                      </a:r>
+                    </a:p>
+                  </a:txBody>
+                  <a:tcPr marL="87466" marR="87466" marT="43733" marB="43733" anchor="ctr"/>
+                </a:tc>
+                <a:tc>
+                  <a:txBody>
+                    <a:bodyPr/>
+                    <a:lstStyle/>
+                    <a:p>
+                      <a:pPr algn="ctr"/>
+                      <a:r>
+                        <a:rPr lang="en-ID" sz="1700" dirty="0"/>
+                        <a:t>MLP </a:t>
+                      </a:r>
+                    </a:p>
+                    <a:p>
+                      <a:pPr algn="ctr"/>
+                      <a:r>
+                        <a:rPr lang="en-ID" sz="1700" dirty="0"/>
+                        <a:t>(random, static, dynamic)</a:t>
+                      </a:r>
+                    </a:p>
+                  </a:txBody>
+                  <a:tcPr marL="87466" marR="87466" marT="43733" marB="43733" anchor="ctr"/>
+                </a:tc>
+                <a:tc>
+                  <a:txBody>
+                    <a:bodyPr/>
+                    <a:lstStyle/>
+                    <a:p>
+                      <a:pPr algn="ctr"/>
+                      <a:r>
+                        <a:rPr lang="en-ID" sz="1700" dirty="0"/>
+                        <a:t>CNN </a:t>
+                      </a:r>
+                    </a:p>
+                    <a:p>
+                      <a:pPr algn="ctr"/>
+                      <a:r>
+                        <a:rPr lang="en-ID" sz="1700" dirty="0"/>
+                        <a:t>(rand, static, dynamic)</a:t>
+                      </a:r>
+                    </a:p>
+                  </a:txBody>
+                  <a:tcPr marL="87466" marR="87466" marT="43733" marB="43733" anchor="ctr"/>
+                </a:tc>
+                <a:tc>
+                  <a:txBody>
+                    <a:bodyPr/>
+                    <a:lstStyle/>
+                    <a:p>
+                      <a:pPr algn="ctr"/>
+                      <a:r>
+                        <a:rPr lang="en-ID" sz="1700" dirty="0"/>
+                        <a:t>RNN / Bi-RNN</a:t>
+                      </a:r>
+                    </a:p>
+                    <a:p>
+                      <a:pPr algn="ctr"/>
+                      <a:r>
+                        <a:rPr lang="en-ID" sz="1700" dirty="0"/>
+                        <a:t>(rand, static, dynamic)</a:t>
+                      </a:r>
+                    </a:p>
+                  </a:txBody>
+                  <a:tcPr marL="87466" marR="87466" marT="43733" marB="43733" anchor="ctr"/>
+                </a:tc>
+                <a:extLst>
+                  <a:ext uri="{0D108BD9-81ED-4DB2-BD59-A6C34878D82A}">
+                    <a16:rowId xmlns:a16="http://schemas.microsoft.com/office/drawing/2014/main" val="4239347004"/>
+                  </a:ext>
+                </a:extLst>
+              </a:tr>
+              <a:tr h="1137064">
+                <a:tc vMerge="1">
+                  <a:txBody>
+                    <a:bodyPr/>
+                    <a:lstStyle/>
+                    <a:p>
+                      <a:endParaRPr lang="en-ID" dirty="0"/>
+                    </a:p>
+                  </a:txBody>
+                  <a:tcPr/>
+                </a:tc>
+                <a:tc>
+                  <a:txBody>
+                    <a:bodyPr/>
+                    <a:lstStyle/>
+                    <a:p>
+                      <a:pPr algn="ctr"/>
+                      <a:r>
+                        <a:rPr lang="en-ID" sz="1700" dirty="0" err="1"/>
+                        <a:t>edRVFL</a:t>
+                      </a:r>
+                      <a:endParaRPr lang="en-ID" sz="1700" dirty="0"/>
+                    </a:p>
+                    <a:p>
+                      <a:pPr algn="ctr"/>
+                      <a:r>
+                        <a:rPr lang="en-ID" sz="1700" dirty="0"/>
+                        <a:t>(random, static)</a:t>
+                      </a:r>
+                    </a:p>
+                  </a:txBody>
+                  <a:tcPr marL="87466" marR="87466" marT="43733" marB="43733" anchor="ctr"/>
+                </a:tc>
+                <a:tc>
+                  <a:txBody>
+                    <a:bodyPr/>
+                    <a:lstStyle/>
+                    <a:p>
+                      <a:pPr algn="ctr"/>
+                      <a:r>
+                        <a:rPr lang="en-ID" sz="1700" dirty="0"/>
+                        <a:t>TCN</a:t>
+                      </a:r>
+                    </a:p>
+                    <a:p>
+                      <a:pPr algn="ctr"/>
+                      <a:r>
+                        <a:rPr lang="en-ID" sz="1700" dirty="0"/>
+                        <a:t>(random, static, dynamic)</a:t>
+                      </a:r>
+                    </a:p>
+                  </a:txBody>
+                  <a:tcPr marL="87466" marR="87466" marT="43733" marB="43733" anchor="ctr"/>
+                </a:tc>
+                <a:tc>
+                  <a:txBody>
+                    <a:bodyPr/>
+                    <a:lstStyle/>
+                    <a:p>
+                      <a:pPr algn="ctr"/>
+                      <a:r>
+                        <a:rPr lang="en-ID" sz="1700" dirty="0"/>
+                        <a:t>GRU / Bi-GRU</a:t>
+                      </a:r>
+                    </a:p>
+                    <a:p>
+                      <a:pPr algn="ctr"/>
+                      <a:r>
+                        <a:rPr lang="en-ID" sz="1700" dirty="0"/>
+                        <a:t>(rand, static, dynamic)</a:t>
+                      </a:r>
+                    </a:p>
+                  </a:txBody>
+                  <a:tcPr marL="87466" marR="87466" marT="43733" marB="43733" anchor="ctr"/>
+                </a:tc>
+                <a:extLst>
+                  <a:ext uri="{0D108BD9-81ED-4DB2-BD59-A6C34878D82A}">
+                    <a16:rowId xmlns:a16="http://schemas.microsoft.com/office/drawing/2014/main" val="3004572587"/>
+                  </a:ext>
+                </a:extLst>
+              </a:tr>
+              <a:tr h="874665">
+                <a:tc vMerge="1">
+                  <a:txBody>
+                    <a:bodyPr/>
+                    <a:lstStyle/>
+                    <a:p>
+                      <a:endParaRPr lang="en-ID" dirty="0"/>
+                    </a:p>
+                  </a:txBody>
+                  <a:tcPr/>
+                </a:tc>
+                <a:tc>
+                  <a:txBody>
+                    <a:bodyPr/>
+                    <a:lstStyle/>
+                    <a:p>
+                      <a:endParaRPr lang="en-ID" sz="1700" dirty="0"/>
+                    </a:p>
+                  </a:txBody>
+                  <a:tcPr marL="87466" marR="87466" marT="43733" marB="43733" anchor="ctr"/>
+                </a:tc>
+                <a:tc>
+                  <a:txBody>
+                    <a:bodyPr/>
+                    <a:lstStyle/>
+                    <a:p>
+                      <a:endParaRPr lang="en-ID" sz="1700" dirty="0"/>
+                    </a:p>
+                  </a:txBody>
+                  <a:tcPr marL="87466" marR="87466" marT="43733" marB="43733" anchor="ctr"/>
+                </a:tc>
+                <a:tc>
+                  <a:txBody>
+                    <a:bodyPr/>
+                    <a:lstStyle/>
+                    <a:p>
+                      <a:pPr algn="ctr"/>
+                      <a:r>
+                        <a:rPr lang="en-ID" sz="1700" dirty="0"/>
+                        <a:t>LSTM / Bi-LSTM</a:t>
+                      </a:r>
+                    </a:p>
+                    <a:p>
+                      <a:pPr algn="ctr"/>
+                      <a:r>
+                        <a:rPr lang="en-ID" sz="1700" dirty="0"/>
+                        <a:t>(rand, static, dynamic)</a:t>
+                      </a:r>
+                    </a:p>
+                  </a:txBody>
+                  <a:tcPr marL="87466" marR="87466" marT="43733" marB="43733" anchor="ctr"/>
+                </a:tc>
+                <a:extLst>
+                  <a:ext uri="{0D108BD9-81ED-4DB2-BD59-A6C34878D82A}">
+                    <a16:rowId xmlns:a16="http://schemas.microsoft.com/office/drawing/2014/main" val="547021881"/>
+                  </a:ext>
+                </a:extLst>
+              </a:tr>
+            </a:tbl>
+          </a:graphicData>
+        </a:graphic>
+      </p:graphicFrame>
+      <p:sp>
+        <p:nvSpPr>
+          <p:cNvPr id="7" name="TextBox 6">
+            <a:extLst>
+              <a:ext uri="{FF2B5EF4-FFF2-40B4-BE49-F238E27FC236}">
+                <a16:creationId xmlns:a16="http://schemas.microsoft.com/office/drawing/2014/main" id="{C529B567-494A-495B-93F1-FE8866FB9FD5}"/>
+              </a:ext>
+            </a:extLst>
+          </p:cNvPr>
+          <p:cNvSpPr txBox="1"/>
+          <p:nvPr/>
         </p:nvSpPr>
-        <p:spPr/>
+        <p:spPr>
+          <a:xfrm>
+            <a:off x="7878106" y="2070495"/>
+            <a:ext cx="4467890" cy="4154984"/>
+          </a:xfrm>
+          <a:prstGeom prst="rect">
+            <a:avLst/>
+          </a:prstGeom>
+          <a:noFill/>
+        </p:spPr>
         <p:txBody>
-          <a:bodyPr>
-            <a:normAutofit/>
+          <a:bodyPr wrap="none" rtlCol="0">
+            <a:spAutoFit/>
           </a:bodyPr>
           <a:lstStyle/>
           <a:p>
-            <a:pPr marL="0" indent="0">
-              <a:buNone/>
+            <a:r>
+              <a:rPr lang="en-US" b="0" i="1" dirty="0">
+                <a:solidFill>
+                  <a:srgbClr val="000000"/>
+                </a:solidFill>
+                <a:effectLst/>
+                <a:latin typeface="Helvetica Neue"/>
+              </a:rPr>
+              <a:t>“The CNN is in essence a feature-</a:t>
+            </a:r>
+          </a:p>
+          <a:p>
+            <a:r>
+              <a:rPr lang="en-US" b="0" i="1" dirty="0">
+                <a:solidFill>
+                  <a:srgbClr val="000000"/>
+                </a:solidFill>
+                <a:effectLst/>
+                <a:latin typeface="Helvetica Neue"/>
+              </a:rPr>
+              <a:t>extracting architecture. The CNNs layer’s </a:t>
+            </a:r>
+          </a:p>
+          <a:p>
+            <a:r>
+              <a:rPr lang="en-US" b="0" i="1" dirty="0">
+                <a:solidFill>
+                  <a:srgbClr val="000000"/>
+                </a:solidFill>
+                <a:effectLst/>
+                <a:latin typeface="Helvetica Neue"/>
+              </a:rPr>
+              <a:t>responsibility is</a:t>
+            </a:r>
+            <a:r>
+              <a:rPr lang="en-US" i="1" dirty="0">
+                <a:solidFill>
+                  <a:srgbClr val="000000"/>
+                </a:solidFill>
+                <a:latin typeface="Helvetica Neue"/>
+              </a:rPr>
+              <a:t> to </a:t>
+            </a:r>
+            <a:r>
+              <a:rPr lang="en-US" b="0" i="1" dirty="0">
+                <a:solidFill>
+                  <a:srgbClr val="000000"/>
+                </a:solidFill>
+                <a:effectLst/>
+                <a:latin typeface="Helvetica Neue"/>
+              </a:rPr>
+              <a:t>extract meaningful </a:t>
+            </a:r>
+          </a:p>
+          <a:p>
+            <a:r>
+              <a:rPr lang="en-US" b="0" i="1" dirty="0">
+                <a:solidFill>
+                  <a:srgbClr val="000000"/>
+                </a:solidFill>
+                <a:effectLst/>
+                <a:latin typeface="Helvetica Neue"/>
+              </a:rPr>
+              <a:t>sub-structures that are useful for the </a:t>
+            </a:r>
+          </a:p>
+          <a:p>
+            <a:r>
+              <a:rPr lang="en-US" b="0" i="1" dirty="0">
+                <a:solidFill>
+                  <a:srgbClr val="000000"/>
+                </a:solidFill>
+                <a:effectLst/>
+                <a:latin typeface="Helvetica Neue"/>
+              </a:rPr>
+              <a:t>overall prediction task at hand.”</a:t>
+            </a:r>
+          </a:p>
+          <a:p>
+            <a:pPr marL="285750" indent="-285750">
+              <a:buFontTx/>
+              <a:buChar char="-"/>
             </a:pPr>
             <a:r>
-              <a:rPr lang="en-ID" sz="2800" dirty="0"/>
-              <a:t>4 Models (TCN, CNN, </a:t>
-            </a:r>
-            <a:r>
-              <a:rPr lang="en-ID" sz="2800" dirty="0" err="1"/>
-              <a:t>edRVFL</a:t>
-            </a:r>
-            <a:r>
-              <a:rPr lang="en-ID" sz="2800" dirty="0"/>
-              <a:t>, LSTM) * 2 WE * 3 WE Learning method ) = 24</a:t>
-            </a:r>
-          </a:p>
-          <a:p>
-            <a:pPr marL="457200" indent="-457200">
-              <a:buFont typeface="+mj-lt"/>
-              <a:buAutoNum type="alphaUcPeriod"/>
-            </a:pPr>
-            <a:endParaRPr lang="en-ID" dirty="0"/>
+              <a:rPr lang="en-US" sz="1200" b="1" i="1" dirty="0">
+                <a:solidFill>
+                  <a:srgbClr val="000000"/>
+                </a:solidFill>
+                <a:latin typeface="Helvetica Neue"/>
+              </a:rPr>
+              <a:t>Yoav Goldberg,</a:t>
+            </a:r>
+            <a:r>
+              <a:rPr lang="en-US" sz="1200" b="1" dirty="0">
+                <a:solidFill>
+                  <a:srgbClr val="000000"/>
+                </a:solidFill>
+                <a:latin typeface="Helvetica Neue"/>
+              </a:rPr>
+              <a:t> </a:t>
+            </a:r>
+            <a:r>
+              <a:rPr lang="en-US" sz="1200" b="0" i="1" dirty="0">
+                <a:solidFill>
+                  <a:srgbClr val="000000"/>
+                </a:solidFill>
+                <a:effectLst/>
+                <a:latin typeface="Helvetica Neue"/>
+              </a:rPr>
+              <a:t>Neural Network Methods for NLP, 2017</a:t>
+            </a:r>
+            <a:r>
+              <a:rPr lang="en-US" sz="1200" b="0" i="0" dirty="0">
+                <a:solidFill>
+                  <a:srgbClr val="000000"/>
+                </a:solidFill>
+                <a:effectLst/>
+                <a:latin typeface="Helvetica Neue"/>
+              </a:rPr>
+              <a:t> </a:t>
+            </a:r>
+            <a:endParaRPr lang="en-US" sz="1200" dirty="0">
+              <a:solidFill>
+                <a:srgbClr val="000000"/>
+              </a:solidFill>
+              <a:latin typeface="Helvetica Neue"/>
+            </a:endParaRPr>
+          </a:p>
+          <a:p>
+            <a:endParaRPr lang="en-US" b="0" i="0" dirty="0">
+              <a:solidFill>
+                <a:srgbClr val="000000"/>
+              </a:solidFill>
+              <a:effectLst/>
+              <a:latin typeface="Helvetica Neue"/>
+            </a:endParaRPr>
+          </a:p>
+          <a:p>
+            <a:endParaRPr lang="en-US" b="0" i="0" dirty="0">
+              <a:solidFill>
+                <a:srgbClr val="000000"/>
+              </a:solidFill>
+              <a:effectLst/>
+              <a:latin typeface="Helvetica Neue"/>
+            </a:endParaRPr>
+          </a:p>
+          <a:p>
+            <a:r>
+              <a:rPr lang="en-ID" b="1" dirty="0"/>
+              <a:t>Baseline</a:t>
+            </a:r>
+            <a:r>
+              <a:rPr lang="en-ID" dirty="0"/>
+              <a:t>:</a:t>
+            </a:r>
+          </a:p>
+          <a:p>
+            <a:r>
+              <a:rPr lang="en-US" b="0" i="0" dirty="0">
+                <a:solidFill>
+                  <a:srgbClr val="000000"/>
+                </a:solidFill>
+                <a:effectLst/>
+                <a:latin typeface="Helvetica Neue"/>
+              </a:rPr>
+              <a:t>The </a:t>
+            </a:r>
+            <a:r>
+              <a:rPr lang="en-US" b="1" i="0" dirty="0">
+                <a:solidFill>
+                  <a:srgbClr val="000000"/>
+                </a:solidFill>
+                <a:effectLst/>
+                <a:latin typeface="Helvetica Neue"/>
+              </a:rPr>
+              <a:t>modus operandi</a:t>
+            </a:r>
+            <a:r>
+              <a:rPr lang="en-US" b="0" i="0" dirty="0">
+                <a:solidFill>
+                  <a:srgbClr val="000000"/>
+                </a:solidFill>
+                <a:effectLst/>
+                <a:latin typeface="Helvetica Neue"/>
+              </a:rPr>
+              <a:t> for text </a:t>
+            </a:r>
+          </a:p>
+          <a:p>
+            <a:r>
+              <a:rPr lang="en-US" b="0" i="0" dirty="0">
+                <a:solidFill>
+                  <a:srgbClr val="000000"/>
+                </a:solidFill>
+                <a:effectLst/>
+                <a:latin typeface="Helvetica Neue"/>
+              </a:rPr>
+              <a:t>classification is to use </a:t>
+            </a:r>
+          </a:p>
+          <a:p>
+            <a:r>
+              <a:rPr lang="en-US" b="1" i="0" dirty="0">
+                <a:solidFill>
+                  <a:srgbClr val="000000"/>
+                </a:solidFill>
+                <a:effectLst/>
+                <a:latin typeface="Helvetica Neue"/>
+              </a:rPr>
+              <a:t>word embedding</a:t>
+            </a:r>
+            <a:r>
+              <a:rPr lang="en-US" b="0" i="0" dirty="0">
+                <a:solidFill>
+                  <a:srgbClr val="000000"/>
+                </a:solidFill>
+                <a:effectLst/>
+                <a:latin typeface="Helvetica Neue"/>
+              </a:rPr>
+              <a:t> for representing </a:t>
+            </a:r>
+          </a:p>
+          <a:p>
+            <a:r>
+              <a:rPr lang="en-US" b="0" i="0" dirty="0">
+                <a:solidFill>
+                  <a:srgbClr val="000000"/>
+                </a:solidFill>
+                <a:effectLst/>
+                <a:latin typeface="Helvetica Neue"/>
+              </a:rPr>
+              <a:t>words and a </a:t>
+            </a:r>
+            <a:r>
+              <a:rPr lang="en-US" b="1" i="0" dirty="0">
+                <a:solidFill>
+                  <a:srgbClr val="000000"/>
+                </a:solidFill>
+                <a:effectLst/>
+                <a:latin typeface="Helvetica Neue"/>
+              </a:rPr>
+              <a:t>CNN</a:t>
+            </a:r>
+            <a:r>
+              <a:rPr lang="en-US" b="0" i="0" dirty="0">
+                <a:solidFill>
+                  <a:srgbClr val="000000"/>
+                </a:solidFill>
+                <a:effectLst/>
+                <a:latin typeface="Helvetica Neue"/>
+              </a:rPr>
+              <a:t> to discriminate </a:t>
+            </a:r>
+          </a:p>
+          <a:p>
+            <a:r>
+              <a:rPr lang="en-US" b="0" i="0" dirty="0">
+                <a:solidFill>
+                  <a:srgbClr val="000000"/>
+                </a:solidFill>
+                <a:effectLst/>
+                <a:latin typeface="Helvetica Neue"/>
+              </a:rPr>
+              <a:t>documents on classification problems.</a:t>
+            </a:r>
+          </a:p>
+          <a:p>
+            <a:r>
+              <a:rPr lang="en-US" dirty="0">
+                <a:solidFill>
+                  <a:srgbClr val="000000"/>
+                </a:solidFill>
+                <a:latin typeface="Helvetica Neue"/>
+              </a:rPr>
+              <a:t>Hence, we set </a:t>
+            </a:r>
+            <a:r>
+              <a:rPr lang="en-US" b="1" u="sng" dirty="0">
+                <a:solidFill>
+                  <a:srgbClr val="000000"/>
+                </a:solidFill>
+                <a:latin typeface="Helvetica Neue"/>
+              </a:rPr>
+              <a:t>CNN-rand</a:t>
+            </a:r>
+            <a:r>
+              <a:rPr lang="en-US" dirty="0">
+                <a:solidFill>
+                  <a:srgbClr val="000000"/>
+                </a:solidFill>
+                <a:latin typeface="Helvetica Neue"/>
+              </a:rPr>
+              <a:t> as the baseline.</a:t>
+            </a:r>
+            <a:endParaRPr lang="en-US" b="0" i="0" dirty="0">
+              <a:solidFill>
+                <a:srgbClr val="000000"/>
+              </a:solidFill>
+              <a:effectLst/>
+              <a:latin typeface="Helvetica Neue"/>
+            </a:endParaRPr>
           </a:p>
         </p:txBody>
       </p:sp>
@@ -9122,7 +14743,7 @@
           <a:p>
             <a:r>
               <a:rPr lang="en-US" sz="6000" dirty="0"/>
-              <a:t>Baseline Model</a:t>
+              <a:t>Basic Model</a:t>
             </a:r>
           </a:p>
         </p:txBody>
@@ -9257,7 +14878,7 @@
           <a:p>
             <a:r>
               <a:rPr lang="en-ID" dirty="0"/>
-              <a:t>Baseline Model: Naïve Bayes</a:t>
+              <a:t>Basic Model: Naïve Bayes</a:t>
             </a:r>
           </a:p>
         </p:txBody>
@@ -10481,7 +16102,7 @@
                   </a:schemeClr>
                 </a:solidFill>
               </a:rPr>
-              <a:t>Multi Layer Perceptron text classification</a:t>
+              <a:t>Multi Layer Perceptron Neural Network</a:t>
             </a:r>
           </a:p>
         </p:txBody>
